--- a/Fake_News_New.pptx
+++ b/Fake_News_New.pptx
@@ -11,31 +11,32 @@
     <p:sldId id="260" r:id="rId5"/>
     <p:sldId id="263" r:id="rId6"/>
     <p:sldId id="264" r:id="rId7"/>
-    <p:sldId id="266" r:id="rId8"/>
-    <p:sldId id="265" r:id="rId9"/>
-    <p:sldId id="267" r:id="rId10"/>
-    <p:sldId id="268" r:id="rId11"/>
-    <p:sldId id="269" r:id="rId12"/>
-    <p:sldId id="270" r:id="rId13"/>
-    <p:sldId id="274" r:id="rId14"/>
-    <p:sldId id="272" r:id="rId15"/>
-    <p:sldId id="271" r:id="rId16"/>
-    <p:sldId id="273" r:id="rId17"/>
-    <p:sldId id="277" r:id="rId18"/>
-    <p:sldId id="278" r:id="rId19"/>
-    <p:sldId id="275" r:id="rId20"/>
-    <p:sldId id="276" r:id="rId21"/>
-    <p:sldId id="279" r:id="rId22"/>
-    <p:sldId id="280" r:id="rId23"/>
-    <p:sldId id="281" r:id="rId24"/>
-    <p:sldId id="282" r:id="rId25"/>
-    <p:sldId id="283" r:id="rId26"/>
-    <p:sldId id="284" r:id="rId27"/>
-    <p:sldId id="286" r:id="rId28"/>
-    <p:sldId id="288" r:id="rId29"/>
-    <p:sldId id="287" r:id="rId30"/>
-    <p:sldId id="261" r:id="rId31"/>
-    <p:sldId id="262" r:id="rId32"/>
+    <p:sldId id="289" r:id="rId8"/>
+    <p:sldId id="266" r:id="rId9"/>
+    <p:sldId id="265" r:id="rId10"/>
+    <p:sldId id="267" r:id="rId11"/>
+    <p:sldId id="268" r:id="rId12"/>
+    <p:sldId id="269" r:id="rId13"/>
+    <p:sldId id="270" r:id="rId14"/>
+    <p:sldId id="274" r:id="rId15"/>
+    <p:sldId id="272" r:id="rId16"/>
+    <p:sldId id="271" r:id="rId17"/>
+    <p:sldId id="273" r:id="rId18"/>
+    <p:sldId id="277" r:id="rId19"/>
+    <p:sldId id="278" r:id="rId20"/>
+    <p:sldId id="275" r:id="rId21"/>
+    <p:sldId id="276" r:id="rId22"/>
+    <p:sldId id="279" r:id="rId23"/>
+    <p:sldId id="280" r:id="rId24"/>
+    <p:sldId id="281" r:id="rId25"/>
+    <p:sldId id="282" r:id="rId26"/>
+    <p:sldId id="283" r:id="rId27"/>
+    <p:sldId id="284" r:id="rId28"/>
+    <p:sldId id="286" r:id="rId29"/>
+    <p:sldId id="288" r:id="rId30"/>
+    <p:sldId id="287" r:id="rId31"/>
+    <p:sldId id="261" r:id="rId32"/>
+    <p:sldId id="262" r:id="rId33"/>
   </p:sldIdLst>
   <p:sldSz cx="12192000" cy="6858000"/>
   <p:notesSz cx="6858000" cy="9144000"/>
@@ -291,7 +292,7 @@
           <a:p>
             <a:fld id="{9589FA9A-A757-4F59-93C9-EAE2979DB3FA}" type="datetimeFigureOut">
               <a:rPr lang="en-IN" smtClean="0"/>
-              <a:t>12-12-2021</a:t>
+              <a:t>13-12-2021</a:t>
             </a:fld>
             <a:endParaRPr lang="en-IN"/>
           </a:p>
@@ -491,7 +492,7 @@
           <a:p>
             <a:fld id="{9589FA9A-A757-4F59-93C9-EAE2979DB3FA}" type="datetimeFigureOut">
               <a:rPr lang="en-IN" smtClean="0"/>
-              <a:t>12-12-2021</a:t>
+              <a:t>13-12-2021</a:t>
             </a:fld>
             <a:endParaRPr lang="en-IN"/>
           </a:p>
@@ -701,7 +702,7 @@
           <a:p>
             <a:fld id="{9589FA9A-A757-4F59-93C9-EAE2979DB3FA}" type="datetimeFigureOut">
               <a:rPr lang="en-IN" smtClean="0"/>
-              <a:t>12-12-2021</a:t>
+              <a:t>13-12-2021</a:t>
             </a:fld>
             <a:endParaRPr lang="en-IN"/>
           </a:p>
@@ -901,7 +902,7 @@
           <a:p>
             <a:fld id="{9589FA9A-A757-4F59-93C9-EAE2979DB3FA}" type="datetimeFigureOut">
               <a:rPr lang="en-IN" smtClean="0"/>
-              <a:t>12-12-2021</a:t>
+              <a:t>13-12-2021</a:t>
             </a:fld>
             <a:endParaRPr lang="en-IN"/>
           </a:p>
@@ -1177,7 +1178,7 @@
           <a:p>
             <a:fld id="{9589FA9A-A757-4F59-93C9-EAE2979DB3FA}" type="datetimeFigureOut">
               <a:rPr lang="en-IN" smtClean="0"/>
-              <a:t>12-12-2021</a:t>
+              <a:t>13-12-2021</a:t>
             </a:fld>
             <a:endParaRPr lang="en-IN"/>
           </a:p>
@@ -1445,7 +1446,7 @@
           <a:p>
             <a:fld id="{9589FA9A-A757-4F59-93C9-EAE2979DB3FA}" type="datetimeFigureOut">
               <a:rPr lang="en-IN" smtClean="0"/>
-              <a:t>12-12-2021</a:t>
+              <a:t>13-12-2021</a:t>
             </a:fld>
             <a:endParaRPr lang="en-IN"/>
           </a:p>
@@ -1860,7 +1861,7 @@
           <a:p>
             <a:fld id="{9589FA9A-A757-4F59-93C9-EAE2979DB3FA}" type="datetimeFigureOut">
               <a:rPr lang="en-IN" smtClean="0"/>
-              <a:t>12-12-2021</a:t>
+              <a:t>13-12-2021</a:t>
             </a:fld>
             <a:endParaRPr lang="en-IN"/>
           </a:p>
@@ -2002,7 +2003,7 @@
           <a:p>
             <a:fld id="{9589FA9A-A757-4F59-93C9-EAE2979DB3FA}" type="datetimeFigureOut">
               <a:rPr lang="en-IN" smtClean="0"/>
-              <a:t>12-12-2021</a:t>
+              <a:t>13-12-2021</a:t>
             </a:fld>
             <a:endParaRPr lang="en-IN"/>
           </a:p>
@@ -2115,7 +2116,7 @@
           <a:p>
             <a:fld id="{9589FA9A-A757-4F59-93C9-EAE2979DB3FA}" type="datetimeFigureOut">
               <a:rPr lang="en-IN" smtClean="0"/>
-              <a:t>12-12-2021</a:t>
+              <a:t>13-12-2021</a:t>
             </a:fld>
             <a:endParaRPr lang="en-IN"/>
           </a:p>
@@ -2428,7 +2429,7 @@
           <a:p>
             <a:fld id="{9589FA9A-A757-4F59-93C9-EAE2979DB3FA}" type="datetimeFigureOut">
               <a:rPr lang="en-IN" smtClean="0"/>
-              <a:t>12-12-2021</a:t>
+              <a:t>13-12-2021</a:t>
             </a:fld>
             <a:endParaRPr lang="en-IN"/>
           </a:p>
@@ -2717,7 +2718,7 @@
           <a:p>
             <a:fld id="{9589FA9A-A757-4F59-93C9-EAE2979DB3FA}" type="datetimeFigureOut">
               <a:rPr lang="en-IN" smtClean="0"/>
-              <a:t>12-12-2021</a:t>
+              <a:t>13-12-2021</a:t>
             </a:fld>
             <a:endParaRPr lang="en-IN"/>
           </a:p>
@@ -2960,7 +2961,7 @@
           <a:p>
             <a:fld id="{9589FA9A-A757-4F59-93C9-EAE2979DB3FA}" type="datetimeFigureOut">
               <a:rPr lang="en-IN" smtClean="0"/>
-              <a:t>12-12-2021</a:t>
+              <a:t>13-12-2021</a:t>
             </a:fld>
             <a:endParaRPr lang="en-IN"/>
           </a:p>
@@ -4180,7 +4181,7 @@
           <a:p>
             <a:r>
               <a:rPr lang="en-IN" b="1" dirty="0"/>
-              <a:t>Implementation </a:t>
+              <a:t>Methodology </a:t>
             </a:r>
           </a:p>
         </p:txBody>
@@ -4250,50 +4251,53 @@
         </p:nvSpPr>
         <p:spPr/>
         <p:txBody>
-          <a:bodyPr>
-            <a:normAutofit/>
-          </a:bodyPr>
+          <a:bodyPr/>
           <a:lstStyle/>
           <a:p>
-            <a:pPr marL="0" indent="0">
-              <a:buNone/>
-            </a:pPr>
-            <a:r>
-              <a:rPr lang="en-IN" sz="3200" b="1" dirty="0">
+            <a:r>
+              <a:rPr lang="en-IN" sz="2800" dirty="0">
                 <a:solidFill>
-                  <a:schemeClr val="tx1">
-                    <a:lumMod val="65000"/>
-                    <a:lumOff val="35000"/>
-                  </a:schemeClr>
+                  <a:srgbClr val="231F20"/>
                 </a:solidFill>
+                <a:effectLst/>
+                <a:latin typeface="Cambria" panose="02040503050406030204" pitchFamily="18" charset="0"/>
+                <a:ea typeface="Times New Roman" panose="02020603050405020304" pitchFamily="18" charset="0"/>
+                <a:cs typeface="Mangal" panose="02040503050203030202" pitchFamily="18" charset="0"/>
               </a:rPr>
-              <a:t>Pre-processing</a:t>
-            </a:r>
-          </a:p>
-          <a:p>
-            <a:r>
-              <a:rPr lang="en-IN" dirty="0"/>
-              <a:t>The text data which is available to us for using in the fake news detection is full of noisy information and present in format that can’t be directly used by our algorithms. </a:t>
-            </a:r>
-          </a:p>
-          <a:p>
-            <a:r>
-              <a:rPr lang="en-IN" dirty="0"/>
-              <a:t>So, we have done the data pre-processing to transform the data into a useable form.</a:t>
-            </a:r>
-          </a:p>
-          <a:p>
-            <a:r>
-              <a:rPr lang="en-IN" dirty="0"/>
-              <a:t>We started with removing the null values present in the dataset. We have dropped the entire row in which any column is null.</a:t>
-            </a:r>
+              <a:t>The attention layer can access all previous states and weights them according to a learned measure of relevancy, providing relevant information about far-away tokens.</a:t>
+            </a:r>
+            <a:endParaRPr lang="en-IN" dirty="0">
+              <a:latin typeface="Cambria" panose="02040503050406030204" pitchFamily="18" charset="0"/>
+              <a:ea typeface="Times New Roman" panose="02020603050405020304" pitchFamily="18" charset="0"/>
+              <a:cs typeface="Mangal" panose="02040503050203030202" pitchFamily="18" charset="0"/>
+            </a:endParaRPr>
+          </a:p>
+          <a:p>
+            <a:r>
+              <a:rPr lang="en-IN" dirty="0">
+                <a:solidFill>
+                  <a:srgbClr val="231F20"/>
+                </a:solidFill>
+                <a:latin typeface="Cambria" panose="02040503050406030204" pitchFamily="18" charset="0"/>
+                <a:cs typeface="Mangal" panose="02040503050203030202" pitchFamily="18" charset="0"/>
+              </a:rPr>
+              <a:t>Transformers use an attention mechanism without an RNN, processing all tokens at the same time and calculating attention weights between them in successive layers.</a:t>
+            </a:r>
+          </a:p>
+          <a:p>
+            <a:endParaRPr lang="en-IN" sz="1800" dirty="0">
+              <a:effectLst/>
+              <a:latin typeface="Cambria" panose="02040503050406030204" pitchFamily="18" charset="0"/>
+              <a:ea typeface="Times New Roman" panose="02020603050405020304" pitchFamily="18" charset="0"/>
+              <a:cs typeface="Mangal" panose="02040503050203030202" pitchFamily="18" charset="0"/>
+            </a:endParaRPr>
           </a:p>
         </p:txBody>
       </p:sp>
     </p:spTree>
     <p:extLst>
       <p:ext uri="{BB962C8B-B14F-4D97-AF65-F5344CB8AC3E}">
-        <p14:creationId xmlns:p14="http://schemas.microsoft.com/office/powerpoint/2010/main" val="2865348938"/>
+        <p14:creationId xmlns:p14="http://schemas.microsoft.com/office/powerpoint/2010/main" val="3562716280"/>
       </p:ext>
     </p:extLst>
   </p:cSld>
@@ -4414,56 +4418,49 @@
         <p:spPr/>
         <p:txBody>
           <a:bodyPr>
-            <a:normAutofit lnSpcReduction="10000"/>
+            <a:normAutofit/>
           </a:bodyPr>
           <a:lstStyle/>
           <a:p>
+            <a:pPr marL="0" indent="0">
+              <a:buNone/>
+            </a:pPr>
+            <a:r>
+              <a:rPr lang="en-IN" sz="3200" b="1" dirty="0">
+                <a:solidFill>
+                  <a:schemeClr val="tx1">
+                    <a:lumMod val="65000"/>
+                    <a:lumOff val="35000"/>
+                  </a:schemeClr>
+                </a:solidFill>
+              </a:rPr>
+              <a:t>Pre-processing</a:t>
+            </a:r>
+          </a:p>
+          <a:p>
             <a:r>
               <a:rPr lang="en-IN" dirty="0"/>
-              <a:t>We have expanded the contraction(short forms and shorthand's) used in the english text using contractions library of python. </a:t>
+              <a:t>The text data which is available to us for using in the fake news detection is full of noisy information and present in format that can’t be directly used by our algorithms. </a:t>
             </a:r>
           </a:p>
           <a:p>
             <a:r>
               <a:rPr lang="en-IN" dirty="0"/>
-              <a:t>We converted the text into lowercase and have split the text into word list.</a:t>
+              <a:t>The data pre-processing is to transform the data into a useable form.</a:t>
             </a:r>
           </a:p>
           <a:p>
             <a:r>
               <a:rPr lang="en-IN" dirty="0"/>
-              <a:t>We have removed all form of punctuation and stop words from the processed word list.</a:t>
-            </a:r>
-          </a:p>
-          <a:p>
-            <a:r>
-              <a:rPr lang="en-IN" dirty="0"/>
-              <a:t>We have  removed all special characters and numbers from the processed word list.</a:t>
-            </a:r>
-          </a:p>
-          <a:p>
-            <a:r>
-              <a:rPr lang="en-IN" dirty="0"/>
-              <a:t>We have  removed all non-English words from the word list and then again convert it back to text.</a:t>
-            </a:r>
-          </a:p>
-          <a:p>
-            <a:endParaRPr lang="en-IN" sz="1800" dirty="0">
-              <a:effectLst/>
-              <a:latin typeface="Cambria" panose="02040503050406030204" pitchFamily="18" charset="0"/>
-              <a:ea typeface="Times New Roman" panose="02020603050405020304" pitchFamily="18" charset="0"/>
-              <a:cs typeface="Mangal" panose="02040503050203030202" pitchFamily="18" charset="0"/>
-            </a:endParaRPr>
-          </a:p>
-          <a:p>
-            <a:endParaRPr lang="en-IN" dirty="0"/>
+              <a:t>The pre-processing  started with removing the null values present in the dataset. The entire row in which any column is null has been dropped.</a:t>
+            </a:r>
           </a:p>
         </p:txBody>
       </p:sp>
     </p:spTree>
     <p:extLst>
       <p:ext uri="{BB962C8B-B14F-4D97-AF65-F5344CB8AC3E}">
-        <p14:creationId xmlns:p14="http://schemas.microsoft.com/office/powerpoint/2010/main" val="2578717433"/>
+        <p14:creationId xmlns:p14="http://schemas.microsoft.com/office/powerpoint/2010/main" val="2865348938"/>
       </p:ext>
     </p:extLst>
   </p:cSld>
@@ -4513,7 +4510,7 @@
           <a:p>
             <a:r>
               <a:rPr lang="en-IN" b="1" dirty="0"/>
-              <a:t>Implementation </a:t>
+              <a:t>Implementation This have </a:t>
             </a:r>
           </a:p>
         </p:txBody>
@@ -4584,41 +4581,38 @@
         <p:spPr/>
         <p:txBody>
           <a:bodyPr>
-            <a:normAutofit lnSpcReduction="10000"/>
+            <a:normAutofit/>
           </a:bodyPr>
           <a:lstStyle/>
           <a:p>
             <a:r>
               <a:rPr lang="en-IN" dirty="0"/>
-              <a:t>We have use TF-IDF vectorizer to extract the features from the corpus(processed text) and convert it to word vector.</a:t>
+              <a:t>The contractions has been expanded(short forms and shorthand's) used in the english text using contractions library of python. </a:t>
             </a:r>
           </a:p>
           <a:p>
             <a:r>
               <a:rPr lang="en-IN" dirty="0"/>
-              <a:t>We have also created a separate form of dataset using tokenizer instead of vectorizer.</a:t>
+              <a:t>The text has been converted into lowercase, and  split into word list.</a:t>
             </a:r>
           </a:p>
           <a:p>
             <a:r>
               <a:rPr lang="en-IN" dirty="0"/>
-              <a:t>At last, we save both the format using pickle library of python. We have generated both the format used by common ML algorithms</a:t>
+              <a:t>All form of punctuation and stop words from the processed word list has been removed.</a:t>
             </a:r>
           </a:p>
           <a:p>
             <a:r>
               <a:rPr lang="en-IN" dirty="0"/>
-              <a:t>Then we used stemming to generate another form of formatted data. We will be using a python library, Port Stemmer.</a:t>
+              <a:t>All special characters and numbers has been removed from the processed word list.</a:t>
             </a:r>
           </a:p>
           <a:p>
             <a:r>
               <a:rPr lang="en-IN" dirty="0"/>
-              <a:t>We used one-hot encoder to encode the words and then generate the embedding matrix.</a:t>
-            </a:r>
-          </a:p>
-          <a:p>
-            <a:endParaRPr lang="en-IN" dirty="0"/>
+              <a:t>All non-English words has been from the word list, and then finally convert word list back into text.</a:t>
+            </a:r>
           </a:p>
           <a:p>
             <a:endParaRPr lang="en-IN" sz="1800" dirty="0">
@@ -4631,23 +4625,12 @@
           <a:p>
             <a:endParaRPr lang="en-IN" dirty="0"/>
           </a:p>
-          <a:p>
-            <a:endParaRPr lang="en-IN" sz="1800" dirty="0">
-              <a:effectLst/>
-              <a:latin typeface="Cambria" panose="02040503050406030204" pitchFamily="18" charset="0"/>
-              <a:ea typeface="Times New Roman" panose="02020603050405020304" pitchFamily="18" charset="0"/>
-              <a:cs typeface="Mangal" panose="02040503050203030202" pitchFamily="18" charset="0"/>
-            </a:endParaRPr>
-          </a:p>
-          <a:p>
-            <a:endParaRPr lang="en-IN" dirty="0"/>
-          </a:p>
         </p:txBody>
       </p:sp>
     </p:spTree>
     <p:extLst>
       <p:ext uri="{BB962C8B-B14F-4D97-AF65-F5344CB8AC3E}">
-        <p14:creationId xmlns:p14="http://schemas.microsoft.com/office/powerpoint/2010/main" val="1811834359"/>
+        <p14:creationId xmlns:p14="http://schemas.microsoft.com/office/powerpoint/2010/main" val="2578717433"/>
       </p:ext>
     </p:extLst>
   </p:cSld>
@@ -4768,6 +4751,193 @@
         <p:spPr/>
         <p:txBody>
           <a:bodyPr>
+            <a:normAutofit lnSpcReduction="10000"/>
+          </a:bodyPr>
+          <a:lstStyle/>
+          <a:p>
+            <a:r>
+              <a:rPr lang="en-IN" dirty="0"/>
+              <a:t>TF-IDF vectorizer has been used to extract the features from the corpus(processed text) and convert it to word vector.</a:t>
+            </a:r>
+          </a:p>
+          <a:p>
+            <a:r>
+              <a:rPr lang="en-IN" dirty="0"/>
+              <a:t>A separate form of dataset has been created using tokenizer instead of vectorizer.</a:t>
+            </a:r>
+          </a:p>
+          <a:p>
+            <a:r>
+              <a:rPr lang="en-IN" dirty="0"/>
+              <a:t>Stemming has been used to generate another form of formatted data. using a python library, Port Stemmer.</a:t>
+            </a:r>
+          </a:p>
+          <a:p>
+            <a:r>
+              <a:rPr lang="en-IN" dirty="0"/>
+              <a:t>One-hot encoder has been used to encode the words, and then generate the embedding matrix.</a:t>
+            </a:r>
+          </a:p>
+          <a:p>
+            <a:r>
+              <a:rPr lang="en-IN" dirty="0"/>
+              <a:t>At last, we save the 3 format using pickle library of python. We have generated all the format used by common ML and DL algorithms.</a:t>
+            </a:r>
+          </a:p>
+          <a:p>
+            <a:endParaRPr lang="en-IN" dirty="0"/>
+          </a:p>
+          <a:p>
+            <a:endParaRPr lang="en-IN" dirty="0"/>
+          </a:p>
+          <a:p>
+            <a:endParaRPr lang="en-IN" sz="1800" dirty="0">
+              <a:effectLst/>
+              <a:latin typeface="Cambria" panose="02040503050406030204" pitchFamily="18" charset="0"/>
+              <a:ea typeface="Times New Roman" panose="02020603050405020304" pitchFamily="18" charset="0"/>
+              <a:cs typeface="Mangal" panose="02040503050203030202" pitchFamily="18" charset="0"/>
+            </a:endParaRPr>
+          </a:p>
+          <a:p>
+            <a:endParaRPr lang="en-IN" dirty="0"/>
+          </a:p>
+          <a:p>
+            <a:endParaRPr lang="en-IN" sz="1800" dirty="0">
+              <a:effectLst/>
+              <a:latin typeface="Cambria" panose="02040503050406030204" pitchFamily="18" charset="0"/>
+              <a:ea typeface="Times New Roman" panose="02020603050405020304" pitchFamily="18" charset="0"/>
+              <a:cs typeface="Mangal" panose="02040503050203030202" pitchFamily="18" charset="0"/>
+            </a:endParaRPr>
+          </a:p>
+          <a:p>
+            <a:endParaRPr lang="en-IN" dirty="0"/>
+          </a:p>
+        </p:txBody>
+      </p:sp>
+    </p:spTree>
+    <p:extLst>
+      <p:ext uri="{BB962C8B-B14F-4D97-AF65-F5344CB8AC3E}">
+        <p14:creationId xmlns:p14="http://schemas.microsoft.com/office/powerpoint/2010/main" val="1811834359"/>
+      </p:ext>
+    </p:extLst>
+  </p:cSld>
+  <p:clrMapOvr>
+    <a:masterClrMapping/>
+  </p:clrMapOvr>
+</p:sld>
+</file>
+
+<file path=ppt/slides/slide14.xml><?xml version="1.0" encoding="utf-8"?>
+<p:sld xmlns:a="http://schemas.openxmlformats.org/drawingml/2006/main" xmlns:r="http://schemas.openxmlformats.org/officeDocument/2006/relationships" xmlns:p="http://schemas.openxmlformats.org/presentationml/2006/main">
+  <p:cSld>
+    <p:spTree>
+      <p:nvGrpSpPr>
+        <p:cNvPr id="1" name=""/>
+        <p:cNvGrpSpPr/>
+        <p:nvPr/>
+      </p:nvGrpSpPr>
+      <p:grpSpPr>
+        <a:xfrm>
+          <a:off x="0" y="0"/>
+          <a:ext cx="0" cy="0"/>
+          <a:chOff x="0" y="0"/>
+          <a:chExt cx="0" cy="0"/>
+        </a:xfrm>
+      </p:grpSpPr>
+      <p:sp>
+        <p:nvSpPr>
+          <p:cNvPr id="2" name="Title 1">
+            <a:extLst>
+              <a:ext uri="{FF2B5EF4-FFF2-40B4-BE49-F238E27FC236}">
+                <a16:creationId xmlns:a16="http://schemas.microsoft.com/office/drawing/2014/main" id="{078945BF-047F-4163-9CCE-0202B64CFA0C}"/>
+              </a:ext>
+            </a:extLst>
+          </p:cNvPr>
+          <p:cNvSpPr>
+            <a:spLocks noGrp="1"/>
+          </p:cNvSpPr>
+          <p:nvPr>
+            <p:ph type="title"/>
+          </p:nvPr>
+        </p:nvSpPr>
+        <p:spPr/>
+        <p:txBody>
+          <a:bodyPr/>
+          <a:lstStyle/>
+          <a:p>
+            <a:r>
+              <a:rPr lang="en-IN" b="1" dirty="0"/>
+              <a:t>Implementation </a:t>
+            </a:r>
+          </a:p>
+        </p:txBody>
+      </p:sp>
+      <p:pic>
+        <p:nvPicPr>
+          <p:cNvPr id="4" name="Picture 7">
+            <a:extLst>
+              <a:ext uri="{FF2B5EF4-FFF2-40B4-BE49-F238E27FC236}">
+                <a16:creationId xmlns:a16="http://schemas.microsoft.com/office/drawing/2014/main" id="{A3B6A24E-442E-4C40-ACD9-23E82280DC80}"/>
+              </a:ext>
+            </a:extLst>
+          </p:cNvPr>
+          <p:cNvPicPr>
+            <a:picLocks noChangeAspect="1" noChangeArrowheads="1"/>
+          </p:cNvPicPr>
+          <p:nvPr/>
+        </p:nvPicPr>
+        <p:blipFill>
+          <a:blip r:embed="rId2">
+            <a:extLst>
+              <a:ext uri="{28A0092B-C50C-407E-A947-70E740481C1C}">
+                <a14:useLocalDpi xmlns:a14="http://schemas.microsoft.com/office/drawing/2010/main" val="0"/>
+              </a:ext>
+            </a:extLst>
+          </a:blip>
+          <a:srcRect/>
+          <a:stretch>
+            <a:fillRect/>
+          </a:stretch>
+        </p:blipFill>
+        <p:spPr bwMode="auto">
+          <a:xfrm>
+            <a:off x="9725025" y="375443"/>
+            <a:ext cx="1628775" cy="1304925"/>
+          </a:xfrm>
+          <a:prstGeom prst="rect">
+            <a:avLst/>
+          </a:prstGeom>
+          <a:noFill/>
+          <a:extLst>
+            <a:ext uri="{909E8E84-426E-40DD-AFC4-6F175D3DCCD1}">
+              <a14:hiddenFill xmlns:a14="http://schemas.microsoft.com/office/drawing/2010/main">
+                <a:solidFill>
+                  <a:srgbClr val="FFFFFF"/>
+                </a:solidFill>
+              </a14:hiddenFill>
+            </a:ext>
+          </a:extLst>
+        </p:spPr>
+      </p:pic>
+      <p:sp>
+        <p:nvSpPr>
+          <p:cNvPr id="6" name="Content Placeholder 5">
+            <a:extLst>
+              <a:ext uri="{FF2B5EF4-FFF2-40B4-BE49-F238E27FC236}">
+                <a16:creationId xmlns:a16="http://schemas.microsoft.com/office/drawing/2014/main" id="{90F8CA56-6026-4026-B08E-14B9597E4435}"/>
+              </a:ext>
+            </a:extLst>
+          </p:cNvPr>
+          <p:cNvSpPr>
+            <a:spLocks noGrp="1"/>
+          </p:cNvSpPr>
+          <p:nvPr>
+            <p:ph idx="1"/>
+          </p:nvPr>
+        </p:nvSpPr>
+        <p:spPr/>
+        <p:txBody>
+          <a:bodyPr>
             <a:normAutofit/>
           </a:bodyPr>
           <a:lstStyle/>
@@ -4846,7 +5016,7 @@
 </p:sld>
 </file>
 
-<file path=ppt/slides/slide14.xml><?xml version="1.0" encoding="utf-8"?>
+<file path=ppt/slides/slide15.xml><?xml version="1.0" encoding="utf-8"?>
 <p:sld xmlns:a="http://schemas.openxmlformats.org/drawingml/2006/main" xmlns:r="http://schemas.openxmlformats.org/officeDocument/2006/relationships" xmlns:p="http://schemas.openxmlformats.org/presentationml/2006/main">
   <p:cSld>
     <p:spTree>
@@ -5102,7 +5272,7 @@
 </p:sld>
 </file>
 
-<file path=ppt/slides/slide15.xml><?xml version="1.0" encoding="utf-8"?>
+<file path=ppt/slides/slide16.xml><?xml version="1.0" encoding="utf-8"?>
 <p:sld xmlns:a="http://schemas.openxmlformats.org/drawingml/2006/main" xmlns:r="http://schemas.openxmlformats.org/officeDocument/2006/relationships" xmlns:p="http://schemas.openxmlformats.org/presentationml/2006/main">
   <p:cSld>
     <p:spTree>
@@ -5318,7 +5488,7 @@
 </p:sld>
 </file>
 
-<file path=ppt/slides/slide16.xml><?xml version="1.0" encoding="utf-8"?>
+<file path=ppt/slides/slide17.xml><?xml version="1.0" encoding="utf-8"?>
 <p:sld xmlns:a="http://schemas.openxmlformats.org/drawingml/2006/main" xmlns:r="http://schemas.openxmlformats.org/officeDocument/2006/relationships" xmlns:p="http://schemas.openxmlformats.org/presentationml/2006/main">
   <p:cSld>
     <p:spTree>
@@ -5574,7 +5744,7 @@
 </p:sld>
 </file>
 
-<file path=ppt/slides/slide17.xml><?xml version="1.0" encoding="utf-8"?>
+<file path=ppt/slides/slide18.xml><?xml version="1.0" encoding="utf-8"?>
 <p:sld xmlns:a="http://schemas.openxmlformats.org/drawingml/2006/main" xmlns:r="http://schemas.openxmlformats.org/officeDocument/2006/relationships" xmlns:p="http://schemas.openxmlformats.org/presentationml/2006/main">
   <p:cSld>
     <p:spTree>
@@ -5815,7 +5985,7 @@
 </p:sld>
 </file>
 
-<file path=ppt/slides/slide18.xml><?xml version="1.0" encoding="utf-8"?>
+<file path=ppt/slides/slide19.xml><?xml version="1.0" encoding="utf-8"?>
 <p:sld xmlns:a="http://schemas.openxmlformats.org/drawingml/2006/main" xmlns:r="http://schemas.openxmlformats.org/officeDocument/2006/relationships" xmlns:p="http://schemas.openxmlformats.org/presentationml/2006/main">
   <p:cSld>
     <p:spTree>
@@ -6071,219 +6241,6 @@
 </p:sld>
 </file>
 
-<file path=ppt/slides/slide19.xml><?xml version="1.0" encoding="utf-8"?>
-<p:sld xmlns:a="http://schemas.openxmlformats.org/drawingml/2006/main" xmlns:r="http://schemas.openxmlformats.org/officeDocument/2006/relationships" xmlns:p="http://schemas.openxmlformats.org/presentationml/2006/main">
-  <p:cSld>
-    <p:spTree>
-      <p:nvGrpSpPr>
-        <p:cNvPr id="1" name=""/>
-        <p:cNvGrpSpPr/>
-        <p:nvPr/>
-      </p:nvGrpSpPr>
-      <p:grpSpPr>
-        <a:xfrm>
-          <a:off x="0" y="0"/>
-          <a:ext cx="0" cy="0"/>
-          <a:chOff x="0" y="0"/>
-          <a:chExt cx="0" cy="0"/>
-        </a:xfrm>
-      </p:grpSpPr>
-      <p:sp>
-        <p:nvSpPr>
-          <p:cNvPr id="2" name="Title 1">
-            <a:extLst>
-              <a:ext uri="{FF2B5EF4-FFF2-40B4-BE49-F238E27FC236}">
-                <a16:creationId xmlns:a16="http://schemas.microsoft.com/office/drawing/2014/main" id="{078945BF-047F-4163-9CCE-0202B64CFA0C}"/>
-              </a:ext>
-            </a:extLst>
-          </p:cNvPr>
-          <p:cNvSpPr>
-            <a:spLocks noGrp="1"/>
-          </p:cNvSpPr>
-          <p:nvPr>
-            <p:ph type="title"/>
-          </p:nvPr>
-        </p:nvSpPr>
-        <p:spPr/>
-        <p:txBody>
-          <a:bodyPr/>
-          <a:lstStyle/>
-          <a:p>
-            <a:r>
-              <a:rPr lang="en-IN" b="1" dirty="0"/>
-              <a:t>Implementation </a:t>
-            </a:r>
-          </a:p>
-        </p:txBody>
-      </p:sp>
-      <p:pic>
-        <p:nvPicPr>
-          <p:cNvPr id="4" name="Picture 7">
-            <a:extLst>
-              <a:ext uri="{FF2B5EF4-FFF2-40B4-BE49-F238E27FC236}">
-                <a16:creationId xmlns:a16="http://schemas.microsoft.com/office/drawing/2014/main" id="{A3B6A24E-442E-4C40-ACD9-23E82280DC80}"/>
-              </a:ext>
-            </a:extLst>
-          </p:cNvPr>
-          <p:cNvPicPr>
-            <a:picLocks noChangeAspect="1" noChangeArrowheads="1"/>
-          </p:cNvPicPr>
-          <p:nvPr/>
-        </p:nvPicPr>
-        <p:blipFill>
-          <a:blip r:embed="rId2">
-            <a:extLst>
-              <a:ext uri="{28A0092B-C50C-407E-A947-70E740481C1C}">
-                <a14:useLocalDpi xmlns:a14="http://schemas.microsoft.com/office/drawing/2010/main" val="0"/>
-              </a:ext>
-            </a:extLst>
-          </a:blip>
-          <a:srcRect/>
-          <a:stretch>
-            <a:fillRect/>
-          </a:stretch>
-        </p:blipFill>
-        <p:spPr bwMode="auto">
-          <a:xfrm>
-            <a:off x="9725025" y="375443"/>
-            <a:ext cx="1628775" cy="1304925"/>
-          </a:xfrm>
-          <a:prstGeom prst="rect">
-            <a:avLst/>
-          </a:prstGeom>
-          <a:noFill/>
-          <a:extLst>
-            <a:ext uri="{909E8E84-426E-40DD-AFC4-6F175D3DCCD1}">
-              <a14:hiddenFill xmlns:a14="http://schemas.microsoft.com/office/drawing/2010/main">
-                <a:solidFill>
-                  <a:srgbClr val="FFFFFF"/>
-                </a:solidFill>
-              </a14:hiddenFill>
-            </a:ext>
-          </a:extLst>
-        </p:spPr>
-      </p:pic>
-      <p:sp>
-        <p:nvSpPr>
-          <p:cNvPr id="6" name="Content Placeholder 5">
-            <a:extLst>
-              <a:ext uri="{FF2B5EF4-FFF2-40B4-BE49-F238E27FC236}">
-                <a16:creationId xmlns:a16="http://schemas.microsoft.com/office/drawing/2014/main" id="{90F8CA56-6026-4026-B08E-14B9597E4435}"/>
-              </a:ext>
-            </a:extLst>
-          </p:cNvPr>
-          <p:cNvSpPr>
-            <a:spLocks noGrp="1"/>
-          </p:cNvSpPr>
-          <p:nvPr>
-            <p:ph idx="1"/>
-          </p:nvPr>
-        </p:nvSpPr>
-        <p:spPr/>
-        <p:txBody>
-          <a:bodyPr>
-            <a:normAutofit/>
-          </a:bodyPr>
-          <a:lstStyle/>
-          <a:p>
-            <a:pPr marL="0" indent="0">
-              <a:buNone/>
-            </a:pPr>
-            <a:r>
-              <a:rPr lang="en-IN" b="1" dirty="0">
-                <a:solidFill>
-                  <a:schemeClr val="tx1">
-                    <a:lumMod val="65000"/>
-                    <a:lumOff val="35000"/>
-                  </a:schemeClr>
-                </a:solidFill>
-              </a:rPr>
-              <a:t>Model-4</a:t>
-            </a:r>
-            <a:endParaRPr lang="en-IN" dirty="0"/>
-          </a:p>
-          <a:p>
-            <a:pPr marL="457200">
-              <a:spcBef>
-                <a:spcPts val="1170"/>
-              </a:spcBef>
-              <a:tabLst>
-                <a:tab pos="842645" algn="l"/>
-                <a:tab pos="843280" algn="l"/>
-              </a:tabLst>
-            </a:pPr>
-            <a:r>
-              <a:rPr lang="en-IN" dirty="0"/>
-              <a:t>It is an upgrade of previous model with additional CNN network. </a:t>
-            </a:r>
-          </a:p>
-          <a:p>
-            <a:pPr marL="457200">
-              <a:spcBef>
-                <a:spcPts val="1170"/>
-              </a:spcBef>
-              <a:tabLst>
-                <a:tab pos="842645" algn="l"/>
-                <a:tab pos="843280" algn="l"/>
-              </a:tabLst>
-            </a:pPr>
-            <a:r>
-              <a:rPr lang="en-IN" dirty="0"/>
-              <a:t>CNN input the is used for detecting the features and then more refined details is passed to LSTM  boosting its accuracy to 91%. </a:t>
-            </a:r>
-          </a:p>
-          <a:p>
-            <a:pPr marL="457200">
-              <a:spcBef>
-                <a:spcPts val="1170"/>
-              </a:spcBef>
-              <a:tabLst>
-                <a:tab pos="842645" algn="l"/>
-                <a:tab pos="843280" algn="l"/>
-              </a:tabLst>
-            </a:pPr>
-            <a:r>
-              <a:rPr lang="en-IN" dirty="0"/>
-              <a:t>Though we have used batch normalization it is not required that will observe in our final model.</a:t>
-            </a:r>
-          </a:p>
-          <a:p>
-            <a:endParaRPr lang="en-IN" sz="1800" dirty="0">
-              <a:effectLst/>
-              <a:latin typeface="Cambria" panose="02040503050406030204" pitchFamily="18" charset="0"/>
-              <a:ea typeface="Times New Roman" panose="02020603050405020304" pitchFamily="18" charset="0"/>
-              <a:cs typeface="Mangal" panose="02040503050203030202" pitchFamily="18" charset="0"/>
-            </a:endParaRPr>
-          </a:p>
-          <a:p>
-            <a:endParaRPr lang="en-IN" dirty="0"/>
-          </a:p>
-          <a:p>
-            <a:pPr marL="0" indent="0">
-              <a:buNone/>
-            </a:pPr>
-            <a:endParaRPr lang="en-IN" sz="1800" dirty="0">
-              <a:effectLst/>
-              <a:latin typeface="Cambria" panose="02040503050406030204" pitchFamily="18" charset="0"/>
-              <a:ea typeface="Times New Roman" panose="02020603050405020304" pitchFamily="18" charset="0"/>
-              <a:cs typeface="Mangal" panose="02040503050203030202" pitchFamily="18" charset="0"/>
-            </a:endParaRPr>
-          </a:p>
-        </p:txBody>
-      </p:sp>
-    </p:spTree>
-    <p:extLst>
-      <p:ext uri="{BB962C8B-B14F-4D97-AF65-F5344CB8AC3E}">
-        <p14:creationId xmlns:p14="http://schemas.microsoft.com/office/powerpoint/2010/main" val="14494122"/>
-      </p:ext>
-    </p:extLst>
-  </p:cSld>
-  <p:clrMapOvr>
-    <a:masterClrMapping/>
-  </p:clrMapOvr>
-</p:sld>
-</file>
-
 <file path=ppt/slides/slide2.xml><?xml version="1.0" encoding="utf-8"?>
 <p:sld xmlns:a="http://schemas.openxmlformats.org/drawingml/2006/main" xmlns:r="http://schemas.openxmlformats.org/officeDocument/2006/relationships" xmlns:p="http://schemas.openxmlformats.org/presentationml/2006/main">
   <p:cSld>
@@ -6347,7 +6304,9 @@
         </p:nvSpPr>
         <p:spPr/>
         <p:txBody>
-          <a:bodyPr/>
+          <a:bodyPr>
+            <a:normAutofit lnSpcReduction="10000"/>
+          </a:bodyPr>
           <a:lstStyle/>
           <a:p>
             <a:pPr algn="just"/>
@@ -6405,7 +6364,7 @@
                 </a:solidFill>
                 <a:latin typeface="Lato" panose="020F0502020204030203" pitchFamily="34" charset="0"/>
               </a:rPr>
-              <a:t>We can prevent lot of negative impact on the society caused by fake news.</a:t>
+              <a:t>One can prevent lot of negative impact on the society caused by fake news.</a:t>
             </a:r>
           </a:p>
           <a:p>
@@ -6417,13 +6376,16 @@
                 </a:solidFill>
                 <a:latin typeface="Lato" panose="020F0502020204030203" pitchFamily="34" charset="0"/>
               </a:rPr>
-              <a:t>We have used Deep Learning to approach this problem.</a:t>
-            </a:r>
+              <a:t>Deep Learning approach  has been used in our work for this problem</a:t>
+            </a:r>
+          </a:p>
+          <a:p>
+            <a:pPr algn="just"/>
             <a:endParaRPr lang="en-US" dirty="0">
               <a:solidFill>
-                <a:srgbClr val="202122"/>
+                <a:srgbClr val="212529"/>
               </a:solidFill>
-              <a:latin typeface="Arial" panose="020B0604020202020204" pitchFamily="34" charset="0"/>
+              <a:latin typeface="Lato" panose="020F0502020204030203" pitchFamily="34" charset="0"/>
             </a:endParaRPr>
           </a:p>
         </p:txBody>
@@ -6620,6 +6582,219 @@
             <a:endParaRPr lang="en-IN" dirty="0"/>
           </a:p>
           <a:p>
+            <a:pPr marL="457200">
+              <a:spcBef>
+                <a:spcPts val="1170"/>
+              </a:spcBef>
+              <a:tabLst>
+                <a:tab pos="842645" algn="l"/>
+                <a:tab pos="843280" algn="l"/>
+              </a:tabLst>
+            </a:pPr>
+            <a:r>
+              <a:rPr lang="en-IN" dirty="0"/>
+              <a:t>It is an upgrade of previous model with additional CNN network. </a:t>
+            </a:r>
+          </a:p>
+          <a:p>
+            <a:pPr marL="457200">
+              <a:spcBef>
+                <a:spcPts val="1170"/>
+              </a:spcBef>
+              <a:tabLst>
+                <a:tab pos="842645" algn="l"/>
+                <a:tab pos="843280" algn="l"/>
+              </a:tabLst>
+            </a:pPr>
+            <a:r>
+              <a:rPr lang="en-IN" dirty="0"/>
+              <a:t>CNN input the is used for detecting the features and then more refined details is passed to LSTM  boosting its accuracy to 91%. </a:t>
+            </a:r>
+          </a:p>
+          <a:p>
+            <a:pPr marL="457200">
+              <a:spcBef>
+                <a:spcPts val="1170"/>
+              </a:spcBef>
+              <a:tabLst>
+                <a:tab pos="842645" algn="l"/>
+                <a:tab pos="843280" algn="l"/>
+              </a:tabLst>
+            </a:pPr>
+            <a:r>
+              <a:rPr lang="en-IN" dirty="0"/>
+              <a:t>Though we have used batch normalization it is not required that will observe in our final model.</a:t>
+            </a:r>
+          </a:p>
+          <a:p>
+            <a:endParaRPr lang="en-IN" sz="1800" dirty="0">
+              <a:effectLst/>
+              <a:latin typeface="Cambria" panose="02040503050406030204" pitchFamily="18" charset="0"/>
+              <a:ea typeface="Times New Roman" panose="02020603050405020304" pitchFamily="18" charset="0"/>
+              <a:cs typeface="Mangal" panose="02040503050203030202" pitchFamily="18" charset="0"/>
+            </a:endParaRPr>
+          </a:p>
+          <a:p>
+            <a:endParaRPr lang="en-IN" dirty="0"/>
+          </a:p>
+          <a:p>
+            <a:pPr marL="0" indent="0">
+              <a:buNone/>
+            </a:pPr>
+            <a:endParaRPr lang="en-IN" sz="1800" dirty="0">
+              <a:effectLst/>
+              <a:latin typeface="Cambria" panose="02040503050406030204" pitchFamily="18" charset="0"/>
+              <a:ea typeface="Times New Roman" panose="02020603050405020304" pitchFamily="18" charset="0"/>
+              <a:cs typeface="Mangal" panose="02040503050203030202" pitchFamily="18" charset="0"/>
+            </a:endParaRPr>
+          </a:p>
+        </p:txBody>
+      </p:sp>
+    </p:spTree>
+    <p:extLst>
+      <p:ext uri="{BB962C8B-B14F-4D97-AF65-F5344CB8AC3E}">
+        <p14:creationId xmlns:p14="http://schemas.microsoft.com/office/powerpoint/2010/main" val="14494122"/>
+      </p:ext>
+    </p:extLst>
+  </p:cSld>
+  <p:clrMapOvr>
+    <a:masterClrMapping/>
+  </p:clrMapOvr>
+</p:sld>
+</file>
+
+<file path=ppt/slides/slide21.xml><?xml version="1.0" encoding="utf-8"?>
+<p:sld xmlns:a="http://schemas.openxmlformats.org/drawingml/2006/main" xmlns:r="http://schemas.openxmlformats.org/officeDocument/2006/relationships" xmlns:p="http://schemas.openxmlformats.org/presentationml/2006/main">
+  <p:cSld>
+    <p:spTree>
+      <p:nvGrpSpPr>
+        <p:cNvPr id="1" name=""/>
+        <p:cNvGrpSpPr/>
+        <p:nvPr/>
+      </p:nvGrpSpPr>
+      <p:grpSpPr>
+        <a:xfrm>
+          <a:off x="0" y="0"/>
+          <a:ext cx="0" cy="0"/>
+          <a:chOff x="0" y="0"/>
+          <a:chExt cx="0" cy="0"/>
+        </a:xfrm>
+      </p:grpSpPr>
+      <p:sp>
+        <p:nvSpPr>
+          <p:cNvPr id="2" name="Title 1">
+            <a:extLst>
+              <a:ext uri="{FF2B5EF4-FFF2-40B4-BE49-F238E27FC236}">
+                <a16:creationId xmlns:a16="http://schemas.microsoft.com/office/drawing/2014/main" id="{078945BF-047F-4163-9CCE-0202B64CFA0C}"/>
+              </a:ext>
+            </a:extLst>
+          </p:cNvPr>
+          <p:cNvSpPr>
+            <a:spLocks noGrp="1"/>
+          </p:cNvSpPr>
+          <p:nvPr>
+            <p:ph type="title"/>
+          </p:nvPr>
+        </p:nvSpPr>
+        <p:spPr/>
+        <p:txBody>
+          <a:bodyPr/>
+          <a:lstStyle/>
+          <a:p>
+            <a:r>
+              <a:rPr lang="en-IN" b="1" dirty="0"/>
+              <a:t>Implementation </a:t>
+            </a:r>
+          </a:p>
+        </p:txBody>
+      </p:sp>
+      <p:pic>
+        <p:nvPicPr>
+          <p:cNvPr id="4" name="Picture 7">
+            <a:extLst>
+              <a:ext uri="{FF2B5EF4-FFF2-40B4-BE49-F238E27FC236}">
+                <a16:creationId xmlns:a16="http://schemas.microsoft.com/office/drawing/2014/main" id="{A3B6A24E-442E-4C40-ACD9-23E82280DC80}"/>
+              </a:ext>
+            </a:extLst>
+          </p:cNvPr>
+          <p:cNvPicPr>
+            <a:picLocks noChangeAspect="1" noChangeArrowheads="1"/>
+          </p:cNvPicPr>
+          <p:nvPr/>
+        </p:nvPicPr>
+        <p:blipFill>
+          <a:blip r:embed="rId2">
+            <a:extLst>
+              <a:ext uri="{28A0092B-C50C-407E-A947-70E740481C1C}">
+                <a14:useLocalDpi xmlns:a14="http://schemas.microsoft.com/office/drawing/2010/main" val="0"/>
+              </a:ext>
+            </a:extLst>
+          </a:blip>
+          <a:srcRect/>
+          <a:stretch>
+            <a:fillRect/>
+          </a:stretch>
+        </p:blipFill>
+        <p:spPr bwMode="auto">
+          <a:xfrm>
+            <a:off x="9725025" y="375443"/>
+            <a:ext cx="1628775" cy="1304925"/>
+          </a:xfrm>
+          <a:prstGeom prst="rect">
+            <a:avLst/>
+          </a:prstGeom>
+          <a:noFill/>
+          <a:extLst>
+            <a:ext uri="{909E8E84-426E-40DD-AFC4-6F175D3DCCD1}">
+              <a14:hiddenFill xmlns:a14="http://schemas.microsoft.com/office/drawing/2010/main">
+                <a:solidFill>
+                  <a:srgbClr val="FFFFFF"/>
+                </a:solidFill>
+              </a14:hiddenFill>
+            </a:ext>
+          </a:extLst>
+        </p:spPr>
+      </p:pic>
+      <p:sp>
+        <p:nvSpPr>
+          <p:cNvPr id="6" name="Content Placeholder 5">
+            <a:extLst>
+              <a:ext uri="{FF2B5EF4-FFF2-40B4-BE49-F238E27FC236}">
+                <a16:creationId xmlns:a16="http://schemas.microsoft.com/office/drawing/2014/main" id="{90F8CA56-6026-4026-B08E-14B9597E4435}"/>
+              </a:ext>
+            </a:extLst>
+          </p:cNvPr>
+          <p:cNvSpPr>
+            <a:spLocks noGrp="1"/>
+          </p:cNvSpPr>
+          <p:nvPr>
+            <p:ph idx="1"/>
+          </p:nvPr>
+        </p:nvSpPr>
+        <p:spPr/>
+        <p:txBody>
+          <a:bodyPr>
+            <a:normAutofit/>
+          </a:bodyPr>
+          <a:lstStyle/>
+          <a:p>
+            <a:pPr marL="0" indent="0">
+              <a:buNone/>
+            </a:pPr>
+            <a:r>
+              <a:rPr lang="en-IN" b="1" dirty="0">
+                <a:solidFill>
+                  <a:schemeClr val="tx1">
+                    <a:lumMod val="65000"/>
+                    <a:lumOff val="35000"/>
+                  </a:schemeClr>
+                </a:solidFill>
+              </a:rPr>
+              <a:t>Model-4</a:t>
+            </a:r>
+            <a:endParaRPr lang="en-IN" dirty="0"/>
+          </a:p>
+          <a:p>
             <a:pPr marL="0" indent="0">
               <a:buNone/>
             </a:pPr>
@@ -6744,7 +6919,7 @@
 </p:sld>
 </file>
 
-<file path=ppt/slides/slide21.xml><?xml version="1.0" encoding="utf-8"?>
+<file path=ppt/slides/slide22.xml><?xml version="1.0" encoding="utf-8"?>
 <p:sld xmlns:a="http://schemas.openxmlformats.org/drawingml/2006/main" xmlns:r="http://schemas.openxmlformats.org/officeDocument/2006/relationships" xmlns:p="http://schemas.openxmlformats.org/presentationml/2006/main">
   <p:cSld>
     <p:spTree>
@@ -6957,7 +7132,7 @@
 </p:sld>
 </file>
 
-<file path=ppt/slides/slide22.xml><?xml version="1.0" encoding="utf-8"?>
+<file path=ppt/slides/slide23.xml><?xml version="1.0" encoding="utf-8"?>
 <p:sld xmlns:a="http://schemas.openxmlformats.org/drawingml/2006/main" xmlns:r="http://schemas.openxmlformats.org/officeDocument/2006/relationships" xmlns:p="http://schemas.openxmlformats.org/presentationml/2006/main">
   <p:cSld>
     <p:spTree>
@@ -7213,7 +7388,7 @@
 </p:sld>
 </file>
 
-<file path=ppt/slides/slide23.xml><?xml version="1.0" encoding="utf-8"?>
+<file path=ppt/slides/slide24.xml><?xml version="1.0" encoding="utf-8"?>
 <p:sld xmlns:a="http://schemas.openxmlformats.org/drawingml/2006/main" xmlns:r="http://schemas.openxmlformats.org/officeDocument/2006/relationships" xmlns:p="http://schemas.openxmlformats.org/presentationml/2006/main">
   <p:cSld>
     <p:spTree>
@@ -7438,7 +7613,7 @@
 </p:sld>
 </file>
 
-<file path=ppt/slides/slide24.xml><?xml version="1.0" encoding="utf-8"?>
+<file path=ppt/slides/slide25.xml><?xml version="1.0" encoding="utf-8"?>
 <p:sld xmlns:a="http://schemas.openxmlformats.org/drawingml/2006/main" xmlns:r="http://schemas.openxmlformats.org/officeDocument/2006/relationships" xmlns:p="http://schemas.openxmlformats.org/presentationml/2006/main">
   <p:cSld>
     <p:spTree>
@@ -7680,7 +7855,7 @@
 </p:sld>
 </file>
 
-<file path=ppt/slides/slide25.xml><?xml version="1.0" encoding="utf-8"?>
+<file path=ppt/slides/slide26.xml><?xml version="1.0" encoding="utf-8"?>
 <p:sld xmlns:a="http://schemas.openxmlformats.org/drawingml/2006/main" xmlns:r="http://schemas.openxmlformats.org/officeDocument/2006/relationships" xmlns:p="http://schemas.openxmlformats.org/presentationml/2006/main">
   <p:cSld>
     <p:spTree>
@@ -7905,7 +8080,7 @@
 </p:sld>
 </file>
 
-<file path=ppt/slides/slide26.xml><?xml version="1.0" encoding="utf-8"?>
+<file path=ppt/slides/slide27.xml><?xml version="1.0" encoding="utf-8"?>
 <p:sld xmlns:a="http://schemas.openxmlformats.org/drawingml/2006/main" xmlns:r="http://schemas.openxmlformats.org/officeDocument/2006/relationships" xmlns:p="http://schemas.openxmlformats.org/presentationml/2006/main">
   <p:cSld>
     <p:spTree>
@@ -8071,14 +8246,14 @@
           <p:nvPr>
             <p:extLst>
               <p:ext uri="{D42A27DB-BD31-4B8C-83A1-F6EECF244321}">
-                <p14:modId xmlns:p14="http://schemas.microsoft.com/office/powerpoint/2010/main" val="1864385593"/>
+                <p14:modId xmlns:p14="http://schemas.microsoft.com/office/powerpoint/2010/main" val="3066331748"/>
               </p:ext>
             </p:extLst>
           </p:nvPr>
         </p:nvGraphicFramePr>
         <p:xfrm>
           <a:off x="838199" y="1696165"/>
-          <a:ext cx="8966703" cy="4351339"/>
+          <a:ext cx="8966702" cy="4351339"/>
         </p:xfrm>
         <a:graphic>
           <a:graphicData uri="http://schemas.openxmlformats.org/drawingml/2006/table">
@@ -8087,45 +8262,52 @@
                 <a:tableStyleId>{073A0DAA-6AF3-43AB-8588-CEC1D06C72B9}</a:tableStyleId>
               </a:tblPr>
               <a:tblGrid>
-                <a:gridCol w="3237870">
+                <a:gridCol w="2873499">
                   <a:extLst>
                     <a:ext uri="{9D8B030D-6E8A-4147-A177-3AD203B41FA5}">
                       <a16:colId xmlns:a16="http://schemas.microsoft.com/office/drawing/2014/main" val="1130171729"/>
                     </a:ext>
                   </a:extLst>
                 </a:gridCol>
-                <a:gridCol w="996195">
+                <a:gridCol w="884089">
                   <a:extLst>
                     <a:ext uri="{9D8B030D-6E8A-4147-A177-3AD203B41FA5}">
                       <a16:colId xmlns:a16="http://schemas.microsoft.com/office/drawing/2014/main" val="923317586"/>
                     </a:ext>
                   </a:extLst>
                 </a:gridCol>
-                <a:gridCol w="1237869">
+                <a:gridCol w="1098566">
                   <a:extLst>
                     <a:ext uri="{9D8B030D-6E8A-4147-A177-3AD203B41FA5}">
                       <a16:colId xmlns:a16="http://schemas.microsoft.com/office/drawing/2014/main" val="3929108619"/>
                     </a:ext>
                   </a:extLst>
                 </a:gridCol>
-                <a:gridCol w="1106566">
+                <a:gridCol w="982040">
                   <a:extLst>
                     <a:ext uri="{9D8B030D-6E8A-4147-A177-3AD203B41FA5}">
                       <a16:colId xmlns:a16="http://schemas.microsoft.com/office/drawing/2014/main" val="870949838"/>
                     </a:ext>
                   </a:extLst>
                 </a:gridCol>
-                <a:gridCol w="1251190">
+                <a:gridCol w="1110388">
                   <a:extLst>
                     <a:ext uri="{9D8B030D-6E8A-4147-A177-3AD203B41FA5}">
                       <a16:colId xmlns:a16="http://schemas.microsoft.com/office/drawing/2014/main" val="3719829943"/>
                     </a:ext>
                   </a:extLst>
                 </a:gridCol>
-                <a:gridCol w="1137013">
+                <a:gridCol w="1009060">
                   <a:extLst>
                     <a:ext uri="{9D8B030D-6E8A-4147-A177-3AD203B41FA5}">
                       <a16:colId xmlns:a16="http://schemas.microsoft.com/office/drawing/2014/main" val="4007325250"/>
+                    </a:ext>
+                  </a:extLst>
+                </a:gridCol>
+                <a:gridCol w="1009060">
+                  <a:extLst>
+                    <a:ext uri="{9D8B030D-6E8A-4147-A177-3AD203B41FA5}">
+                      <a16:colId xmlns:a16="http://schemas.microsoft.com/office/drawing/2014/main" val="2230120056"/>
                     </a:ext>
                   </a:extLst>
                 </a:gridCol>
@@ -8379,6 +8561,42 @@
                         <a:ea typeface="Times New Roman" panose="02020603050405020304" pitchFamily="18" charset="0"/>
                         <a:cs typeface="Mangal" panose="02040503050203030202" pitchFamily="18" charset="0"/>
                       </a:endParaRPr>
+                    </a:p>
+                  </a:txBody>
+                  <a:tcPr marL="68580" marR="68580" marT="0" marB="0"/>
+                </a:tc>
+                <a:tc>
+                  <a:txBody>
+                    <a:bodyPr/>
+                    <a:lstStyle/>
+                    <a:p>
+                      <a:pPr>
+                        <a:spcBef>
+                          <a:spcPts val="420"/>
+                        </a:spcBef>
+                      </a:pPr>
+                      <a:endParaRPr lang="en-IN" sz="1100" dirty="0">
+                        <a:effectLst/>
+                        <a:latin typeface="Cambria" panose="02040503050406030204" pitchFamily="18" charset="0"/>
+                        <a:ea typeface="Times New Roman" panose="02020603050405020304" pitchFamily="18" charset="0"/>
+                        <a:cs typeface="Mangal" panose="02040503050203030202" pitchFamily="18" charset="0"/>
+                      </a:endParaRPr>
+                    </a:p>
+                    <a:p>
+                      <a:pPr>
+                        <a:spcBef>
+                          <a:spcPts val="420"/>
+                        </a:spcBef>
+                      </a:pPr>
+                      <a:r>
+                        <a:rPr lang="en-IN" sz="1100" dirty="0">
+                          <a:effectLst/>
+                          <a:latin typeface="Cambria" panose="02040503050406030204" pitchFamily="18" charset="0"/>
+                          <a:ea typeface="Times New Roman" panose="02020603050405020304" pitchFamily="18" charset="0"/>
+                          <a:cs typeface="Mangal" panose="02040503050203030202" pitchFamily="18" charset="0"/>
+                        </a:rPr>
+                        <a:t>Time/Epoch</a:t>
+                      </a:r>
                     </a:p>
                   </a:txBody>
                   <a:tcPr marL="68580" marR="68580" marT="0" marB="0"/>
@@ -8529,6 +8747,25 @@
                   </a:txBody>
                   <a:tcPr marL="68580" marR="68580" marT="0" marB="0"/>
                 </a:tc>
+                <a:tc>
+                  <a:txBody>
+                    <a:bodyPr/>
+                    <a:lstStyle/>
+                    <a:p>
+                      <a:pPr algn="ctr"/>
+                      <a:r>
+                        <a:rPr lang="en-IN" sz="1100" dirty="0">
+                          <a:effectLst/>
+                          <a:latin typeface="Cambria" panose="02040503050406030204" pitchFamily="18" charset="0"/>
+                          <a:ea typeface="Times New Roman" panose="02020603050405020304" pitchFamily="18" charset="0"/>
+                          <a:cs typeface="Mangal" panose="02040503050203030202" pitchFamily="18" charset="0"/>
+                        </a:rPr>
+                        <a:t>10s</a:t>
+                      </a:r>
+                    </a:p>
+                  </a:txBody>
+                  <a:tcPr marL="68580" marR="68580" marT="0" marB="0"/>
+                </a:tc>
                 <a:extLst>
                   <a:ext uri="{0D108BD9-81ED-4DB2-BD59-A6C34878D82A}">
                     <a16:rowId xmlns:a16="http://schemas.microsoft.com/office/drawing/2014/main" val="186199950"/>
@@ -8671,6 +8908,25 @@
                         <a:ea typeface="Times New Roman" panose="02020603050405020304" pitchFamily="18" charset="0"/>
                         <a:cs typeface="Mangal" panose="02040503050203030202" pitchFamily="18" charset="0"/>
                       </a:endParaRPr>
+                    </a:p>
+                  </a:txBody>
+                  <a:tcPr marL="68580" marR="68580" marT="0" marB="0"/>
+                </a:tc>
+                <a:tc>
+                  <a:txBody>
+                    <a:bodyPr/>
+                    <a:lstStyle/>
+                    <a:p>
+                      <a:pPr algn="ctr"/>
+                      <a:r>
+                        <a:rPr lang="en-IN" sz="1100" dirty="0">
+                          <a:effectLst/>
+                          <a:latin typeface="Cambria" panose="02040503050406030204" pitchFamily="18" charset="0"/>
+                          <a:ea typeface="Times New Roman" panose="02020603050405020304" pitchFamily="18" charset="0"/>
+                          <a:cs typeface="Mangal" panose="02040503050203030202" pitchFamily="18" charset="0"/>
+                        </a:rPr>
+                        <a:t>20s</a:t>
+                      </a:r>
                     </a:p>
                   </a:txBody>
                   <a:tcPr marL="68580" marR="68580" marT="0" marB="0"/>
@@ -8821,6 +9077,25 @@
                   </a:txBody>
                   <a:tcPr marL="68580" marR="68580" marT="0" marB="0"/>
                 </a:tc>
+                <a:tc>
+                  <a:txBody>
+                    <a:bodyPr/>
+                    <a:lstStyle/>
+                    <a:p>
+                      <a:pPr algn="ctr"/>
+                      <a:r>
+                        <a:rPr lang="en-IN" sz="1100" dirty="0">
+                          <a:effectLst/>
+                          <a:latin typeface="Cambria" panose="02040503050406030204" pitchFamily="18" charset="0"/>
+                          <a:ea typeface="Times New Roman" panose="02020603050405020304" pitchFamily="18" charset="0"/>
+                          <a:cs typeface="Mangal" panose="02040503050203030202" pitchFamily="18" charset="0"/>
+                        </a:rPr>
+                        <a:t>25s</a:t>
+                      </a:r>
+                    </a:p>
+                  </a:txBody>
+                  <a:tcPr marL="68580" marR="68580" marT="0" marB="0"/>
+                </a:tc>
                 <a:extLst>
                   <a:ext uri="{0D108BD9-81ED-4DB2-BD59-A6C34878D82A}">
                     <a16:rowId xmlns:a16="http://schemas.microsoft.com/office/drawing/2014/main" val="2627191790"/>
@@ -8957,6 +9232,25 @@
                         <a:ea typeface="Times New Roman" panose="02020603050405020304" pitchFamily="18" charset="0"/>
                         <a:cs typeface="Mangal" panose="02040503050203030202" pitchFamily="18" charset="0"/>
                       </a:endParaRPr>
+                    </a:p>
+                  </a:txBody>
+                  <a:tcPr marL="68580" marR="68580" marT="0" marB="0"/>
+                </a:tc>
+                <a:tc>
+                  <a:txBody>
+                    <a:bodyPr/>
+                    <a:lstStyle/>
+                    <a:p>
+                      <a:pPr algn="ctr"/>
+                      <a:r>
+                        <a:rPr lang="en-IN" sz="1100" dirty="0">
+                          <a:effectLst/>
+                          <a:latin typeface="Cambria" panose="02040503050406030204" pitchFamily="18" charset="0"/>
+                          <a:ea typeface="Times New Roman" panose="02020603050405020304" pitchFamily="18" charset="0"/>
+                          <a:cs typeface="Mangal" panose="02040503050203030202" pitchFamily="18" charset="0"/>
+                        </a:rPr>
+                        <a:t>22s</a:t>
+                      </a:r>
                     </a:p>
                   </a:txBody>
                   <a:tcPr marL="68580" marR="68580" marT="0" marB="0"/>
@@ -9103,6 +9397,25 @@
                         <a:ea typeface="Times New Roman" panose="02020603050405020304" pitchFamily="18" charset="0"/>
                         <a:cs typeface="Mangal" panose="02040503050203030202" pitchFamily="18" charset="0"/>
                       </a:endParaRPr>
+                    </a:p>
+                  </a:txBody>
+                  <a:tcPr marL="68580" marR="68580" marT="0" marB="0"/>
+                </a:tc>
+                <a:tc>
+                  <a:txBody>
+                    <a:bodyPr/>
+                    <a:lstStyle/>
+                    <a:p>
+                      <a:pPr algn="ctr"/>
+                      <a:r>
+                        <a:rPr lang="en-IN" sz="1100" dirty="0">
+                          <a:effectLst/>
+                          <a:latin typeface="Cambria" panose="02040503050406030204" pitchFamily="18" charset="0"/>
+                          <a:ea typeface="Times New Roman" panose="02020603050405020304" pitchFamily="18" charset="0"/>
+                          <a:cs typeface="Mangal" panose="02040503050203030202" pitchFamily="18" charset="0"/>
+                        </a:rPr>
+                        <a:t>8s</a:t>
+                      </a:r>
                     </a:p>
                   </a:txBody>
                   <a:tcPr marL="68580" marR="68580" marT="0" marB="0"/>
@@ -9280,6 +9593,29 @@
                   </a:txBody>
                   <a:tcPr marL="68580" marR="68580" marT="0" marB="0"/>
                 </a:tc>
+                <a:tc>
+                  <a:txBody>
+                    <a:bodyPr/>
+                    <a:lstStyle/>
+                    <a:p>
+                      <a:pPr algn="ctr">
+                        <a:spcBef>
+                          <a:spcPts val="420"/>
+                        </a:spcBef>
+                      </a:pPr>
+                      <a:r>
+                        <a:rPr lang="en-IN" sz="1100" dirty="0">
+                          <a:effectLst/>
+                          <a:latin typeface="Cambria" panose="02040503050406030204" pitchFamily="18" charset="0"/>
+                          <a:ea typeface="Times New Roman" panose="02020603050405020304" pitchFamily="18" charset="0"/>
+                          <a:cs typeface="Mangal" panose="02040503050203030202" pitchFamily="18" charset="0"/>
+                        </a:rPr>
+                        <a:t>Trained on TPU</a:t>
+                      </a:r>
+                    </a:p>
+                  </a:txBody>
+                  <a:tcPr marL="68580" marR="68580" marT="0" marB="0"/>
+                </a:tc>
                 <a:extLst>
                   <a:ext uri="{0D108BD9-81ED-4DB2-BD59-A6C34878D82A}">
                     <a16:rowId xmlns:a16="http://schemas.microsoft.com/office/drawing/2014/main" val="4012997220"/>
@@ -9462,6 +9798,29 @@
                   </a:txBody>
                   <a:tcPr marL="68580" marR="68580" marT="0" marB="0"/>
                 </a:tc>
+                <a:tc>
+                  <a:txBody>
+                    <a:bodyPr/>
+                    <a:lstStyle/>
+                    <a:p>
+                      <a:pPr algn="ctr">
+                        <a:spcBef>
+                          <a:spcPts val="420"/>
+                        </a:spcBef>
+                      </a:pPr>
+                      <a:r>
+                        <a:rPr lang="en-IN" sz="1100" dirty="0">
+                          <a:effectLst/>
+                          <a:latin typeface="Cambria" panose="02040503050406030204" pitchFamily="18" charset="0"/>
+                          <a:ea typeface="Times New Roman" panose="02020603050405020304" pitchFamily="18" charset="0"/>
+                          <a:cs typeface="Mangal" panose="02040503050203030202" pitchFamily="18" charset="0"/>
+                        </a:rPr>
+                        <a:t>Trained on TPU</a:t>
+                      </a:r>
+                    </a:p>
+                  </a:txBody>
+                  <a:tcPr marL="68580" marR="68580" marT="0" marB="0"/>
+                </a:tc>
                 <a:extLst>
                   <a:ext uri="{0D108BD9-81ED-4DB2-BD59-A6C34878D82A}">
                     <a16:rowId xmlns:a16="http://schemas.microsoft.com/office/drawing/2014/main" val="3132749140"/>
@@ -9485,7 +9844,7 @@
 </p:sld>
 </file>
 
-<file path=ppt/slides/slide27.xml><?xml version="1.0" encoding="utf-8"?>
+<file path=ppt/slides/slide28.xml><?xml version="1.0" encoding="utf-8"?>
 <p:sld xmlns:a="http://schemas.openxmlformats.org/drawingml/2006/main" xmlns:r="http://schemas.openxmlformats.org/officeDocument/2006/relationships" xmlns:p="http://schemas.openxmlformats.org/presentationml/2006/main">
   <p:cSld>
     <p:spTree>
@@ -9674,7 +10033,7 @@
 </p:sld>
 </file>
 
-<file path=ppt/slides/slide28.xml><?xml version="1.0" encoding="utf-8"?>
+<file path=ppt/slides/slide29.xml><?xml version="1.0" encoding="utf-8"?>
 <p:sld xmlns:a="http://schemas.openxmlformats.org/drawingml/2006/main" xmlns:r="http://schemas.openxmlformats.org/officeDocument/2006/relationships" xmlns:p="http://schemas.openxmlformats.org/presentationml/2006/main">
   <p:cSld>
     <p:spTree>
@@ -9861,227 +10220,6 @@
     <p:extLst>
       <p:ext uri="{BB962C8B-B14F-4D97-AF65-F5344CB8AC3E}">
         <p14:creationId xmlns:p14="http://schemas.microsoft.com/office/powerpoint/2010/main" val="64260098"/>
-      </p:ext>
-    </p:extLst>
-  </p:cSld>
-  <p:clrMapOvr>
-    <a:masterClrMapping/>
-  </p:clrMapOvr>
-</p:sld>
-</file>
-
-<file path=ppt/slides/slide29.xml><?xml version="1.0" encoding="utf-8"?>
-<p:sld xmlns:a="http://schemas.openxmlformats.org/drawingml/2006/main" xmlns:r="http://schemas.openxmlformats.org/officeDocument/2006/relationships" xmlns:p="http://schemas.openxmlformats.org/presentationml/2006/main">
-  <p:cSld>
-    <p:spTree>
-      <p:nvGrpSpPr>
-        <p:cNvPr id="1" name=""/>
-        <p:cNvGrpSpPr/>
-        <p:nvPr/>
-      </p:nvGrpSpPr>
-      <p:grpSpPr>
-        <a:xfrm>
-          <a:off x="0" y="0"/>
-          <a:ext cx="0" cy="0"/>
-          <a:chOff x="0" y="0"/>
-          <a:chExt cx="0" cy="0"/>
-        </a:xfrm>
-      </p:grpSpPr>
-      <p:sp>
-        <p:nvSpPr>
-          <p:cNvPr id="2" name="Title 1">
-            <a:extLst>
-              <a:ext uri="{FF2B5EF4-FFF2-40B4-BE49-F238E27FC236}">
-                <a16:creationId xmlns:a16="http://schemas.microsoft.com/office/drawing/2014/main" id="{078945BF-047F-4163-9CCE-0202B64CFA0C}"/>
-              </a:ext>
-            </a:extLst>
-          </p:cNvPr>
-          <p:cNvSpPr>
-            <a:spLocks noGrp="1"/>
-          </p:cNvSpPr>
-          <p:nvPr>
-            <p:ph type="title"/>
-          </p:nvPr>
-        </p:nvSpPr>
-        <p:spPr/>
-        <p:txBody>
-          <a:bodyPr/>
-          <a:lstStyle/>
-          <a:p>
-            <a:r>
-              <a:rPr lang="en-IN" b="1" dirty="0"/>
-              <a:t>Future Work</a:t>
-            </a:r>
-          </a:p>
-        </p:txBody>
-      </p:sp>
-      <p:pic>
-        <p:nvPicPr>
-          <p:cNvPr id="4" name="Picture 7">
-            <a:extLst>
-              <a:ext uri="{FF2B5EF4-FFF2-40B4-BE49-F238E27FC236}">
-                <a16:creationId xmlns:a16="http://schemas.microsoft.com/office/drawing/2014/main" id="{A3B6A24E-442E-4C40-ACD9-23E82280DC80}"/>
-              </a:ext>
-            </a:extLst>
-          </p:cNvPr>
-          <p:cNvPicPr>
-            <a:picLocks noChangeAspect="1" noChangeArrowheads="1"/>
-          </p:cNvPicPr>
-          <p:nvPr/>
-        </p:nvPicPr>
-        <p:blipFill>
-          <a:blip r:embed="rId2">
-            <a:extLst>
-              <a:ext uri="{28A0092B-C50C-407E-A947-70E740481C1C}">
-                <a14:useLocalDpi xmlns:a14="http://schemas.microsoft.com/office/drawing/2010/main" val="0"/>
-              </a:ext>
-            </a:extLst>
-          </a:blip>
-          <a:srcRect/>
-          <a:stretch>
-            <a:fillRect/>
-          </a:stretch>
-        </p:blipFill>
-        <p:spPr bwMode="auto">
-          <a:xfrm>
-            <a:off x="9725025" y="375443"/>
-            <a:ext cx="1628775" cy="1304925"/>
-          </a:xfrm>
-          <a:prstGeom prst="rect">
-            <a:avLst/>
-          </a:prstGeom>
-          <a:noFill/>
-          <a:extLst>
-            <a:ext uri="{909E8E84-426E-40DD-AFC4-6F175D3DCCD1}">
-              <a14:hiddenFill xmlns:a14="http://schemas.microsoft.com/office/drawing/2010/main">
-                <a:solidFill>
-                  <a:srgbClr val="FFFFFF"/>
-                </a:solidFill>
-              </a14:hiddenFill>
-            </a:ext>
-          </a:extLst>
-        </p:spPr>
-      </p:pic>
-      <p:sp>
-        <p:nvSpPr>
-          <p:cNvPr id="6" name="Content Placeholder 5">
-            <a:extLst>
-              <a:ext uri="{FF2B5EF4-FFF2-40B4-BE49-F238E27FC236}">
-                <a16:creationId xmlns:a16="http://schemas.microsoft.com/office/drawing/2014/main" id="{90F8CA56-6026-4026-B08E-14B9597E4435}"/>
-              </a:ext>
-            </a:extLst>
-          </p:cNvPr>
-          <p:cNvSpPr>
-            <a:spLocks noGrp="1"/>
-          </p:cNvSpPr>
-          <p:nvPr>
-            <p:ph idx="1"/>
-          </p:nvPr>
-        </p:nvSpPr>
-        <p:spPr/>
-        <p:txBody>
-          <a:bodyPr>
-            <a:normAutofit/>
-          </a:bodyPr>
-          <a:lstStyle/>
-          <a:p>
-            <a:pPr marL="457200">
-              <a:lnSpc>
-                <a:spcPct val="100000"/>
-              </a:lnSpc>
-              <a:spcBef>
-                <a:spcPts val="1170"/>
-              </a:spcBef>
-              <a:tabLst>
-                <a:tab pos="842645" algn="l"/>
-                <a:tab pos="843280" algn="l"/>
-              </a:tabLst>
-            </a:pPr>
-            <a:r>
-              <a:rPr lang="en-IN" dirty="0"/>
-              <a:t>We are planning to work on detecting fake news shown in form of videos. </a:t>
-            </a:r>
-          </a:p>
-          <a:p>
-            <a:pPr marL="457200">
-              <a:lnSpc>
-                <a:spcPct val="100000"/>
-              </a:lnSpc>
-              <a:spcBef>
-                <a:spcPts val="1170"/>
-              </a:spcBef>
-              <a:tabLst>
-                <a:tab pos="842645" algn="l"/>
-                <a:tab pos="843280" algn="l"/>
-              </a:tabLst>
-            </a:pPr>
-            <a:r>
-              <a:rPr lang="en-IN" dirty="0"/>
-              <a:t>We will be using our knowledge of text-based fake news detection and speech to text conversion. </a:t>
-            </a:r>
-          </a:p>
-          <a:p>
-            <a:pPr marL="457200">
-              <a:lnSpc>
-                <a:spcPct val="100000"/>
-              </a:lnSpc>
-              <a:spcBef>
-                <a:spcPts val="1170"/>
-              </a:spcBef>
-              <a:tabLst>
-                <a:tab pos="842645" algn="l"/>
-                <a:tab pos="843280" algn="l"/>
-              </a:tabLst>
-            </a:pPr>
-            <a:r>
-              <a:rPr lang="en-IN" dirty="0"/>
-              <a:t>We may develop algorithm to identify the fake speaker in the video and then warn the users against him/her. </a:t>
-            </a:r>
-          </a:p>
-          <a:p>
-            <a:pPr marL="457200">
-              <a:lnSpc>
-                <a:spcPct val="100000"/>
-              </a:lnSpc>
-              <a:spcBef>
-                <a:spcPts val="1170"/>
-              </a:spcBef>
-              <a:tabLst>
-                <a:tab pos="842645" algn="l"/>
-                <a:tab pos="843280" algn="l"/>
-              </a:tabLst>
-            </a:pPr>
-            <a:r>
-              <a:rPr lang="en-IN" dirty="0"/>
-              <a:t>We will also work on will contain data pipeline to automate the entire process of fetching data and converting it to required form.</a:t>
-            </a:r>
-            <a:endParaRPr lang="en-IN" sz="1800" dirty="0">
-              <a:effectLst/>
-              <a:latin typeface="Cambria" panose="02040503050406030204" pitchFamily="18" charset="0"/>
-              <a:ea typeface="Times New Roman" panose="02020603050405020304" pitchFamily="18" charset="0"/>
-              <a:cs typeface="Mangal" panose="02040503050203030202" pitchFamily="18" charset="0"/>
-            </a:endParaRPr>
-          </a:p>
-          <a:p>
-            <a:endParaRPr lang="en-IN" dirty="0"/>
-          </a:p>
-          <a:p>
-            <a:pPr marL="0" indent="0">
-              <a:buNone/>
-            </a:pPr>
-            <a:endParaRPr lang="en-IN" sz="1800" dirty="0">
-              <a:effectLst/>
-              <a:latin typeface="Cambria" panose="02040503050406030204" pitchFamily="18" charset="0"/>
-              <a:ea typeface="Times New Roman" panose="02020603050405020304" pitchFamily="18" charset="0"/>
-              <a:cs typeface="Mangal" panose="02040503050203030202" pitchFamily="18" charset="0"/>
-            </a:endParaRPr>
-          </a:p>
-        </p:txBody>
-      </p:sp>
-    </p:spTree>
-    <p:extLst>
-      <p:ext uri="{BB962C8B-B14F-4D97-AF65-F5344CB8AC3E}">
-        <p14:creationId xmlns:p14="http://schemas.microsoft.com/office/powerpoint/2010/main" val="2066232064"/>
       </p:ext>
     </p:extLst>
   </p:cSld>
@@ -10633,6 +10771,227 @@
           <a:p>
             <a:r>
               <a:rPr lang="en-IN" b="1" dirty="0"/>
+              <a:t>Future Work</a:t>
+            </a:r>
+          </a:p>
+        </p:txBody>
+      </p:sp>
+      <p:pic>
+        <p:nvPicPr>
+          <p:cNvPr id="4" name="Picture 7">
+            <a:extLst>
+              <a:ext uri="{FF2B5EF4-FFF2-40B4-BE49-F238E27FC236}">
+                <a16:creationId xmlns:a16="http://schemas.microsoft.com/office/drawing/2014/main" id="{A3B6A24E-442E-4C40-ACD9-23E82280DC80}"/>
+              </a:ext>
+            </a:extLst>
+          </p:cNvPr>
+          <p:cNvPicPr>
+            <a:picLocks noChangeAspect="1" noChangeArrowheads="1"/>
+          </p:cNvPicPr>
+          <p:nvPr/>
+        </p:nvPicPr>
+        <p:blipFill>
+          <a:blip r:embed="rId2">
+            <a:extLst>
+              <a:ext uri="{28A0092B-C50C-407E-A947-70E740481C1C}">
+                <a14:useLocalDpi xmlns:a14="http://schemas.microsoft.com/office/drawing/2010/main" val="0"/>
+              </a:ext>
+            </a:extLst>
+          </a:blip>
+          <a:srcRect/>
+          <a:stretch>
+            <a:fillRect/>
+          </a:stretch>
+        </p:blipFill>
+        <p:spPr bwMode="auto">
+          <a:xfrm>
+            <a:off x="9725025" y="375443"/>
+            <a:ext cx="1628775" cy="1304925"/>
+          </a:xfrm>
+          <a:prstGeom prst="rect">
+            <a:avLst/>
+          </a:prstGeom>
+          <a:noFill/>
+          <a:extLst>
+            <a:ext uri="{909E8E84-426E-40DD-AFC4-6F175D3DCCD1}">
+              <a14:hiddenFill xmlns:a14="http://schemas.microsoft.com/office/drawing/2010/main">
+                <a:solidFill>
+                  <a:srgbClr val="FFFFFF"/>
+                </a:solidFill>
+              </a14:hiddenFill>
+            </a:ext>
+          </a:extLst>
+        </p:spPr>
+      </p:pic>
+      <p:sp>
+        <p:nvSpPr>
+          <p:cNvPr id="6" name="Content Placeholder 5">
+            <a:extLst>
+              <a:ext uri="{FF2B5EF4-FFF2-40B4-BE49-F238E27FC236}">
+                <a16:creationId xmlns:a16="http://schemas.microsoft.com/office/drawing/2014/main" id="{90F8CA56-6026-4026-B08E-14B9597E4435}"/>
+              </a:ext>
+            </a:extLst>
+          </p:cNvPr>
+          <p:cNvSpPr>
+            <a:spLocks noGrp="1"/>
+          </p:cNvSpPr>
+          <p:nvPr>
+            <p:ph idx="1"/>
+          </p:nvPr>
+        </p:nvSpPr>
+        <p:spPr/>
+        <p:txBody>
+          <a:bodyPr>
+            <a:normAutofit/>
+          </a:bodyPr>
+          <a:lstStyle/>
+          <a:p>
+            <a:pPr marL="457200">
+              <a:lnSpc>
+                <a:spcPct val="100000"/>
+              </a:lnSpc>
+              <a:spcBef>
+                <a:spcPts val="1170"/>
+              </a:spcBef>
+              <a:tabLst>
+                <a:tab pos="842645" algn="l"/>
+                <a:tab pos="843280" algn="l"/>
+              </a:tabLst>
+            </a:pPr>
+            <a:r>
+              <a:rPr lang="en-IN" dirty="0"/>
+              <a:t>We are planning to work on detecting fake news shown in form of videos. </a:t>
+            </a:r>
+          </a:p>
+          <a:p>
+            <a:pPr marL="457200">
+              <a:lnSpc>
+                <a:spcPct val="100000"/>
+              </a:lnSpc>
+              <a:spcBef>
+                <a:spcPts val="1170"/>
+              </a:spcBef>
+              <a:tabLst>
+                <a:tab pos="842645" algn="l"/>
+                <a:tab pos="843280" algn="l"/>
+              </a:tabLst>
+            </a:pPr>
+            <a:r>
+              <a:rPr lang="en-IN" dirty="0"/>
+              <a:t>We will be using our knowledge of text-based fake news detection and speech to text conversion. </a:t>
+            </a:r>
+          </a:p>
+          <a:p>
+            <a:pPr marL="457200">
+              <a:lnSpc>
+                <a:spcPct val="100000"/>
+              </a:lnSpc>
+              <a:spcBef>
+                <a:spcPts val="1170"/>
+              </a:spcBef>
+              <a:tabLst>
+                <a:tab pos="842645" algn="l"/>
+                <a:tab pos="843280" algn="l"/>
+              </a:tabLst>
+            </a:pPr>
+            <a:r>
+              <a:rPr lang="en-IN" dirty="0"/>
+              <a:t>We may develop algorithm to identify the fake speaker in the video and then warn the users against him/her. </a:t>
+            </a:r>
+          </a:p>
+          <a:p>
+            <a:pPr marL="457200">
+              <a:lnSpc>
+                <a:spcPct val="100000"/>
+              </a:lnSpc>
+              <a:spcBef>
+                <a:spcPts val="1170"/>
+              </a:spcBef>
+              <a:tabLst>
+                <a:tab pos="842645" algn="l"/>
+                <a:tab pos="843280" algn="l"/>
+              </a:tabLst>
+            </a:pPr>
+            <a:r>
+              <a:rPr lang="en-IN" dirty="0"/>
+              <a:t>We will also work on will contain data pipeline to automate the entire process of fetching data and converting it to required form.</a:t>
+            </a:r>
+            <a:endParaRPr lang="en-IN" sz="1800" dirty="0">
+              <a:effectLst/>
+              <a:latin typeface="Cambria" panose="02040503050406030204" pitchFamily="18" charset="0"/>
+              <a:ea typeface="Times New Roman" panose="02020603050405020304" pitchFamily="18" charset="0"/>
+              <a:cs typeface="Mangal" panose="02040503050203030202" pitchFamily="18" charset="0"/>
+            </a:endParaRPr>
+          </a:p>
+          <a:p>
+            <a:endParaRPr lang="en-IN" dirty="0"/>
+          </a:p>
+          <a:p>
+            <a:pPr marL="0" indent="0">
+              <a:buNone/>
+            </a:pPr>
+            <a:endParaRPr lang="en-IN" sz="1800" dirty="0">
+              <a:effectLst/>
+              <a:latin typeface="Cambria" panose="02040503050406030204" pitchFamily="18" charset="0"/>
+              <a:ea typeface="Times New Roman" panose="02020603050405020304" pitchFamily="18" charset="0"/>
+              <a:cs typeface="Mangal" panose="02040503050203030202" pitchFamily="18" charset="0"/>
+            </a:endParaRPr>
+          </a:p>
+        </p:txBody>
+      </p:sp>
+    </p:spTree>
+    <p:extLst>
+      <p:ext uri="{BB962C8B-B14F-4D97-AF65-F5344CB8AC3E}">
+        <p14:creationId xmlns:p14="http://schemas.microsoft.com/office/powerpoint/2010/main" val="2066232064"/>
+      </p:ext>
+    </p:extLst>
+  </p:cSld>
+  <p:clrMapOvr>
+    <a:masterClrMapping/>
+  </p:clrMapOvr>
+</p:sld>
+</file>
+
+<file path=ppt/slides/slide31.xml><?xml version="1.0" encoding="utf-8"?>
+<p:sld xmlns:a="http://schemas.openxmlformats.org/drawingml/2006/main" xmlns:r="http://schemas.openxmlformats.org/officeDocument/2006/relationships" xmlns:p="http://schemas.openxmlformats.org/presentationml/2006/main">
+  <p:cSld>
+    <p:spTree>
+      <p:nvGrpSpPr>
+        <p:cNvPr id="1" name=""/>
+        <p:cNvGrpSpPr/>
+        <p:nvPr/>
+      </p:nvGrpSpPr>
+      <p:grpSpPr>
+        <a:xfrm>
+          <a:off x="0" y="0"/>
+          <a:ext cx="0" cy="0"/>
+          <a:chOff x="0" y="0"/>
+          <a:chExt cx="0" cy="0"/>
+        </a:xfrm>
+      </p:grpSpPr>
+      <p:sp>
+        <p:nvSpPr>
+          <p:cNvPr id="2" name="Title 1">
+            <a:extLst>
+              <a:ext uri="{FF2B5EF4-FFF2-40B4-BE49-F238E27FC236}">
+                <a16:creationId xmlns:a16="http://schemas.microsoft.com/office/drawing/2014/main" id="{078945BF-047F-4163-9CCE-0202B64CFA0C}"/>
+              </a:ext>
+            </a:extLst>
+          </p:cNvPr>
+          <p:cNvSpPr>
+            <a:spLocks noGrp="1"/>
+          </p:cNvSpPr>
+          <p:nvPr>
+            <p:ph type="title"/>
+          </p:nvPr>
+        </p:nvSpPr>
+        <p:spPr/>
+        <p:txBody>
+          <a:bodyPr/>
+          <a:lstStyle/>
+          <a:p>
+            <a:r>
+              <a:rPr lang="en-IN" b="1" dirty="0"/>
               <a:t>References</a:t>
             </a:r>
           </a:p>
@@ -11174,7 +11533,7 @@
 </p:sld>
 </file>
 
-<file path=ppt/slides/slide31.xml><?xml version="1.0" encoding="utf-8"?>
+<file path=ppt/slides/slide32.xml><?xml version="1.0" encoding="utf-8"?>
 <p:sld xmlns:a="http://schemas.openxmlformats.org/drawingml/2006/main" xmlns:r="http://schemas.openxmlformats.org/officeDocument/2006/relationships" xmlns:p="http://schemas.openxmlformats.org/presentationml/2006/main">
   <p:cSld>
     <p:spTree>
@@ -12292,7 +12651,7 @@
           <a:p>
             <a:r>
               <a:rPr lang="en-IN" dirty="0"/>
-              <a:t>We tried to perform a comparative analysis of CNN + LSTM, Attention, and Transformer models. </a:t>
+              <a:t>We tried to perform a comparative analysis of CNN + LSTM, Attention, and Transformer models.</a:t>
             </a:r>
           </a:p>
         </p:txBody>
@@ -12350,7 +12709,7 @@
           <a:p>
             <a:r>
               <a:rPr lang="en-IN" b="1" dirty="0"/>
-              <a:t>Methodology </a:t>
+              <a:t>Methodology</a:t>
             </a:r>
           </a:p>
         </p:txBody>
@@ -12455,7 +12814,7 @@
           <a:p>
             <a:r>
               <a:rPr lang="en-IN" dirty="0"/>
-              <a:t>RNNs using LSTM units partially solve the vanishing gradient problem, because LSTM units allow gradients to also flow unchanged. </a:t>
+              <a:t>LSTM units partially solve the vanishing gradient problem, because LSTM units allow gradients to also flow unchanged.</a:t>
             </a:r>
           </a:p>
         </p:txBody>
@@ -12513,7 +12872,7 @@
           <a:p>
             <a:r>
               <a:rPr lang="en-IN" b="1" dirty="0"/>
-              <a:t>Methodology </a:t>
+              <a:t>Methodology</a:t>
             </a:r>
           </a:p>
         </p:txBody>
@@ -12586,36 +12945,6 @@
           <a:bodyPr/>
           <a:lstStyle/>
           <a:p>
-            <a:r>
-              <a:rPr lang="en-IN" dirty="0"/>
-              <a:t>A common LSTM unit is composed of a cell, an input gate, an output gate and a forget  gate.</a:t>
-            </a:r>
-          </a:p>
-          <a:p>
-            <a:r>
-              <a:rPr lang="en-IN" dirty="0"/>
-              <a:t>CNNs are regularized versions of multilayer perceptron. Multilayer perceptron usually mean fully connected networks.</a:t>
-            </a:r>
-          </a:p>
-          <a:p>
-            <a:r>
-              <a:rPr lang="en-IN" dirty="0"/>
-              <a:t>CNNs  take advantage of the hierarchical pattern in data.</a:t>
-            </a:r>
-          </a:p>
-          <a:p>
-            <a:r>
-              <a:rPr lang="en-IN" dirty="0"/>
-              <a:t>It assemble patterns of increasing complexity using smaller and simpler patterns embossed in their filters.</a:t>
-            </a:r>
-          </a:p>
-          <a:p>
-            <a:r>
-              <a:rPr lang="en-IN" dirty="0"/>
-              <a:t>CNN layers used for feature extraction on input data combined with LSTMs to support sequence prediction.</a:t>
-            </a:r>
-          </a:p>
-          <a:p>
             <a:endParaRPr lang="en-IN" dirty="0"/>
           </a:p>
         </p:txBody>
@@ -12623,7 +12952,7 @@
     </p:spTree>
     <p:extLst>
       <p:ext uri="{BB962C8B-B14F-4D97-AF65-F5344CB8AC3E}">
-        <p14:creationId xmlns:p14="http://schemas.microsoft.com/office/powerpoint/2010/main" val="684042375"/>
+        <p14:creationId xmlns:p14="http://schemas.microsoft.com/office/powerpoint/2010/main" val="2604798448"/>
       </p:ext>
     </p:extLst>
   </p:cSld>
@@ -12748,19 +13077,31 @@
           <a:p>
             <a:r>
               <a:rPr lang="en-IN" dirty="0"/>
-              <a:t>Attention is a mechanism combined in the RNN allowing it to focus on certain parts of the input sequence when predicting a certain part of the output sequence, enabling easier learning and of higher quality. </a:t>
+              <a:t>A common LSTM unit is composed of a cell, an input gate, an output gate and a forget  gate.</a:t>
             </a:r>
           </a:p>
           <a:p>
             <a:r>
               <a:rPr lang="en-IN" dirty="0"/>
-              <a:t>Combination of attention mechanisms enabled improved performance in many tasks making it an integral part of modern RNN networks.</a:t>
+              <a:t>CNNs are regularized versions of multilayer perceptron. Multilayer perceptron usually mean fully connected networks.</a:t>
             </a:r>
           </a:p>
           <a:p>
             <a:r>
               <a:rPr lang="en-IN" dirty="0"/>
-              <a:t>Attention mechanisms let a model draw from the state at any preceding point along the sequence.</a:t>
+              <a:t>CNNs  take advantage of the hierarchical pattern in data.</a:t>
+            </a:r>
+          </a:p>
+          <a:p>
+            <a:r>
+              <a:rPr lang="en-IN" dirty="0"/>
+              <a:t>It assemble patterns of increasing complexity using smaller and simpler patterns embossed in their filters.</a:t>
+            </a:r>
+          </a:p>
+          <a:p>
+            <a:r>
+              <a:rPr lang="en-IN" dirty="0"/>
+              <a:t>CNN layers used for feature extraction on input data combined with LSTMs to support sequence prediction.</a:t>
             </a:r>
           </a:p>
           <a:p>
@@ -12771,7 +13112,7 @@
     </p:spTree>
     <p:extLst>
       <p:ext uri="{BB962C8B-B14F-4D97-AF65-F5344CB8AC3E}">
-        <p14:creationId xmlns:p14="http://schemas.microsoft.com/office/powerpoint/2010/main" val="3354237748"/>
+        <p14:creationId xmlns:p14="http://schemas.microsoft.com/office/powerpoint/2010/main" val="684042375"/>
       </p:ext>
     </p:extLst>
   </p:cSld>
@@ -12895,49 +13236,31 @@
           <a:lstStyle/>
           <a:p>
             <a:r>
-              <a:rPr lang="en-IN" sz="2800" dirty="0">
-                <a:solidFill>
-                  <a:srgbClr val="231F20"/>
-                </a:solidFill>
-                <a:effectLst/>
-                <a:latin typeface="Cambria" panose="02040503050406030204" pitchFamily="18" charset="0"/>
-                <a:ea typeface="Times New Roman" panose="02020603050405020304" pitchFamily="18" charset="0"/>
-                <a:cs typeface="Mangal" panose="02040503050203030202" pitchFamily="18" charset="0"/>
-              </a:rPr>
-              <a:t>The attention layer can access all previous states and weights them according to a learned measure of relevancy, providing relevant information about far-away tokens.</a:t>
-            </a:r>
-            <a:endParaRPr lang="en-IN" dirty="0">
-              <a:latin typeface="Cambria" panose="02040503050406030204" pitchFamily="18" charset="0"/>
-              <a:ea typeface="Times New Roman" panose="02020603050405020304" pitchFamily="18" charset="0"/>
-              <a:cs typeface="Mangal" panose="02040503050203030202" pitchFamily="18" charset="0"/>
-            </a:endParaRPr>
-          </a:p>
-          <a:p>
-            <a:r>
-              <a:rPr lang="en-IN" dirty="0">
-                <a:solidFill>
-                  <a:srgbClr val="231F20"/>
-                </a:solidFill>
-                <a:latin typeface="Cambria" panose="02040503050406030204" pitchFamily="18" charset="0"/>
-                <a:cs typeface="Mangal" panose="02040503050203030202" pitchFamily="18" charset="0"/>
-              </a:rPr>
-              <a:t>Transformers use an attention mechanism without an RNN, processing all tokens at the same time and calculating attention weights between them in successive layers.</a:t>
-            </a:r>
-          </a:p>
-          <a:p>
-            <a:endParaRPr lang="en-IN" sz="1800" dirty="0">
-              <a:effectLst/>
-              <a:latin typeface="Cambria" panose="02040503050406030204" pitchFamily="18" charset="0"/>
-              <a:ea typeface="Times New Roman" panose="02020603050405020304" pitchFamily="18" charset="0"/>
-              <a:cs typeface="Mangal" panose="02040503050203030202" pitchFamily="18" charset="0"/>
-            </a:endParaRPr>
+              <a:rPr lang="en-IN" dirty="0"/>
+              <a:t>Attention is a mechanism combined in the RNN allowing it to focus on certain parts of the input sequence when predicting a certain part of the output sequence, enabling easier learning and of higher quality. </a:t>
+            </a:r>
+          </a:p>
+          <a:p>
+            <a:r>
+              <a:rPr lang="en-IN" dirty="0"/>
+              <a:t>Combination of attention mechanisms enabled improved performance in many tasks making it an integral part of modern RNN networks.</a:t>
+            </a:r>
+          </a:p>
+          <a:p>
+            <a:r>
+              <a:rPr lang="en-IN" dirty="0"/>
+              <a:t>Attention mechanisms let a model draw from the state at any preceding point along the sequence.</a:t>
+            </a:r>
+          </a:p>
+          <a:p>
+            <a:endParaRPr lang="en-IN" dirty="0"/>
           </a:p>
         </p:txBody>
       </p:sp>
     </p:spTree>
     <p:extLst>
       <p:ext uri="{BB962C8B-B14F-4D97-AF65-F5344CB8AC3E}">
-        <p14:creationId xmlns:p14="http://schemas.microsoft.com/office/powerpoint/2010/main" val="3562716280"/>
+        <p14:creationId xmlns:p14="http://schemas.microsoft.com/office/powerpoint/2010/main" val="3354237748"/>
       </p:ext>
     </p:extLst>
   </p:cSld>

--- a/Fake_News_New.pptx
+++ b/Fake_News_New.pptx
@@ -11,11 +11,11 @@
     <p:sldId id="260" r:id="rId5"/>
     <p:sldId id="263" r:id="rId6"/>
     <p:sldId id="264" r:id="rId7"/>
-    <p:sldId id="289" r:id="rId8"/>
-    <p:sldId id="266" r:id="rId9"/>
-    <p:sldId id="265" r:id="rId10"/>
-    <p:sldId id="267" r:id="rId11"/>
-    <p:sldId id="268" r:id="rId12"/>
+    <p:sldId id="266" r:id="rId8"/>
+    <p:sldId id="265" r:id="rId9"/>
+    <p:sldId id="267" r:id="rId10"/>
+    <p:sldId id="268" r:id="rId11"/>
+    <p:sldId id="289" r:id="rId12"/>
     <p:sldId id="269" r:id="rId13"/>
     <p:sldId id="270" r:id="rId14"/>
     <p:sldId id="274" r:id="rId15"/>
@@ -29,14 +29,17 @@
     <p:sldId id="279" r:id="rId23"/>
     <p:sldId id="280" r:id="rId24"/>
     <p:sldId id="281" r:id="rId25"/>
-    <p:sldId id="282" r:id="rId26"/>
-    <p:sldId id="283" r:id="rId27"/>
-    <p:sldId id="284" r:id="rId28"/>
-    <p:sldId id="286" r:id="rId29"/>
-    <p:sldId id="288" r:id="rId30"/>
-    <p:sldId id="287" r:id="rId31"/>
-    <p:sldId id="261" r:id="rId32"/>
-    <p:sldId id="262" r:id="rId33"/>
+    <p:sldId id="283" r:id="rId26"/>
+    <p:sldId id="282" r:id="rId27"/>
+    <p:sldId id="291" r:id="rId28"/>
+    <p:sldId id="292" r:id="rId29"/>
+    <p:sldId id="290" r:id="rId30"/>
+    <p:sldId id="284" r:id="rId31"/>
+    <p:sldId id="286" r:id="rId32"/>
+    <p:sldId id="288" r:id="rId33"/>
+    <p:sldId id="287" r:id="rId34"/>
+    <p:sldId id="261" r:id="rId35"/>
+    <p:sldId id="262" r:id="rId36"/>
   </p:sldIdLst>
   <p:sldSz cx="12192000" cy="6858000"/>
   <p:notesSz cx="6858000" cy="9144000"/>
@@ -292,7 +295,7 @@
           <a:p>
             <a:fld id="{9589FA9A-A757-4F59-93C9-EAE2979DB3FA}" type="datetimeFigureOut">
               <a:rPr lang="en-IN" smtClean="0"/>
-              <a:t>13-12-2021</a:t>
+              <a:t>14-12-2021</a:t>
             </a:fld>
             <a:endParaRPr lang="en-IN"/>
           </a:p>
@@ -492,7 +495,7 @@
           <a:p>
             <a:fld id="{9589FA9A-A757-4F59-93C9-EAE2979DB3FA}" type="datetimeFigureOut">
               <a:rPr lang="en-IN" smtClean="0"/>
-              <a:t>13-12-2021</a:t>
+              <a:t>14-12-2021</a:t>
             </a:fld>
             <a:endParaRPr lang="en-IN"/>
           </a:p>
@@ -702,7 +705,7 @@
           <a:p>
             <a:fld id="{9589FA9A-A757-4F59-93C9-EAE2979DB3FA}" type="datetimeFigureOut">
               <a:rPr lang="en-IN" smtClean="0"/>
-              <a:t>13-12-2021</a:t>
+              <a:t>14-12-2021</a:t>
             </a:fld>
             <a:endParaRPr lang="en-IN"/>
           </a:p>
@@ -902,7 +905,7 @@
           <a:p>
             <a:fld id="{9589FA9A-A757-4F59-93C9-EAE2979DB3FA}" type="datetimeFigureOut">
               <a:rPr lang="en-IN" smtClean="0"/>
-              <a:t>13-12-2021</a:t>
+              <a:t>14-12-2021</a:t>
             </a:fld>
             <a:endParaRPr lang="en-IN"/>
           </a:p>
@@ -1178,7 +1181,7 @@
           <a:p>
             <a:fld id="{9589FA9A-A757-4F59-93C9-EAE2979DB3FA}" type="datetimeFigureOut">
               <a:rPr lang="en-IN" smtClean="0"/>
-              <a:t>13-12-2021</a:t>
+              <a:t>14-12-2021</a:t>
             </a:fld>
             <a:endParaRPr lang="en-IN"/>
           </a:p>
@@ -1446,7 +1449,7 @@
           <a:p>
             <a:fld id="{9589FA9A-A757-4F59-93C9-EAE2979DB3FA}" type="datetimeFigureOut">
               <a:rPr lang="en-IN" smtClean="0"/>
-              <a:t>13-12-2021</a:t>
+              <a:t>14-12-2021</a:t>
             </a:fld>
             <a:endParaRPr lang="en-IN"/>
           </a:p>
@@ -1861,7 +1864,7 @@
           <a:p>
             <a:fld id="{9589FA9A-A757-4F59-93C9-EAE2979DB3FA}" type="datetimeFigureOut">
               <a:rPr lang="en-IN" smtClean="0"/>
-              <a:t>13-12-2021</a:t>
+              <a:t>14-12-2021</a:t>
             </a:fld>
             <a:endParaRPr lang="en-IN"/>
           </a:p>
@@ -2003,7 +2006,7 @@
           <a:p>
             <a:fld id="{9589FA9A-A757-4F59-93C9-EAE2979DB3FA}" type="datetimeFigureOut">
               <a:rPr lang="en-IN" smtClean="0"/>
-              <a:t>13-12-2021</a:t>
+              <a:t>14-12-2021</a:t>
             </a:fld>
             <a:endParaRPr lang="en-IN"/>
           </a:p>
@@ -2116,7 +2119,7 @@
           <a:p>
             <a:fld id="{9589FA9A-A757-4F59-93C9-EAE2979DB3FA}" type="datetimeFigureOut">
               <a:rPr lang="en-IN" smtClean="0"/>
-              <a:t>13-12-2021</a:t>
+              <a:t>14-12-2021</a:t>
             </a:fld>
             <a:endParaRPr lang="en-IN"/>
           </a:p>
@@ -2429,7 +2432,7 @@
           <a:p>
             <a:fld id="{9589FA9A-A757-4F59-93C9-EAE2979DB3FA}" type="datetimeFigureOut">
               <a:rPr lang="en-IN" smtClean="0"/>
-              <a:t>13-12-2021</a:t>
+              <a:t>14-12-2021</a:t>
             </a:fld>
             <a:endParaRPr lang="en-IN"/>
           </a:p>
@@ -2718,7 +2721,7 @@
           <a:p>
             <a:fld id="{9589FA9A-A757-4F59-93C9-EAE2979DB3FA}" type="datetimeFigureOut">
               <a:rPr lang="en-IN" smtClean="0"/>
-              <a:t>13-12-2021</a:t>
+              <a:t>14-12-2021</a:t>
             </a:fld>
             <a:endParaRPr lang="en-IN"/>
           </a:p>
@@ -2961,7 +2964,7 @@
           <a:p>
             <a:fld id="{9589FA9A-A757-4F59-93C9-EAE2979DB3FA}" type="datetimeFigureOut">
               <a:rPr lang="en-IN" smtClean="0"/>
-              <a:t>13-12-2021</a:t>
+              <a:t>14-12-2021</a:t>
             </a:fld>
             <a:endParaRPr lang="en-IN"/>
           </a:p>
@@ -3515,7 +3518,7 @@
         </p:blipFill>
         <p:spPr bwMode="auto">
           <a:xfrm>
-            <a:off x="5100538" y="4013036"/>
+            <a:off x="5100536" y="4498719"/>
             <a:ext cx="1628775" cy="1304925"/>
           </a:xfrm>
           <a:prstGeom prst="rect">
@@ -3549,8 +3552,8 @@
         </p:nvSpPr>
         <p:spPr bwMode="auto">
           <a:xfrm>
-            <a:off x="2915212" y="5432472"/>
-            <a:ext cx="5999429" cy="938719"/>
+            <a:off x="2915210" y="5803644"/>
+            <a:ext cx="5999429" cy="569387"/>
           </a:xfrm>
           <a:prstGeom prst="rect">
             <a:avLst/>
@@ -3615,37 +3618,7 @@
               <a:tabLst/>
             </a:pPr>
             <a:r>
-              <a:rPr kumimoji="0" lang="en-US" altLang="zh-CN" sz="1600" b="1" i="0" u="none" strike="noStrike" cap="none" normalizeH="0" baseline="0" dirty="0">
-                <a:ln>
-                  <a:noFill/>
-                </a:ln>
-                <a:solidFill>
-                  <a:srgbClr val="1F497D"/>
-                </a:solidFill>
-                <a:effectLst/>
-                <a:latin typeface="Kokila" panose="020B0502040204020203" pitchFamily="34" charset="0"/>
-                <a:ea typeface="Times New Roman" panose="02020603050405020304" pitchFamily="18" charset="0"/>
-                <a:cs typeface="Mangal" panose="02040503050203030202" pitchFamily="18" charset="0"/>
-              </a:rPr>
-              <a:t>                                 </a:t>
-            </a:r>
-            <a:r>
-              <a:rPr kumimoji="0" lang="hi-IN" altLang="zh-CN" sz="1600" b="1" i="0" u="none" strike="noStrike" cap="none" normalizeH="0" baseline="0" dirty="0">
-                <a:ln>
-                  <a:noFill/>
-                </a:ln>
-                <a:solidFill>
-                  <a:srgbClr val="1F497D"/>
-                </a:solidFill>
-                <a:effectLst/>
-                <a:latin typeface="Kokila" panose="020B0502040204020203" pitchFamily="34" charset="0"/>
-                <a:ea typeface="Times New Roman" panose="02020603050405020304" pitchFamily="18" charset="0"/>
-                <a:cs typeface="Mangal" panose="02040503050203030202" pitchFamily="18" charset="0"/>
-              </a:rPr>
-              <a:t>भारतीय</a:t>
-            </a:r>
-            <a:r>
-              <a:rPr kumimoji="0" lang="hi-IN" altLang="zh-CN" sz="1600" b="1" i="0" u="none" strike="noStrike" cap="none" normalizeH="0" baseline="0" dirty="0">
+              <a:rPr kumimoji="0" lang="en-US" altLang="zh-CN" sz="1200" b="1" i="0" u="none" strike="noStrike" cap="none" normalizeH="0" baseline="0" dirty="0">
                 <a:ln>
                   <a:noFill/>
                 </a:ln>
@@ -3657,114 +3630,9 @@
                 <a:ea typeface="Times New Roman" panose="02020603050405020304" pitchFamily="18" charset="0"/>
                 <a:cs typeface="Mangal" panose="02040503050203030202" pitchFamily="18" charset="0"/>
               </a:rPr>
-              <a:t> </a:t>
-            </a:r>
-            <a:r>
-              <a:rPr kumimoji="0" lang="hi-IN" altLang="zh-CN" sz="1600" b="1" i="0" u="none" strike="noStrike" cap="none" normalizeH="0" baseline="0" dirty="0">
-                <a:ln>
-                  <a:noFill/>
-                </a:ln>
-                <a:solidFill>
-                  <a:srgbClr val="1F497D"/>
-                </a:solidFill>
-                <a:effectLst/>
-                <a:latin typeface="Kokila" panose="020B0502040204020203" pitchFamily="34" charset="0"/>
-                <a:ea typeface="Times New Roman" panose="02020603050405020304" pitchFamily="18" charset="0"/>
-                <a:cs typeface="Mangal" panose="02040503050203030202" pitchFamily="18" charset="0"/>
-              </a:rPr>
-              <a:t>सूचना</a:t>
-            </a:r>
-            <a:r>
-              <a:rPr kumimoji="0" lang="hi-IN" altLang="zh-CN" sz="1600" b="1" i="0" u="none" strike="noStrike" cap="none" normalizeH="0" baseline="0" dirty="0">
-                <a:ln>
-                  <a:noFill/>
-                </a:ln>
-                <a:solidFill>
-                  <a:srgbClr val="1F497D"/>
-                </a:solidFill>
-                <a:effectLst/>
-                <a:latin typeface="Cambria" panose="02040503050406030204" pitchFamily="18" charset="0"/>
-                <a:ea typeface="Times New Roman" panose="02020603050405020304" pitchFamily="18" charset="0"/>
-                <a:cs typeface="Mangal" panose="02040503050203030202" pitchFamily="18" charset="0"/>
-              </a:rPr>
-              <a:t> </a:t>
-            </a:r>
-            <a:r>
-              <a:rPr kumimoji="0" lang="hi-IN" altLang="zh-CN" sz="1600" b="1" i="0" u="none" strike="noStrike" cap="none" normalizeH="0" baseline="0" dirty="0">
-                <a:ln>
-                  <a:noFill/>
-                </a:ln>
-                <a:solidFill>
-                  <a:srgbClr val="1F497D"/>
-                </a:solidFill>
-                <a:effectLst/>
-                <a:latin typeface="Kokila" panose="020B0502040204020203" pitchFamily="34" charset="0"/>
-                <a:ea typeface="Times New Roman" panose="02020603050405020304" pitchFamily="18" charset="0"/>
-                <a:cs typeface="Mangal" panose="02040503050203030202" pitchFamily="18" charset="0"/>
-              </a:rPr>
-              <a:t>प्रौद्योगिकी</a:t>
-            </a:r>
-            <a:r>
-              <a:rPr kumimoji="0" lang="hi-IN" altLang="zh-CN" sz="1600" b="1" i="0" u="none" strike="noStrike" cap="none" normalizeH="0" baseline="0" dirty="0">
-                <a:ln>
-                  <a:noFill/>
-                </a:ln>
-                <a:solidFill>
-                  <a:srgbClr val="1F497D"/>
-                </a:solidFill>
-                <a:effectLst/>
-                <a:latin typeface="Cambria" panose="02040503050406030204" pitchFamily="18" charset="0"/>
-                <a:ea typeface="Times New Roman" panose="02020603050405020304" pitchFamily="18" charset="0"/>
-                <a:cs typeface="Mangal" panose="02040503050203030202" pitchFamily="18" charset="0"/>
-              </a:rPr>
-              <a:t> </a:t>
-            </a:r>
-            <a:r>
-              <a:rPr kumimoji="0" lang="hi-IN" altLang="zh-CN" sz="1600" b="1" i="0" u="none" strike="noStrike" cap="none" normalizeH="0" baseline="0" dirty="0">
-                <a:ln>
-                  <a:noFill/>
-                </a:ln>
-                <a:solidFill>
-                  <a:srgbClr val="1F497D"/>
-                </a:solidFill>
-                <a:effectLst/>
-                <a:latin typeface="Kokila" panose="020B0502040204020203" pitchFamily="34" charset="0"/>
-                <a:ea typeface="Times New Roman" panose="02020603050405020304" pitchFamily="18" charset="0"/>
-                <a:cs typeface="Mangal" panose="02040503050203030202" pitchFamily="18" charset="0"/>
-              </a:rPr>
-              <a:t>संस्थान</a:t>
-            </a:r>
-            <a:r>
-              <a:rPr kumimoji="0" lang="hi-IN" altLang="zh-CN" sz="1600" b="1" i="0" u="none" strike="noStrike" cap="none" normalizeH="0" baseline="0" dirty="0">
-                <a:ln>
-                  <a:noFill/>
-                </a:ln>
-                <a:solidFill>
-                  <a:srgbClr val="1F497D"/>
-                </a:solidFill>
-                <a:effectLst/>
-                <a:latin typeface="Cambria" panose="02040503050406030204" pitchFamily="18" charset="0"/>
-                <a:ea typeface="Times New Roman" panose="02020603050405020304" pitchFamily="18" charset="0"/>
-                <a:cs typeface="Mangal" panose="02040503050203030202" pitchFamily="18" charset="0"/>
-              </a:rPr>
-              <a:t> </a:t>
-            </a:r>
-            <a:r>
-              <a:rPr kumimoji="0" lang="hi-IN" altLang="zh-CN" sz="1600" b="1" i="0" u="none" strike="noStrike" cap="none" normalizeH="0" baseline="0" dirty="0">
-                <a:ln>
-                  <a:noFill/>
-                </a:ln>
-                <a:solidFill>
-                  <a:srgbClr val="1F497D"/>
-                </a:solidFill>
-                <a:effectLst/>
-                <a:latin typeface="Kokila" panose="020B0502040204020203" pitchFamily="34" charset="0"/>
-                <a:ea typeface="Times New Roman" panose="02020603050405020304" pitchFamily="18" charset="0"/>
-                <a:cs typeface="Mangal" panose="02040503050203030202" pitchFamily="18" charset="0"/>
-              </a:rPr>
-              <a:t>राँची</a:t>
-            </a:r>
-            <a:endParaRPr kumimoji="0" lang="en-US" altLang="zh-CN" sz="800" b="0" i="0" u="none" strike="noStrike" cap="none" normalizeH="0" baseline="0" dirty="0">
+              <a:t>                           INDIAN INSTITUTE OF INFORMATION TECHNOLOGY, RANCHI   </a:t>
+            </a:r>
+            <a:endParaRPr kumimoji="0" lang="en-US" altLang="zh-CN" sz="1100" b="0" i="0" u="none" strike="noStrike" cap="none" normalizeH="0" baseline="0" dirty="0">
               <a:ln>
                 <a:noFill/>
               </a:ln>
@@ -3792,7 +3660,7 @@
               <a:tabLst/>
             </a:pPr>
             <a:r>
-              <a:rPr kumimoji="0" lang="en-US" altLang="zh-CN" sz="900" b="1" i="0" u="none" strike="noStrike" cap="none" normalizeH="0" baseline="0" dirty="0">
+              <a:rPr kumimoji="0" lang="en-US" altLang="zh-CN" sz="900" b="0" i="0" u="none" strike="noStrike" cap="none" normalizeH="0" baseline="0" dirty="0">
                 <a:ln>
                   <a:noFill/>
                 </a:ln>
@@ -3804,7 +3672,7 @@
                 <a:ea typeface="Times New Roman" panose="02020603050405020304" pitchFamily="18" charset="0"/>
                 <a:cs typeface="Mangal" panose="02040503050203030202" pitchFamily="18" charset="0"/>
               </a:rPr>
-              <a:t>                                                       INDIAN INSTITUTE OF INFORMATION TECHNOLOGY, RANCHI   </a:t>
+              <a:t>                                                         (An Institution of National importance under act of Parliament)</a:t>
             </a:r>
             <a:endParaRPr kumimoji="0" lang="en-US" altLang="zh-CN" sz="800" b="0" i="0" u="none" strike="noStrike" cap="none" normalizeH="0" baseline="0" dirty="0">
               <a:ln>
@@ -3834,48 +3702,6 @@
               <a:tabLst/>
             </a:pPr>
             <a:r>
-              <a:rPr kumimoji="0" lang="en-US" altLang="zh-CN" sz="900" b="0" i="0" u="none" strike="noStrike" cap="none" normalizeH="0" baseline="0" dirty="0">
-                <a:ln>
-                  <a:noFill/>
-                </a:ln>
-                <a:solidFill>
-                  <a:srgbClr val="1F497D"/>
-                </a:solidFill>
-                <a:effectLst/>
-                <a:latin typeface="Cambria" panose="02040503050406030204" pitchFamily="18" charset="0"/>
-                <a:ea typeface="Times New Roman" panose="02020603050405020304" pitchFamily="18" charset="0"/>
-                <a:cs typeface="Mangal" panose="02040503050203030202" pitchFamily="18" charset="0"/>
-              </a:rPr>
-              <a:t>                                                         (An Institution of National importance under act of Parliament)</a:t>
-            </a:r>
-            <a:endParaRPr kumimoji="0" lang="en-US" altLang="zh-CN" sz="800" b="0" i="0" u="none" strike="noStrike" cap="none" normalizeH="0" baseline="0" dirty="0">
-              <a:ln>
-                <a:noFill/>
-              </a:ln>
-              <a:solidFill>
-                <a:schemeClr val="tx1"/>
-              </a:solidFill>
-              <a:effectLst/>
-            </a:endParaRPr>
-          </a:p>
-          <a:p>
-            <a:pPr marL="0" marR="0" lvl="0" indent="0" algn="just" defTabSz="914400" rtl="0" eaLnBrk="0" fontAlgn="base" latinLnBrk="0" hangingPunct="0">
-              <a:lnSpc>
-                <a:spcPct val="100000"/>
-              </a:lnSpc>
-              <a:spcBef>
-                <a:spcPct val="0"/>
-              </a:spcBef>
-              <a:spcAft>
-                <a:spcPct val="0"/>
-              </a:spcAft>
-              <a:buClrTx/>
-              <a:buSzTx/>
-              <a:buFontTx/>
-              <a:buNone/>
-              <a:tabLst/>
-            </a:pPr>
-            <a:r>
               <a:rPr kumimoji="0" lang="en-US" altLang="zh-CN" sz="1000" b="0" i="0" u="none" strike="noStrike" cap="none" normalizeH="0" baseline="0" dirty="0">
                 <a:ln>
                   <a:noFill/>
@@ -3898,64 +3724,6 @@
                 <a:schemeClr val="tx1"/>
               </a:solidFill>
               <a:effectLst/>
-            </a:endParaRPr>
-          </a:p>
-          <a:p>
-            <a:pPr marL="0" marR="0" lvl="0" indent="0" algn="just" defTabSz="914400" rtl="0" eaLnBrk="0" fontAlgn="base" latinLnBrk="0" hangingPunct="0">
-              <a:lnSpc>
-                <a:spcPct val="100000"/>
-              </a:lnSpc>
-              <a:spcBef>
-                <a:spcPct val="0"/>
-              </a:spcBef>
-              <a:spcAft>
-                <a:spcPct val="0"/>
-              </a:spcAft>
-              <a:buClrTx/>
-              <a:buSzTx/>
-              <a:buFontTx/>
-              <a:buNone/>
-              <a:tabLst/>
-            </a:pPr>
-            <a:r>
-              <a:rPr kumimoji="0" lang="en-US" altLang="zh-CN" sz="1000" b="0" i="0" u="none" strike="noStrike" cap="none" normalizeH="0" baseline="0" dirty="0">
-                <a:ln>
-                  <a:noFill/>
-                </a:ln>
-                <a:solidFill>
-                  <a:srgbClr val="1F497D"/>
-                </a:solidFill>
-                <a:effectLst/>
-                <a:latin typeface="Times New Roman" panose="02020603050405020304" pitchFamily="18" charset="0"/>
-                <a:ea typeface="Calibri" panose="020F0502020204030204" pitchFamily="34" charset="0"/>
-                <a:cs typeface="Times New Roman" panose="02020603050405020304" pitchFamily="18" charset="0"/>
-              </a:rPr>
-              <a:t>                                          </a:t>
-            </a:r>
-            <a:r>
-              <a:rPr kumimoji="0" lang="en-US" altLang="zh-CN" sz="1100" b="1" i="1" u="none" strike="noStrike" cap="none" normalizeH="0" baseline="0" dirty="0">
-                <a:ln>
-                  <a:noFill/>
-                </a:ln>
-                <a:solidFill>
-                  <a:srgbClr val="FF0000"/>
-                </a:solidFill>
-                <a:effectLst/>
-                <a:latin typeface="Arial" panose="020B0604020202020204" pitchFamily="34" charset="0"/>
-                <a:ea typeface="Calibri" panose="020F0502020204030204" pitchFamily="34" charset="0"/>
-                <a:cs typeface="Arial" panose="020B0604020202020204" pitchFamily="34" charset="0"/>
-              </a:rPr>
-              <a:t>Department of Computer Science and Engineering</a:t>
-            </a:r>
-            <a:endParaRPr kumimoji="0" lang="en-US" altLang="zh-CN" sz="1800" b="0" i="0" u="none" strike="noStrike" cap="none" normalizeH="0" baseline="0" dirty="0">
-              <a:ln>
-                <a:noFill/>
-              </a:ln>
-              <a:solidFill>
-                <a:schemeClr val="tx1"/>
-              </a:solidFill>
-              <a:effectLst/>
-              <a:latin typeface="Arial" panose="020B0604020202020204" pitchFamily="34" charset="0"/>
             </a:endParaRPr>
           </a:p>
         </p:txBody>
@@ -4119,12 +3887,68 @@
               </a:rPr>
               <a:t> Dr. Rashmi Panda</a:t>
             </a:r>
-            <a:endParaRPr lang="en-IN" sz="1400" dirty="0">
-              <a:effectLst/>
-              <a:latin typeface="Cambria" panose="02040503050406030204" pitchFamily="18" charset="0"/>
-              <a:ea typeface="Times New Roman" panose="02020603050405020304" pitchFamily="18" charset="0"/>
-              <a:cs typeface="Mangal" panose="02040503050203030202" pitchFamily="18" charset="0"/>
-            </a:endParaRPr>
+          </a:p>
+        </p:txBody>
+      </p:sp>
+      <p:sp>
+        <p:nvSpPr>
+          <p:cNvPr id="8" name="TextBox 7">
+            <a:extLst>
+              <a:ext uri="{FF2B5EF4-FFF2-40B4-BE49-F238E27FC236}">
+                <a16:creationId xmlns:a16="http://schemas.microsoft.com/office/drawing/2014/main" id="{B013DB77-4398-4A5D-A641-E847017ADC49}"/>
+              </a:ext>
+            </a:extLst>
+          </p:cNvPr>
+          <p:cNvSpPr txBox="1"/>
+          <p:nvPr/>
+        </p:nvSpPr>
+        <p:spPr>
+          <a:xfrm>
+            <a:off x="3148318" y="3918921"/>
+            <a:ext cx="6097508" cy="369332"/>
+          </a:xfrm>
+          <a:prstGeom prst="rect">
+            <a:avLst/>
+          </a:prstGeom>
+          <a:noFill/>
+        </p:spPr>
+        <p:txBody>
+          <a:bodyPr wrap="square">
+            <a:spAutoFit/>
+          </a:bodyPr>
+          <a:lstStyle/>
+          <a:p>
+            <a:r>
+              <a:rPr kumimoji="0" lang="en-US" altLang="zh-CN" sz="1400" b="0" i="0" u="none" strike="noStrike" cap="none" normalizeH="0" baseline="0" dirty="0">
+                <a:ln>
+                  <a:noFill/>
+                </a:ln>
+                <a:solidFill>
+                  <a:srgbClr val="1F497D"/>
+                </a:solidFill>
+                <a:effectLst/>
+                <a:latin typeface="Times New Roman" panose="02020603050405020304" pitchFamily="18" charset="0"/>
+                <a:ea typeface="Calibri" panose="020F0502020204030204" pitchFamily="34" charset="0"/>
+                <a:cs typeface="Times New Roman" panose="02020603050405020304" pitchFamily="18" charset="0"/>
+              </a:rPr>
+              <a:t> </a:t>
+            </a:r>
+            <a:r>
+              <a:rPr kumimoji="0" lang="en-US" altLang="zh-CN" sz="1800" b="1" i="1" u="none" strike="noStrike" cap="none" normalizeH="0" baseline="0" dirty="0">
+                <a:ln>
+                  <a:noFill/>
+                </a:ln>
+                <a:solidFill>
+                  <a:srgbClr val="FF0000"/>
+                </a:solidFill>
+                <a:effectLst/>
+                <a:latin typeface="Arial" panose="020B0604020202020204" pitchFamily="34" charset="0"/>
+                <a:ea typeface="Calibri" panose="020F0502020204030204" pitchFamily="34" charset="0"/>
+                <a:cs typeface="Arial" panose="020B0604020202020204" pitchFamily="34" charset="0"/>
+              </a:rPr>
+              <a:t>Department of Computer Science and Engineering</a:t>
+            </a:r>
+            <a:endParaRPr lang="en-IN" dirty="0"/>
           </a:p>
         </p:txBody>
       </p:sp>
@@ -4181,7 +4005,7 @@
           <a:p>
             <a:r>
               <a:rPr lang="en-IN" b="1" dirty="0"/>
-              <a:t>Methodology </a:t>
+              <a:t>Implementation </a:t>
             </a:r>
           </a:p>
         </p:txBody>
@@ -4251,53 +4075,50 @@
         </p:nvSpPr>
         <p:spPr/>
         <p:txBody>
-          <a:bodyPr/>
+          <a:bodyPr>
+            <a:normAutofit/>
+          </a:bodyPr>
           <a:lstStyle/>
           <a:p>
-            <a:r>
-              <a:rPr lang="en-IN" sz="2800" dirty="0">
+            <a:pPr marL="0" indent="0">
+              <a:buNone/>
+            </a:pPr>
+            <a:r>
+              <a:rPr lang="en-IN" sz="3200" b="1" dirty="0">
                 <a:solidFill>
-                  <a:srgbClr val="231F20"/>
+                  <a:schemeClr val="tx1">
+                    <a:lumMod val="65000"/>
+                    <a:lumOff val="35000"/>
+                  </a:schemeClr>
                 </a:solidFill>
-                <a:effectLst/>
-                <a:latin typeface="Cambria" panose="02040503050406030204" pitchFamily="18" charset="0"/>
-                <a:ea typeface="Times New Roman" panose="02020603050405020304" pitchFamily="18" charset="0"/>
-                <a:cs typeface="Mangal" panose="02040503050203030202" pitchFamily="18" charset="0"/>
               </a:rPr>
-              <a:t>The attention layer can access all previous states and weights them according to a learned measure of relevancy, providing relevant information about far-away tokens.</a:t>
-            </a:r>
-            <a:endParaRPr lang="en-IN" dirty="0">
-              <a:latin typeface="Cambria" panose="02040503050406030204" pitchFamily="18" charset="0"/>
-              <a:ea typeface="Times New Roman" panose="02020603050405020304" pitchFamily="18" charset="0"/>
-              <a:cs typeface="Mangal" panose="02040503050203030202" pitchFamily="18" charset="0"/>
-            </a:endParaRPr>
-          </a:p>
-          <a:p>
-            <a:r>
-              <a:rPr lang="en-IN" dirty="0">
-                <a:solidFill>
-                  <a:srgbClr val="231F20"/>
-                </a:solidFill>
-                <a:latin typeface="Cambria" panose="02040503050406030204" pitchFamily="18" charset="0"/>
-                <a:cs typeface="Mangal" panose="02040503050203030202" pitchFamily="18" charset="0"/>
-              </a:rPr>
-              <a:t>Transformers use an attention mechanism without an RNN, processing all tokens at the same time and calculating attention weights between them in successive layers.</a:t>
-            </a:r>
-          </a:p>
-          <a:p>
-            <a:endParaRPr lang="en-IN" sz="1800" dirty="0">
-              <a:effectLst/>
-              <a:latin typeface="Cambria" panose="02040503050406030204" pitchFamily="18" charset="0"/>
-              <a:ea typeface="Times New Roman" panose="02020603050405020304" pitchFamily="18" charset="0"/>
-              <a:cs typeface="Mangal" panose="02040503050203030202" pitchFamily="18" charset="0"/>
-            </a:endParaRPr>
+              <a:t>Pre-processing</a:t>
+            </a:r>
+          </a:p>
+          <a:p>
+            <a:r>
+              <a:rPr lang="en-IN" dirty="0"/>
+              <a:t>The text data which is available to us for using in the fake news detection is full of noisy information and present in format that can’t be directly used by our algorithms. </a:t>
+            </a:r>
+          </a:p>
+          <a:p>
+            <a:r>
+              <a:rPr lang="en-IN" dirty="0"/>
+              <a:t>The data pre-processing is to transform the data into a useable form.</a:t>
+            </a:r>
+          </a:p>
+          <a:p>
+            <a:r>
+              <a:rPr lang="en-IN" dirty="0"/>
+              <a:t>The pre-processing  started with removing the null values present in the dataset. The entire row in which any column is null has been dropped.</a:t>
+            </a:r>
           </a:p>
         </p:txBody>
       </p:sp>
     </p:spTree>
     <p:extLst>
       <p:ext uri="{BB962C8B-B14F-4D97-AF65-F5344CB8AC3E}">
-        <p14:creationId xmlns:p14="http://schemas.microsoft.com/office/powerpoint/2010/main" val="3562716280"/>
+        <p14:creationId xmlns:p14="http://schemas.microsoft.com/office/powerpoint/2010/main" val="2865348938"/>
       </p:ext>
     </p:extLst>
   </p:cSld>
@@ -4434,33 +4255,51 @@
                   </a:schemeClr>
                 </a:solidFill>
               </a:rPr>
-              <a:t>Pre-processing</a:t>
-            </a:r>
-          </a:p>
-          <a:p>
-            <a:r>
-              <a:rPr lang="en-IN" dirty="0"/>
-              <a:t>The text data which is available to us for using in the fake news detection is full of noisy information and present in format that can’t be directly used by our algorithms. </a:t>
-            </a:r>
-          </a:p>
-          <a:p>
-            <a:r>
-              <a:rPr lang="en-IN" dirty="0"/>
-              <a:t>The data pre-processing is to transform the data into a useable form.</a:t>
-            </a:r>
-          </a:p>
-          <a:p>
-            <a:r>
-              <a:rPr lang="en-IN" dirty="0"/>
-              <a:t>The pre-processing  started with removing the null values present in the dataset. The entire row in which any column is null has been dropped.</a:t>
+              <a:t> </a:t>
             </a:r>
           </a:p>
         </p:txBody>
       </p:sp>
+      <p:pic>
+        <p:nvPicPr>
+          <p:cNvPr id="5" name="Picture 4" descr="Timeline&#10;&#10;Description automatically generated">
+            <a:extLst>
+              <a:ext uri="{FF2B5EF4-FFF2-40B4-BE49-F238E27FC236}">
+                <a16:creationId xmlns:a16="http://schemas.microsoft.com/office/drawing/2014/main" id="{06882F79-CB20-41BA-A76B-886246583EE7}"/>
+              </a:ext>
+            </a:extLst>
+          </p:cNvPr>
+          <p:cNvPicPr>
+            <a:picLocks noChangeAspect="1"/>
+          </p:cNvPicPr>
+          <p:nvPr/>
+        </p:nvPicPr>
+        <p:blipFill>
+          <a:blip r:embed="rId3">
+            <a:extLst>
+              <a:ext uri="{28A0092B-C50C-407E-A947-70E740481C1C}">
+                <a14:useLocalDpi xmlns:a14="http://schemas.microsoft.com/office/drawing/2010/main" val="0"/>
+              </a:ext>
+            </a:extLst>
+          </a:blip>
+          <a:stretch>
+            <a:fillRect/>
+          </a:stretch>
+        </p:blipFill>
+        <p:spPr>
+          <a:xfrm>
+            <a:off x="1038670" y="2116482"/>
+            <a:ext cx="10114659" cy="3415185"/>
+          </a:xfrm>
+          <a:prstGeom prst="rect">
+            <a:avLst/>
+          </a:prstGeom>
+        </p:spPr>
+      </p:pic>
     </p:spTree>
     <p:extLst>
       <p:ext uri="{BB962C8B-B14F-4D97-AF65-F5344CB8AC3E}">
-        <p14:creationId xmlns:p14="http://schemas.microsoft.com/office/powerpoint/2010/main" val="2865348938"/>
+        <p14:creationId xmlns:p14="http://schemas.microsoft.com/office/powerpoint/2010/main" val="2886863891"/>
       </p:ext>
     </p:extLst>
   </p:cSld>
@@ -4510,7 +4349,7 @@
           <a:p>
             <a:r>
               <a:rPr lang="en-IN" b="1" dirty="0"/>
-              <a:t>Implementation This have </a:t>
+              <a:t>Implementation </a:t>
             </a:r>
           </a:p>
         </p:txBody>
@@ -5003,6 +4842,42 @@
           </a:p>
         </p:txBody>
       </p:sp>
+      <p:pic>
+        <p:nvPicPr>
+          <p:cNvPr id="10" name="Picture 9">
+            <a:extLst>
+              <a:ext uri="{FF2B5EF4-FFF2-40B4-BE49-F238E27FC236}">
+                <a16:creationId xmlns:a16="http://schemas.microsoft.com/office/drawing/2014/main" id="{DFCDAB2A-6690-4B66-9219-A554D0A7A6EA}"/>
+              </a:ext>
+            </a:extLst>
+          </p:cNvPr>
+          <p:cNvPicPr>
+            <a:picLocks noChangeAspect="1"/>
+          </p:cNvPicPr>
+          <p:nvPr/>
+        </p:nvPicPr>
+        <p:blipFill>
+          <a:blip r:embed="rId3">
+            <a:extLst>
+              <a:ext uri="{28A0092B-C50C-407E-A947-70E740481C1C}">
+                <a14:useLocalDpi xmlns:a14="http://schemas.microsoft.com/office/drawing/2010/main" val="0"/>
+              </a:ext>
+            </a:extLst>
+          </a:blip>
+          <a:stretch>
+            <a:fillRect/>
+          </a:stretch>
+        </p:blipFill>
+        <p:spPr>
+          <a:xfrm>
+            <a:off x="5149860" y="5215555"/>
+            <a:ext cx="4867954" cy="1267002"/>
+          </a:xfrm>
+          <a:prstGeom prst="rect">
+            <a:avLst/>
+          </a:prstGeom>
+        </p:spPr>
+      </p:pic>
     </p:spTree>
     <p:extLst>
       <p:ext uri="{BB962C8B-B14F-4D97-AF65-F5344CB8AC3E}">
@@ -5475,6 +5350,42 @@
           </a:p>
         </p:txBody>
       </p:sp>
+      <p:pic>
+        <p:nvPicPr>
+          <p:cNvPr id="10" name="Picture 9">
+            <a:extLst>
+              <a:ext uri="{FF2B5EF4-FFF2-40B4-BE49-F238E27FC236}">
+                <a16:creationId xmlns:a16="http://schemas.microsoft.com/office/drawing/2014/main" id="{BFB1785A-0660-47A1-8E0D-F7E254EDCD23}"/>
+              </a:ext>
+            </a:extLst>
+          </p:cNvPr>
+          <p:cNvPicPr>
+            <a:picLocks noChangeAspect="1"/>
+          </p:cNvPicPr>
+          <p:nvPr/>
+        </p:nvPicPr>
+        <p:blipFill>
+          <a:blip r:embed="rId3">
+            <a:extLst>
+              <a:ext uri="{28A0092B-C50C-407E-A947-70E740481C1C}">
+                <a14:useLocalDpi xmlns:a14="http://schemas.microsoft.com/office/drawing/2010/main" val="0"/>
+              </a:ext>
+            </a:extLst>
+          </a:blip>
+          <a:stretch>
+            <a:fillRect/>
+          </a:stretch>
+        </p:blipFill>
+        <p:spPr>
+          <a:xfrm>
+            <a:off x="6096000" y="5225873"/>
+            <a:ext cx="4867954" cy="1267002"/>
+          </a:xfrm>
+          <a:prstGeom prst="rect">
+            <a:avLst/>
+          </a:prstGeom>
+        </p:spPr>
+      </p:pic>
     </p:spTree>
     <p:extLst>
       <p:ext uri="{BB962C8B-B14F-4D97-AF65-F5344CB8AC3E}">
@@ -5972,6 +5883,42 @@
           </a:p>
         </p:txBody>
       </p:sp>
+      <p:pic>
+        <p:nvPicPr>
+          <p:cNvPr id="10" name="Picture 9">
+            <a:extLst>
+              <a:ext uri="{FF2B5EF4-FFF2-40B4-BE49-F238E27FC236}">
+                <a16:creationId xmlns:a16="http://schemas.microsoft.com/office/drawing/2014/main" id="{F249934B-2D58-493B-A21A-F885FF1708AE}"/>
+              </a:ext>
+            </a:extLst>
+          </p:cNvPr>
+          <p:cNvPicPr>
+            <a:picLocks noChangeAspect="1"/>
+          </p:cNvPicPr>
+          <p:nvPr/>
+        </p:nvPicPr>
+        <p:blipFill>
+          <a:blip r:embed="rId3">
+            <a:extLst>
+              <a:ext uri="{28A0092B-C50C-407E-A947-70E740481C1C}">
+                <a14:useLocalDpi xmlns:a14="http://schemas.microsoft.com/office/drawing/2010/main" val="0"/>
+              </a:ext>
+            </a:extLst>
+          </a:blip>
+          <a:stretch>
+            <a:fillRect/>
+          </a:stretch>
+        </p:blipFill>
+        <p:spPr>
+          <a:xfrm>
+            <a:off x="4388890" y="5543462"/>
+            <a:ext cx="6296904" cy="1267002"/>
+          </a:xfrm>
+          <a:prstGeom prst="rect">
+            <a:avLst/>
+          </a:prstGeom>
+        </p:spPr>
+      </p:pic>
     </p:spTree>
     <p:extLst>
       <p:ext uri="{BB962C8B-B14F-4D97-AF65-F5344CB8AC3E}">
@@ -6650,6 +6597,42 @@
           </a:p>
         </p:txBody>
       </p:sp>
+      <p:pic>
+        <p:nvPicPr>
+          <p:cNvPr id="10" name="Picture 9">
+            <a:extLst>
+              <a:ext uri="{FF2B5EF4-FFF2-40B4-BE49-F238E27FC236}">
+                <a16:creationId xmlns:a16="http://schemas.microsoft.com/office/drawing/2014/main" id="{4D34F03F-D89E-457B-87A4-E9A8D6229E53}"/>
+              </a:ext>
+            </a:extLst>
+          </p:cNvPr>
+          <p:cNvPicPr>
+            <a:picLocks noChangeAspect="1"/>
+          </p:cNvPicPr>
+          <p:nvPr/>
+        </p:nvPicPr>
+        <p:blipFill>
+          <a:blip r:embed="rId3">
+            <a:extLst>
+              <a:ext uri="{28A0092B-C50C-407E-A947-70E740481C1C}">
+                <a14:useLocalDpi xmlns:a14="http://schemas.microsoft.com/office/drawing/2010/main" val="0"/>
+              </a:ext>
+            </a:extLst>
+          </a:blip>
+          <a:stretch>
+            <a:fillRect/>
+          </a:stretch>
+        </p:blipFill>
+        <p:spPr>
+          <a:xfrm>
+            <a:off x="1208259" y="4909961"/>
+            <a:ext cx="10145541" cy="1267002"/>
+          </a:xfrm>
+          <a:prstGeom prst="rect">
+            <a:avLst/>
+          </a:prstGeom>
+        </p:spPr>
+      </p:pic>
     </p:spTree>
     <p:extLst>
       <p:ext uri="{BB962C8B-B14F-4D97-AF65-F5344CB8AC3E}">
@@ -7119,6 +7102,42 @@
           </a:p>
         </p:txBody>
       </p:sp>
+      <p:pic>
+        <p:nvPicPr>
+          <p:cNvPr id="14" name="Picture 13">
+            <a:extLst>
+              <a:ext uri="{FF2B5EF4-FFF2-40B4-BE49-F238E27FC236}">
+                <a16:creationId xmlns:a16="http://schemas.microsoft.com/office/drawing/2014/main" id="{14649377-09E6-448E-BA37-36F46BF13084}"/>
+              </a:ext>
+            </a:extLst>
+          </p:cNvPr>
+          <p:cNvPicPr>
+            <a:picLocks noChangeAspect="1"/>
+          </p:cNvPicPr>
+          <p:nvPr/>
+        </p:nvPicPr>
+        <p:blipFill>
+          <a:blip r:embed="rId3">
+            <a:extLst>
+              <a:ext uri="{28A0092B-C50C-407E-A947-70E740481C1C}">
+                <a14:useLocalDpi xmlns:a14="http://schemas.microsoft.com/office/drawing/2010/main" val="0"/>
+              </a:ext>
+            </a:extLst>
+          </a:blip>
+          <a:stretch>
+            <a:fillRect/>
+          </a:stretch>
+        </p:blipFill>
+        <p:spPr>
+          <a:xfrm>
+            <a:off x="1751994" y="5215555"/>
+            <a:ext cx="8688012" cy="1267002"/>
+          </a:xfrm>
+          <a:prstGeom prst="rect">
+            <a:avLst/>
+          </a:prstGeom>
+        </p:spPr>
+      </p:pic>
     </p:spTree>
     <p:extLst>
       <p:ext uri="{BB962C8B-B14F-4D97-AF65-F5344CB8AC3E}">
@@ -7577,6 +7596,18 @@
             <a:endParaRPr lang="en-IN" dirty="0"/>
           </a:p>
           <a:p>
+            <a:pPr marL="457200">
+              <a:spcBef>
+                <a:spcPts val="1170"/>
+              </a:spcBef>
+              <a:tabLst>
+                <a:tab pos="842645" algn="l"/>
+                <a:tab pos="843280" algn="l"/>
+              </a:tabLst>
+            </a:pPr>
+            <a:endParaRPr lang="en-IN" dirty="0"/>
+          </a:p>
+          <a:p>
             <a:endParaRPr lang="en-IN" sz="1800" dirty="0">
               <a:effectLst/>
               <a:latin typeface="Cambria" panose="02040503050406030204" pitchFamily="18" charset="0"/>
@@ -7597,6 +7628,347 @@
               <a:ea typeface="Times New Roman" panose="02020603050405020304" pitchFamily="18" charset="0"/>
               <a:cs typeface="Mangal" panose="02040503050203030202" pitchFamily="18" charset="0"/>
             </a:endParaRPr>
+          </a:p>
+        </p:txBody>
+      </p:sp>
+      <p:sp>
+        <p:nvSpPr>
+          <p:cNvPr id="3" name="Rectangle 2">
+            <a:extLst>
+              <a:ext uri="{FF2B5EF4-FFF2-40B4-BE49-F238E27FC236}">
+                <a16:creationId xmlns:a16="http://schemas.microsoft.com/office/drawing/2014/main" id="{73A45C9B-8333-4487-8B37-7947FB138B7C}"/>
+              </a:ext>
+            </a:extLst>
+          </p:cNvPr>
+          <p:cNvSpPr/>
+          <p:nvPr/>
+        </p:nvSpPr>
+        <p:spPr>
+          <a:xfrm>
+            <a:off x="923826" y="5578475"/>
+            <a:ext cx="1891646" cy="1001434"/>
+          </a:xfrm>
+          <a:prstGeom prst="rect">
+            <a:avLst/>
+          </a:prstGeom>
+        </p:spPr>
+        <p:style>
+          <a:lnRef idx="2">
+            <a:schemeClr val="dk1">
+              <a:shade val="50000"/>
+            </a:schemeClr>
+          </a:lnRef>
+          <a:fillRef idx="1">
+            <a:schemeClr val="dk1"/>
+          </a:fillRef>
+          <a:effectRef idx="0">
+            <a:schemeClr val="dk1"/>
+          </a:effectRef>
+          <a:fontRef idx="minor">
+            <a:schemeClr val="lt1"/>
+          </a:fontRef>
+        </p:style>
+        <p:txBody>
+          <a:bodyPr rtlCol="0" anchor="ctr"/>
+          <a:lstStyle/>
+          <a:p>
+            <a:pPr algn="ctr"/>
+            <a:r>
+              <a:rPr lang="en-US" dirty="0"/>
+              <a:t>Embedding Layer</a:t>
+            </a:r>
+          </a:p>
+          <a:p>
+            <a:pPr algn="ctr"/>
+            <a:r>
+              <a:rPr lang="en-US" dirty="0"/>
+              <a:t>(None,700,100)</a:t>
+            </a:r>
+            <a:endParaRPr lang="en-IN" dirty="0"/>
+          </a:p>
+        </p:txBody>
+      </p:sp>
+      <p:sp>
+        <p:nvSpPr>
+          <p:cNvPr id="7" name="Rectangle 6">
+            <a:extLst>
+              <a:ext uri="{FF2B5EF4-FFF2-40B4-BE49-F238E27FC236}">
+                <a16:creationId xmlns:a16="http://schemas.microsoft.com/office/drawing/2014/main" id="{868AA3CF-AC6B-495D-8D00-FA5DA59B0AB3}"/>
+              </a:ext>
+            </a:extLst>
+          </p:cNvPr>
+          <p:cNvSpPr/>
+          <p:nvPr/>
+        </p:nvSpPr>
+        <p:spPr>
+          <a:xfrm>
+            <a:off x="2940818" y="5578475"/>
+            <a:ext cx="1640264" cy="1001433"/>
+          </a:xfrm>
+          <a:prstGeom prst="rect">
+            <a:avLst/>
+          </a:prstGeom>
+        </p:spPr>
+        <p:style>
+          <a:lnRef idx="2">
+            <a:schemeClr val="dk1">
+              <a:shade val="50000"/>
+            </a:schemeClr>
+          </a:lnRef>
+          <a:fillRef idx="1">
+            <a:schemeClr val="dk1"/>
+          </a:fillRef>
+          <a:effectRef idx="0">
+            <a:schemeClr val="dk1"/>
+          </a:effectRef>
+          <a:fontRef idx="minor">
+            <a:schemeClr val="lt1"/>
+          </a:fontRef>
+        </p:style>
+        <p:txBody>
+          <a:bodyPr rtlCol="0" anchor="ctr"/>
+          <a:lstStyle/>
+          <a:p>
+            <a:pPr algn="ctr"/>
+            <a:r>
+              <a:rPr lang="en-US" dirty="0"/>
+              <a:t>Conv1DLayer</a:t>
+            </a:r>
+          </a:p>
+          <a:p>
+            <a:pPr algn="ctr"/>
+            <a:r>
+              <a:rPr lang="en-US" dirty="0"/>
+              <a:t>(None,700,64)</a:t>
+            </a:r>
+            <a:endParaRPr lang="en-IN" dirty="0"/>
+          </a:p>
+        </p:txBody>
+      </p:sp>
+      <p:sp>
+        <p:nvSpPr>
+          <p:cNvPr id="8" name="Rectangle 7">
+            <a:extLst>
+              <a:ext uri="{FF2B5EF4-FFF2-40B4-BE49-F238E27FC236}">
+                <a16:creationId xmlns:a16="http://schemas.microsoft.com/office/drawing/2014/main" id="{4C2A77F1-AD4C-41EA-80B1-1F25A81E880C}"/>
+              </a:ext>
+            </a:extLst>
+          </p:cNvPr>
+          <p:cNvSpPr/>
+          <p:nvPr/>
+        </p:nvSpPr>
+        <p:spPr>
+          <a:xfrm>
+            <a:off x="4671518" y="5564935"/>
+            <a:ext cx="1640264" cy="1028511"/>
+          </a:xfrm>
+          <a:prstGeom prst="rect">
+            <a:avLst/>
+          </a:prstGeom>
+        </p:spPr>
+        <p:style>
+          <a:lnRef idx="2">
+            <a:schemeClr val="dk1">
+              <a:shade val="50000"/>
+            </a:schemeClr>
+          </a:lnRef>
+          <a:fillRef idx="1">
+            <a:schemeClr val="dk1"/>
+          </a:fillRef>
+          <a:effectRef idx="0">
+            <a:schemeClr val="dk1"/>
+          </a:effectRef>
+          <a:fontRef idx="minor">
+            <a:schemeClr val="lt1"/>
+          </a:fontRef>
+        </p:style>
+        <p:txBody>
+          <a:bodyPr rtlCol="0" anchor="ctr"/>
+          <a:lstStyle/>
+          <a:p>
+            <a:pPr algn="ctr"/>
+            <a:r>
+              <a:rPr lang="en-US" dirty="0"/>
+              <a:t>MaxPool layer</a:t>
+            </a:r>
+          </a:p>
+          <a:p>
+            <a:pPr algn="ctr"/>
+            <a:r>
+              <a:rPr lang="en-IN" dirty="0"/>
+              <a:t>(None,350,64)</a:t>
+            </a:r>
+          </a:p>
+        </p:txBody>
+      </p:sp>
+      <p:sp>
+        <p:nvSpPr>
+          <p:cNvPr id="9" name="Rectangle 8">
+            <a:extLst>
+              <a:ext uri="{FF2B5EF4-FFF2-40B4-BE49-F238E27FC236}">
+                <a16:creationId xmlns:a16="http://schemas.microsoft.com/office/drawing/2014/main" id="{881ACDC2-D20A-49F7-8D1A-79957021655B}"/>
+              </a:ext>
+            </a:extLst>
+          </p:cNvPr>
+          <p:cNvSpPr/>
+          <p:nvPr/>
+        </p:nvSpPr>
+        <p:spPr>
+          <a:xfrm>
+            <a:off x="6437128" y="5551395"/>
+            <a:ext cx="1779903" cy="1001433"/>
+          </a:xfrm>
+          <a:prstGeom prst="rect">
+            <a:avLst/>
+          </a:prstGeom>
+        </p:spPr>
+        <p:style>
+          <a:lnRef idx="2">
+            <a:schemeClr val="dk1">
+              <a:shade val="50000"/>
+            </a:schemeClr>
+          </a:lnRef>
+          <a:fillRef idx="1">
+            <a:schemeClr val="dk1"/>
+          </a:fillRef>
+          <a:effectRef idx="0">
+            <a:schemeClr val="dk1"/>
+          </a:effectRef>
+          <a:fontRef idx="minor">
+            <a:schemeClr val="lt1"/>
+          </a:fontRef>
+        </p:style>
+        <p:txBody>
+          <a:bodyPr rtlCol="0" anchor="ctr"/>
+          <a:lstStyle/>
+          <a:p>
+            <a:pPr algn="ctr"/>
+            <a:r>
+              <a:rPr lang="en-US" dirty="0"/>
+              <a:t>LSTM</a:t>
+            </a:r>
+          </a:p>
+          <a:p>
+            <a:pPr algn="ctr"/>
+            <a:r>
+              <a:rPr lang="en-US" dirty="0"/>
+              <a:t>(None,350,128)</a:t>
+            </a:r>
+            <a:endParaRPr lang="en-IN" dirty="0"/>
+          </a:p>
+        </p:txBody>
+      </p:sp>
+      <p:sp>
+        <p:nvSpPr>
+          <p:cNvPr id="10" name="Rectangle 9">
+            <a:extLst>
+              <a:ext uri="{FF2B5EF4-FFF2-40B4-BE49-F238E27FC236}">
+                <a16:creationId xmlns:a16="http://schemas.microsoft.com/office/drawing/2014/main" id="{382B01FA-BE01-4F0D-81D0-EF2751DCB11A}"/>
+              </a:ext>
+            </a:extLst>
+          </p:cNvPr>
+          <p:cNvSpPr/>
+          <p:nvPr/>
+        </p:nvSpPr>
+        <p:spPr>
+          <a:xfrm>
+            <a:off x="9934277" y="5548205"/>
+            <a:ext cx="1640264" cy="1001432"/>
+          </a:xfrm>
+          <a:prstGeom prst="rect">
+            <a:avLst/>
+          </a:prstGeom>
+        </p:spPr>
+        <p:style>
+          <a:lnRef idx="2">
+            <a:schemeClr val="dk1">
+              <a:shade val="50000"/>
+            </a:schemeClr>
+          </a:lnRef>
+          <a:fillRef idx="1">
+            <a:schemeClr val="dk1"/>
+          </a:fillRef>
+          <a:effectRef idx="0">
+            <a:schemeClr val="dk1"/>
+          </a:effectRef>
+          <a:fontRef idx="minor">
+            <a:schemeClr val="lt1"/>
+          </a:fontRef>
+        </p:style>
+        <p:txBody>
+          <a:bodyPr rtlCol="0" anchor="ctr"/>
+          <a:lstStyle/>
+          <a:p>
+            <a:pPr algn="ctr"/>
+            <a:r>
+              <a:rPr lang="en-US" dirty="0"/>
+              <a:t>Dense Layer</a:t>
+            </a:r>
+          </a:p>
+          <a:p>
+            <a:pPr algn="ctr"/>
+            <a:r>
+              <a:rPr lang="en-US" dirty="0"/>
+              <a:t>(None,1)</a:t>
+            </a:r>
+            <a:endParaRPr lang="en-IN" dirty="0"/>
+          </a:p>
+        </p:txBody>
+      </p:sp>
+      <p:sp>
+        <p:nvSpPr>
+          <p:cNvPr id="11" name="Rectangle 10">
+            <a:extLst>
+              <a:ext uri="{FF2B5EF4-FFF2-40B4-BE49-F238E27FC236}">
+                <a16:creationId xmlns:a16="http://schemas.microsoft.com/office/drawing/2014/main" id="{4B7F50EF-397C-409F-BC9D-63A551D929AB}"/>
+              </a:ext>
+            </a:extLst>
+          </p:cNvPr>
+          <p:cNvSpPr/>
+          <p:nvPr/>
+        </p:nvSpPr>
+        <p:spPr>
+          <a:xfrm>
+            <a:off x="8307467" y="5548204"/>
+            <a:ext cx="1471367" cy="1001433"/>
+          </a:xfrm>
+          <a:prstGeom prst="rect">
+            <a:avLst/>
+          </a:prstGeom>
+        </p:spPr>
+        <p:style>
+          <a:lnRef idx="2">
+            <a:schemeClr val="dk1">
+              <a:shade val="50000"/>
+            </a:schemeClr>
+          </a:lnRef>
+          <a:fillRef idx="1">
+            <a:schemeClr val="dk1"/>
+          </a:fillRef>
+          <a:effectRef idx="0">
+            <a:schemeClr val="dk1"/>
+          </a:effectRef>
+          <a:fontRef idx="minor">
+            <a:schemeClr val="lt1"/>
+          </a:fontRef>
+        </p:style>
+        <p:txBody>
+          <a:bodyPr rtlCol="0" anchor="ctr"/>
+          <a:lstStyle/>
+          <a:p>
+            <a:pPr algn="ctr"/>
+            <a:r>
+              <a:rPr lang="en-US" dirty="0"/>
+              <a:t>Attention</a:t>
+            </a:r>
+          </a:p>
+          <a:p>
+            <a:pPr algn="ctr"/>
+            <a:r>
+              <a:rPr lang="en-US" dirty="0"/>
+              <a:t>(None,128)</a:t>
+            </a:r>
+            <a:endParaRPr lang="en-IN" dirty="0"/>
           </a:p>
         </p:txBody>
       </p:sp>
@@ -7745,12 +8117,6 @@
             <a:endParaRPr lang="en-IN" dirty="0"/>
           </a:p>
           <a:p>
-            <a:pPr marL="0" indent="0">
-              <a:buNone/>
-            </a:pPr>
-            <a:endParaRPr lang="en-IN" dirty="0"/>
-          </a:p>
-          <a:p>
             <a:endParaRPr lang="en-IN" sz="1800" dirty="0">
               <a:effectLst/>
               <a:latin typeface="Cambria" panose="02040503050406030204" pitchFamily="18" charset="0"/>
@@ -7776,10 +8142,10 @@
       </p:sp>
       <p:pic>
         <p:nvPicPr>
-          <p:cNvPr id="9" name="Picture 8" descr="Chart, line chart, histogram&#10;&#10;Description automatically generated">
-            <a:extLst>
-              <a:ext uri="{FF2B5EF4-FFF2-40B4-BE49-F238E27FC236}">
-                <a16:creationId xmlns:a16="http://schemas.microsoft.com/office/drawing/2014/main" id="{CB763A84-0F27-412D-8FDC-4030E9F4A0A4}"/>
+          <p:cNvPr id="7" name="Picture 6" descr="Diagram&#10;&#10;Description automatically generated">
+            <a:extLst>
+              <a:ext uri="{FF2B5EF4-FFF2-40B4-BE49-F238E27FC236}">
+                <a16:creationId xmlns:a16="http://schemas.microsoft.com/office/drawing/2014/main" id="{E6ABE92F-A014-4F90-97F4-1764C3984FA3}"/>
               </a:ext>
             </a:extLst>
           </p:cNvPr>
@@ -7800,42 +8166,8 @@
         </p:blipFill>
         <p:spPr>
           <a:xfrm>
-            <a:off x="837824" y="2346201"/>
-            <a:ext cx="4919804" cy="3425706"/>
-          </a:xfrm>
-          <a:prstGeom prst="rect">
-            <a:avLst/>
-          </a:prstGeom>
-        </p:spPr>
-      </p:pic>
-      <p:pic>
-        <p:nvPicPr>
-          <p:cNvPr id="10" name="Picture 9" descr="Chart, line chart&#10;&#10;Description automatically generated">
-            <a:extLst>
-              <a:ext uri="{FF2B5EF4-FFF2-40B4-BE49-F238E27FC236}">
-                <a16:creationId xmlns:a16="http://schemas.microsoft.com/office/drawing/2014/main" id="{C14ABE7B-723B-4C70-A8D2-C224F0BF3DEC}"/>
-              </a:ext>
-            </a:extLst>
-          </p:cNvPr>
-          <p:cNvPicPr/>
-          <p:nvPr/>
-        </p:nvPicPr>
-        <p:blipFill>
-          <a:blip r:embed="rId4">
-            <a:extLst>
-              <a:ext uri="{28A0092B-C50C-407E-A947-70E740481C1C}">
-                <a14:useLocalDpi xmlns:a14="http://schemas.microsoft.com/office/drawing/2010/main" val="0"/>
-              </a:ext>
-            </a:extLst>
-          </a:blip>
-          <a:stretch>
-            <a:fillRect/>
-          </a:stretch>
-        </p:blipFill>
-        <p:spPr>
-          <a:xfrm>
-            <a:off x="5757628" y="2402431"/>
-            <a:ext cx="4693467" cy="3313245"/>
+            <a:off x="3042719" y="1825625"/>
+            <a:ext cx="5943600" cy="4408805"/>
           </a:xfrm>
           <a:prstGeom prst="rect">
             <a:avLst/>
@@ -7845,7 +8177,7 @@
     </p:spTree>
     <p:extLst>
       <p:ext uri="{BB962C8B-B14F-4D97-AF65-F5344CB8AC3E}">
-        <p14:creationId xmlns:p14="http://schemas.microsoft.com/office/powerpoint/2010/main" val="1634734063"/>
+        <p14:creationId xmlns:p14="http://schemas.microsoft.com/office/powerpoint/2010/main" val="1221655309"/>
       </p:ext>
     </p:extLst>
   </p:cSld>
@@ -7982,6 +8314,248 @@
                   </a:schemeClr>
                 </a:solidFill>
               </a:rPr>
+              <a:t>Model-6</a:t>
+            </a:r>
+            <a:endParaRPr lang="en-IN" dirty="0"/>
+          </a:p>
+          <a:p>
+            <a:pPr marL="0" indent="0">
+              <a:buNone/>
+            </a:pPr>
+            <a:endParaRPr lang="en-IN" dirty="0"/>
+          </a:p>
+          <a:p>
+            <a:endParaRPr lang="en-IN" sz="1800" dirty="0">
+              <a:effectLst/>
+              <a:latin typeface="Cambria" panose="02040503050406030204" pitchFamily="18" charset="0"/>
+              <a:ea typeface="Times New Roman" panose="02020603050405020304" pitchFamily="18" charset="0"/>
+              <a:cs typeface="Mangal" panose="02040503050203030202" pitchFamily="18" charset="0"/>
+            </a:endParaRPr>
+          </a:p>
+          <a:p>
+            <a:endParaRPr lang="en-IN" dirty="0"/>
+          </a:p>
+          <a:p>
+            <a:pPr marL="0" indent="0">
+              <a:buNone/>
+            </a:pPr>
+            <a:endParaRPr lang="en-IN" sz="1800" dirty="0">
+              <a:effectLst/>
+              <a:latin typeface="Cambria" panose="02040503050406030204" pitchFamily="18" charset="0"/>
+              <a:ea typeface="Times New Roman" panose="02020603050405020304" pitchFamily="18" charset="0"/>
+              <a:cs typeface="Mangal" panose="02040503050203030202" pitchFamily="18" charset="0"/>
+            </a:endParaRPr>
+          </a:p>
+        </p:txBody>
+      </p:sp>
+      <p:pic>
+        <p:nvPicPr>
+          <p:cNvPr id="9" name="Picture 8" descr="Chart, line chart, histogram&#10;&#10;Description automatically generated">
+            <a:extLst>
+              <a:ext uri="{FF2B5EF4-FFF2-40B4-BE49-F238E27FC236}">
+                <a16:creationId xmlns:a16="http://schemas.microsoft.com/office/drawing/2014/main" id="{CB763A84-0F27-412D-8FDC-4030E9F4A0A4}"/>
+              </a:ext>
+            </a:extLst>
+          </p:cNvPr>
+          <p:cNvPicPr/>
+          <p:nvPr/>
+        </p:nvPicPr>
+        <p:blipFill>
+          <a:blip r:embed="rId3">
+            <a:extLst>
+              <a:ext uri="{28A0092B-C50C-407E-A947-70E740481C1C}">
+                <a14:useLocalDpi xmlns:a14="http://schemas.microsoft.com/office/drawing/2010/main" val="0"/>
+              </a:ext>
+            </a:extLst>
+          </a:blip>
+          <a:stretch>
+            <a:fillRect/>
+          </a:stretch>
+        </p:blipFill>
+        <p:spPr>
+          <a:xfrm>
+            <a:off x="837824" y="2346201"/>
+            <a:ext cx="4919804" cy="3425706"/>
+          </a:xfrm>
+          <a:prstGeom prst="rect">
+            <a:avLst/>
+          </a:prstGeom>
+        </p:spPr>
+      </p:pic>
+      <p:pic>
+        <p:nvPicPr>
+          <p:cNvPr id="10" name="Picture 9" descr="Chart, line chart&#10;&#10;Description automatically generated">
+            <a:extLst>
+              <a:ext uri="{FF2B5EF4-FFF2-40B4-BE49-F238E27FC236}">
+                <a16:creationId xmlns:a16="http://schemas.microsoft.com/office/drawing/2014/main" id="{C14ABE7B-723B-4C70-A8D2-C224F0BF3DEC}"/>
+              </a:ext>
+            </a:extLst>
+          </p:cNvPr>
+          <p:cNvPicPr/>
+          <p:nvPr/>
+        </p:nvPicPr>
+        <p:blipFill>
+          <a:blip r:embed="rId4">
+            <a:extLst>
+              <a:ext uri="{28A0092B-C50C-407E-A947-70E740481C1C}">
+                <a14:useLocalDpi xmlns:a14="http://schemas.microsoft.com/office/drawing/2010/main" val="0"/>
+              </a:ext>
+            </a:extLst>
+          </a:blip>
+          <a:stretch>
+            <a:fillRect/>
+          </a:stretch>
+        </p:blipFill>
+        <p:spPr>
+          <a:xfrm>
+            <a:off x="5757628" y="2402431"/>
+            <a:ext cx="4693467" cy="3313245"/>
+          </a:xfrm>
+          <a:prstGeom prst="rect">
+            <a:avLst/>
+          </a:prstGeom>
+        </p:spPr>
+      </p:pic>
+    </p:spTree>
+    <p:extLst>
+      <p:ext uri="{BB962C8B-B14F-4D97-AF65-F5344CB8AC3E}">
+        <p14:creationId xmlns:p14="http://schemas.microsoft.com/office/powerpoint/2010/main" val="1634734063"/>
+      </p:ext>
+    </p:extLst>
+  </p:cSld>
+  <p:clrMapOvr>
+    <a:masterClrMapping/>
+  </p:clrMapOvr>
+</p:sld>
+</file>
+
+<file path=ppt/slides/slide27.xml><?xml version="1.0" encoding="utf-8"?>
+<p:sld xmlns:a="http://schemas.openxmlformats.org/drawingml/2006/main" xmlns:r="http://schemas.openxmlformats.org/officeDocument/2006/relationships" xmlns:p="http://schemas.openxmlformats.org/presentationml/2006/main">
+  <p:cSld>
+    <p:spTree>
+      <p:nvGrpSpPr>
+        <p:cNvPr id="1" name=""/>
+        <p:cNvGrpSpPr/>
+        <p:nvPr/>
+      </p:nvGrpSpPr>
+      <p:grpSpPr>
+        <a:xfrm>
+          <a:off x="0" y="0"/>
+          <a:ext cx="0" cy="0"/>
+          <a:chOff x="0" y="0"/>
+          <a:chExt cx="0" cy="0"/>
+        </a:xfrm>
+      </p:grpSpPr>
+      <p:sp>
+        <p:nvSpPr>
+          <p:cNvPr id="2" name="Title 1">
+            <a:extLst>
+              <a:ext uri="{FF2B5EF4-FFF2-40B4-BE49-F238E27FC236}">
+                <a16:creationId xmlns:a16="http://schemas.microsoft.com/office/drawing/2014/main" id="{078945BF-047F-4163-9CCE-0202B64CFA0C}"/>
+              </a:ext>
+            </a:extLst>
+          </p:cNvPr>
+          <p:cNvSpPr>
+            <a:spLocks noGrp="1"/>
+          </p:cNvSpPr>
+          <p:nvPr>
+            <p:ph type="title"/>
+          </p:nvPr>
+        </p:nvSpPr>
+        <p:spPr/>
+        <p:txBody>
+          <a:bodyPr/>
+          <a:lstStyle/>
+          <a:p>
+            <a:r>
+              <a:rPr lang="en-IN" b="1" dirty="0"/>
+              <a:t>Implementation </a:t>
+            </a:r>
+          </a:p>
+        </p:txBody>
+      </p:sp>
+      <p:pic>
+        <p:nvPicPr>
+          <p:cNvPr id="4" name="Picture 7">
+            <a:extLst>
+              <a:ext uri="{FF2B5EF4-FFF2-40B4-BE49-F238E27FC236}">
+                <a16:creationId xmlns:a16="http://schemas.microsoft.com/office/drawing/2014/main" id="{A3B6A24E-442E-4C40-ACD9-23E82280DC80}"/>
+              </a:ext>
+            </a:extLst>
+          </p:cNvPr>
+          <p:cNvPicPr>
+            <a:picLocks noChangeAspect="1" noChangeArrowheads="1"/>
+          </p:cNvPicPr>
+          <p:nvPr/>
+        </p:nvPicPr>
+        <p:blipFill>
+          <a:blip r:embed="rId2">
+            <a:extLst>
+              <a:ext uri="{28A0092B-C50C-407E-A947-70E740481C1C}">
+                <a14:useLocalDpi xmlns:a14="http://schemas.microsoft.com/office/drawing/2010/main" val="0"/>
+              </a:ext>
+            </a:extLst>
+          </a:blip>
+          <a:srcRect/>
+          <a:stretch>
+            <a:fillRect/>
+          </a:stretch>
+        </p:blipFill>
+        <p:spPr bwMode="auto">
+          <a:xfrm>
+            <a:off x="9725025" y="375443"/>
+            <a:ext cx="1628775" cy="1304925"/>
+          </a:xfrm>
+          <a:prstGeom prst="rect">
+            <a:avLst/>
+          </a:prstGeom>
+          <a:noFill/>
+          <a:extLst>
+            <a:ext uri="{909E8E84-426E-40DD-AFC4-6F175D3DCCD1}">
+              <a14:hiddenFill xmlns:a14="http://schemas.microsoft.com/office/drawing/2010/main">
+                <a:solidFill>
+                  <a:srgbClr val="FFFFFF"/>
+                </a:solidFill>
+              </a14:hiddenFill>
+            </a:ext>
+          </a:extLst>
+        </p:spPr>
+      </p:pic>
+      <p:sp>
+        <p:nvSpPr>
+          <p:cNvPr id="6" name="Content Placeholder 5">
+            <a:extLst>
+              <a:ext uri="{FF2B5EF4-FFF2-40B4-BE49-F238E27FC236}">
+                <a16:creationId xmlns:a16="http://schemas.microsoft.com/office/drawing/2014/main" id="{90F8CA56-6026-4026-B08E-14B9597E4435}"/>
+              </a:ext>
+            </a:extLst>
+          </p:cNvPr>
+          <p:cNvSpPr>
+            <a:spLocks noGrp="1"/>
+          </p:cNvSpPr>
+          <p:nvPr>
+            <p:ph idx="1"/>
+          </p:nvPr>
+        </p:nvSpPr>
+        <p:spPr/>
+        <p:txBody>
+          <a:bodyPr>
+            <a:normAutofit/>
+          </a:bodyPr>
+          <a:lstStyle/>
+          <a:p>
+            <a:pPr marL="0" indent="0">
+              <a:buNone/>
+            </a:pPr>
+            <a:r>
+              <a:rPr lang="en-IN" b="1" dirty="0">
+                <a:solidFill>
+                  <a:schemeClr val="tx1">
+                    <a:lumMod val="65000"/>
+                    <a:lumOff val="35000"/>
+                  </a:schemeClr>
+                </a:solidFill>
+              </a:rPr>
               <a:t>Model-7</a:t>
             </a:r>
             <a:endParaRPr lang="en-IN" dirty="0"/>
@@ -8070,7 +8644,7 @@
     </p:spTree>
     <p:extLst>
       <p:ext uri="{BB962C8B-B14F-4D97-AF65-F5344CB8AC3E}">
-        <p14:creationId xmlns:p14="http://schemas.microsoft.com/office/powerpoint/2010/main" val="1221655309"/>
+        <p14:creationId xmlns:p14="http://schemas.microsoft.com/office/powerpoint/2010/main" val="1402337543"/>
       </p:ext>
     </p:extLst>
   </p:cSld>
@@ -8080,7 +8654,879 @@
 </p:sld>
 </file>
 
-<file path=ppt/slides/slide27.xml><?xml version="1.0" encoding="utf-8"?>
+<file path=ppt/slides/slide28.xml><?xml version="1.0" encoding="utf-8"?>
+<p:sld xmlns:a="http://schemas.openxmlformats.org/drawingml/2006/main" xmlns:r="http://schemas.openxmlformats.org/officeDocument/2006/relationships" xmlns:p="http://schemas.openxmlformats.org/presentationml/2006/main">
+  <p:cSld>
+    <p:spTree>
+      <p:nvGrpSpPr>
+        <p:cNvPr id="1" name=""/>
+        <p:cNvGrpSpPr/>
+        <p:nvPr/>
+      </p:nvGrpSpPr>
+      <p:grpSpPr>
+        <a:xfrm>
+          <a:off x="0" y="0"/>
+          <a:ext cx="0" cy="0"/>
+          <a:chOff x="0" y="0"/>
+          <a:chExt cx="0" cy="0"/>
+        </a:xfrm>
+      </p:grpSpPr>
+      <p:sp>
+        <p:nvSpPr>
+          <p:cNvPr id="2" name="Title 1">
+            <a:extLst>
+              <a:ext uri="{FF2B5EF4-FFF2-40B4-BE49-F238E27FC236}">
+                <a16:creationId xmlns:a16="http://schemas.microsoft.com/office/drawing/2014/main" id="{078945BF-047F-4163-9CCE-0202B64CFA0C}"/>
+              </a:ext>
+            </a:extLst>
+          </p:cNvPr>
+          <p:cNvSpPr>
+            <a:spLocks noGrp="1"/>
+          </p:cNvSpPr>
+          <p:nvPr>
+            <p:ph type="title"/>
+          </p:nvPr>
+        </p:nvSpPr>
+        <p:spPr/>
+        <p:txBody>
+          <a:bodyPr/>
+          <a:lstStyle/>
+          <a:p>
+            <a:r>
+              <a:rPr lang="en-IN" b="1" dirty="0"/>
+              <a:t>Implementation </a:t>
+            </a:r>
+          </a:p>
+        </p:txBody>
+      </p:sp>
+      <p:pic>
+        <p:nvPicPr>
+          <p:cNvPr id="4" name="Picture 7">
+            <a:extLst>
+              <a:ext uri="{FF2B5EF4-FFF2-40B4-BE49-F238E27FC236}">
+                <a16:creationId xmlns:a16="http://schemas.microsoft.com/office/drawing/2014/main" id="{A3B6A24E-442E-4C40-ACD9-23E82280DC80}"/>
+              </a:ext>
+            </a:extLst>
+          </p:cNvPr>
+          <p:cNvPicPr>
+            <a:picLocks noChangeAspect="1" noChangeArrowheads="1"/>
+          </p:cNvPicPr>
+          <p:nvPr/>
+        </p:nvPicPr>
+        <p:blipFill>
+          <a:blip r:embed="rId2">
+            <a:extLst>
+              <a:ext uri="{28A0092B-C50C-407E-A947-70E740481C1C}">
+                <a14:useLocalDpi xmlns:a14="http://schemas.microsoft.com/office/drawing/2010/main" val="0"/>
+              </a:ext>
+            </a:extLst>
+          </a:blip>
+          <a:srcRect/>
+          <a:stretch>
+            <a:fillRect/>
+          </a:stretch>
+        </p:blipFill>
+        <p:spPr bwMode="auto">
+          <a:xfrm>
+            <a:off x="9725025" y="375443"/>
+            <a:ext cx="1628775" cy="1304925"/>
+          </a:xfrm>
+          <a:prstGeom prst="rect">
+            <a:avLst/>
+          </a:prstGeom>
+          <a:noFill/>
+          <a:extLst>
+            <a:ext uri="{909E8E84-426E-40DD-AFC4-6F175D3DCCD1}">
+              <a14:hiddenFill xmlns:a14="http://schemas.microsoft.com/office/drawing/2010/main">
+                <a:solidFill>
+                  <a:srgbClr val="FFFFFF"/>
+                </a:solidFill>
+              </a14:hiddenFill>
+            </a:ext>
+          </a:extLst>
+        </p:spPr>
+      </p:pic>
+      <p:sp>
+        <p:nvSpPr>
+          <p:cNvPr id="6" name="Content Placeholder 5">
+            <a:extLst>
+              <a:ext uri="{FF2B5EF4-FFF2-40B4-BE49-F238E27FC236}">
+                <a16:creationId xmlns:a16="http://schemas.microsoft.com/office/drawing/2014/main" id="{90F8CA56-6026-4026-B08E-14B9597E4435}"/>
+              </a:ext>
+            </a:extLst>
+          </p:cNvPr>
+          <p:cNvSpPr>
+            <a:spLocks noGrp="1"/>
+          </p:cNvSpPr>
+          <p:nvPr>
+            <p:ph idx="1"/>
+          </p:nvPr>
+        </p:nvSpPr>
+        <p:spPr/>
+        <p:txBody>
+          <a:bodyPr>
+            <a:normAutofit/>
+          </a:bodyPr>
+          <a:lstStyle/>
+          <a:p>
+            <a:pPr marL="0" indent="0">
+              <a:buNone/>
+            </a:pPr>
+            <a:r>
+              <a:rPr lang="en-IN" b="1" dirty="0">
+                <a:solidFill>
+                  <a:schemeClr val="tx1">
+                    <a:lumMod val="65000"/>
+                    <a:lumOff val="35000"/>
+                  </a:schemeClr>
+                </a:solidFill>
+              </a:rPr>
+              <a:t>Model-7</a:t>
+            </a:r>
+            <a:endParaRPr lang="en-IN" dirty="0"/>
+          </a:p>
+          <a:p>
+            <a:endParaRPr lang="en-IN" sz="1800" dirty="0">
+              <a:effectLst/>
+              <a:latin typeface="Cambria" panose="02040503050406030204" pitchFamily="18" charset="0"/>
+              <a:ea typeface="Times New Roman" panose="02020603050405020304" pitchFamily="18" charset="0"/>
+              <a:cs typeface="Mangal" panose="02040503050203030202" pitchFamily="18" charset="0"/>
+            </a:endParaRPr>
+          </a:p>
+          <a:p>
+            <a:endParaRPr lang="en-IN" dirty="0"/>
+          </a:p>
+          <a:p>
+            <a:pPr marL="0" indent="0">
+              <a:buNone/>
+            </a:pPr>
+            <a:endParaRPr lang="en-IN" sz="1800" dirty="0">
+              <a:effectLst/>
+              <a:latin typeface="Cambria" panose="02040503050406030204" pitchFamily="18" charset="0"/>
+              <a:ea typeface="Times New Roman" panose="02020603050405020304" pitchFamily="18" charset="0"/>
+              <a:cs typeface="Mangal" panose="02040503050203030202" pitchFamily="18" charset="0"/>
+            </a:endParaRPr>
+          </a:p>
+        </p:txBody>
+      </p:sp>
+      <p:pic>
+        <p:nvPicPr>
+          <p:cNvPr id="5" name="Content Placeholder 3" descr="Diagram&#10;&#10;Description automatically generated">
+            <a:extLst>
+              <a:ext uri="{FF2B5EF4-FFF2-40B4-BE49-F238E27FC236}">
+                <a16:creationId xmlns:a16="http://schemas.microsoft.com/office/drawing/2014/main" id="{C687DC07-5A08-4FEF-9159-C7D2CF7850A7}"/>
+              </a:ext>
+            </a:extLst>
+          </p:cNvPr>
+          <p:cNvPicPr>
+            <a:picLocks noChangeAspect="1"/>
+          </p:cNvPicPr>
+          <p:nvPr/>
+        </p:nvPicPr>
+        <p:blipFill rotWithShape="1">
+          <a:blip r:embed="rId3">
+            <a:extLst>
+              <a:ext uri="{28A0092B-C50C-407E-A947-70E740481C1C}">
+                <a14:useLocalDpi xmlns:a14="http://schemas.microsoft.com/office/drawing/2010/main" val="0"/>
+              </a:ext>
+            </a:extLst>
+          </a:blip>
+          <a:srcRect b="5883"/>
+          <a:stretch/>
+        </p:blipFill>
+        <p:spPr>
+          <a:xfrm>
+            <a:off x="2649856" y="1813579"/>
+            <a:ext cx="6892287" cy="4363384"/>
+          </a:xfrm>
+          <a:prstGeom prst="rect">
+            <a:avLst/>
+          </a:prstGeom>
+        </p:spPr>
+      </p:pic>
+    </p:spTree>
+    <p:extLst>
+      <p:ext uri="{BB962C8B-B14F-4D97-AF65-F5344CB8AC3E}">
+        <p14:creationId xmlns:p14="http://schemas.microsoft.com/office/powerpoint/2010/main" val="4034280352"/>
+      </p:ext>
+    </p:extLst>
+  </p:cSld>
+  <p:clrMapOvr>
+    <a:masterClrMapping/>
+  </p:clrMapOvr>
+</p:sld>
+</file>
+
+<file path=ppt/slides/slide29.xml><?xml version="1.0" encoding="utf-8"?>
+<p:sld xmlns:a="http://schemas.openxmlformats.org/drawingml/2006/main" xmlns:r="http://schemas.openxmlformats.org/officeDocument/2006/relationships" xmlns:p="http://schemas.openxmlformats.org/presentationml/2006/main">
+  <p:cSld>
+    <p:spTree>
+      <p:nvGrpSpPr>
+        <p:cNvPr id="1" name=""/>
+        <p:cNvGrpSpPr/>
+        <p:nvPr/>
+      </p:nvGrpSpPr>
+      <p:grpSpPr>
+        <a:xfrm>
+          <a:off x="0" y="0"/>
+          <a:ext cx="0" cy="0"/>
+          <a:chOff x="0" y="0"/>
+          <a:chExt cx="0" cy="0"/>
+        </a:xfrm>
+      </p:grpSpPr>
+      <p:sp>
+        <p:nvSpPr>
+          <p:cNvPr id="2" name="Title 1">
+            <a:extLst>
+              <a:ext uri="{FF2B5EF4-FFF2-40B4-BE49-F238E27FC236}">
+                <a16:creationId xmlns:a16="http://schemas.microsoft.com/office/drawing/2014/main" id="{E76117FE-9F75-498D-B461-63F4D590E84B}"/>
+              </a:ext>
+            </a:extLst>
+          </p:cNvPr>
+          <p:cNvSpPr>
+            <a:spLocks noGrp="1"/>
+          </p:cNvSpPr>
+          <p:nvPr>
+            <p:ph type="title"/>
+          </p:nvPr>
+        </p:nvSpPr>
+        <p:spPr/>
+        <p:txBody>
+          <a:bodyPr/>
+          <a:lstStyle/>
+          <a:p>
+            <a:r>
+              <a:rPr lang="en-IN" b="1" dirty="0"/>
+              <a:t>Implementation</a:t>
+            </a:r>
+            <a:endParaRPr lang="en-IN" dirty="0"/>
+          </a:p>
+        </p:txBody>
+      </p:sp>
+      <p:sp>
+        <p:nvSpPr>
+          <p:cNvPr id="7" name="Content Placeholder 6">
+            <a:extLst>
+              <a:ext uri="{FF2B5EF4-FFF2-40B4-BE49-F238E27FC236}">
+                <a16:creationId xmlns:a16="http://schemas.microsoft.com/office/drawing/2014/main" id="{F17C38E2-09DE-4516-A45A-654D5EB9C7F3}"/>
+              </a:ext>
+            </a:extLst>
+          </p:cNvPr>
+          <p:cNvSpPr>
+            <a:spLocks noGrp="1"/>
+          </p:cNvSpPr>
+          <p:nvPr>
+            <p:ph idx="1"/>
+          </p:nvPr>
+        </p:nvSpPr>
+        <p:spPr/>
+        <p:txBody>
+          <a:bodyPr/>
+          <a:lstStyle/>
+          <a:p>
+            <a:pPr marL="0" indent="0">
+              <a:buNone/>
+            </a:pPr>
+            <a:r>
+              <a:rPr lang="en-IN" b="1" dirty="0">
+                <a:solidFill>
+                  <a:schemeClr val="tx1">
+                    <a:lumMod val="65000"/>
+                    <a:lumOff val="35000"/>
+                  </a:schemeClr>
+                </a:solidFill>
+              </a:rPr>
+              <a:t>Model-7</a:t>
+            </a:r>
+            <a:endParaRPr lang="en-IN" dirty="0"/>
+          </a:p>
+          <a:p>
+            <a:endParaRPr lang="en-IN" dirty="0"/>
+          </a:p>
+        </p:txBody>
+      </p:sp>
+      <p:pic>
+        <p:nvPicPr>
+          <p:cNvPr id="8" name="Picture 7" descr="Chart, histogram&#10;&#10;Description automatically generated">
+            <a:extLst>
+              <a:ext uri="{FF2B5EF4-FFF2-40B4-BE49-F238E27FC236}">
+                <a16:creationId xmlns:a16="http://schemas.microsoft.com/office/drawing/2014/main" id="{1674D76D-F7CC-4DBA-B09C-C83741A5A796}"/>
+              </a:ext>
+            </a:extLst>
+          </p:cNvPr>
+          <p:cNvPicPr/>
+          <p:nvPr/>
+        </p:nvPicPr>
+        <p:blipFill rotWithShape="1">
+          <a:blip r:embed="rId2">
+            <a:extLst>
+              <a:ext uri="{28A0092B-C50C-407E-A947-70E740481C1C}">
+                <a14:useLocalDpi xmlns:a14="http://schemas.microsoft.com/office/drawing/2010/main" val="0"/>
+              </a:ext>
+            </a:extLst>
+          </a:blip>
+          <a:srcRect b="50000"/>
+          <a:stretch/>
+        </p:blipFill>
+        <p:spPr>
+          <a:xfrm>
+            <a:off x="5649721" y="2811856"/>
+            <a:ext cx="4732020" cy="2590800"/>
+          </a:xfrm>
+          <a:prstGeom prst="rect">
+            <a:avLst/>
+          </a:prstGeom>
+        </p:spPr>
+      </p:pic>
+      <p:pic>
+        <p:nvPicPr>
+          <p:cNvPr id="9" name="Picture 8" descr="Chart, histogram&#10;&#10;Description automatically generated">
+            <a:extLst>
+              <a:ext uri="{FF2B5EF4-FFF2-40B4-BE49-F238E27FC236}">
+                <a16:creationId xmlns:a16="http://schemas.microsoft.com/office/drawing/2014/main" id="{7586241A-E747-4D40-9A42-650DD47A9371}"/>
+              </a:ext>
+            </a:extLst>
+          </p:cNvPr>
+          <p:cNvPicPr/>
+          <p:nvPr/>
+        </p:nvPicPr>
+        <p:blipFill rotWithShape="1">
+          <a:blip r:embed="rId2">
+            <a:extLst>
+              <a:ext uri="{28A0092B-C50C-407E-A947-70E740481C1C}">
+                <a14:useLocalDpi xmlns:a14="http://schemas.microsoft.com/office/drawing/2010/main" val="0"/>
+              </a:ext>
+            </a:extLst>
+          </a:blip>
+          <a:srcRect t="50000"/>
+          <a:stretch/>
+        </p:blipFill>
+        <p:spPr>
+          <a:xfrm>
+            <a:off x="1363980" y="2811855"/>
+            <a:ext cx="4732020" cy="2590801"/>
+          </a:xfrm>
+          <a:prstGeom prst="rect">
+            <a:avLst/>
+          </a:prstGeom>
+        </p:spPr>
+      </p:pic>
+    </p:spTree>
+    <p:extLst>
+      <p:ext uri="{BB962C8B-B14F-4D97-AF65-F5344CB8AC3E}">
+        <p14:creationId xmlns:p14="http://schemas.microsoft.com/office/powerpoint/2010/main" val="967058675"/>
+      </p:ext>
+    </p:extLst>
+  </p:cSld>
+  <p:clrMapOvr>
+    <a:masterClrMapping/>
+  </p:clrMapOvr>
+</p:sld>
+</file>
+
+<file path=ppt/slides/slide3.xml><?xml version="1.0" encoding="utf-8"?>
+<p:sld xmlns:a="http://schemas.openxmlformats.org/drawingml/2006/main" xmlns:r="http://schemas.openxmlformats.org/officeDocument/2006/relationships" xmlns:p="http://schemas.openxmlformats.org/presentationml/2006/main">
+  <p:cSld>
+    <p:spTree>
+      <p:nvGrpSpPr>
+        <p:cNvPr id="1" name=""/>
+        <p:cNvGrpSpPr/>
+        <p:nvPr/>
+      </p:nvGrpSpPr>
+      <p:grpSpPr>
+        <a:xfrm>
+          <a:off x="0" y="0"/>
+          <a:ext cx="0" cy="0"/>
+          <a:chOff x="0" y="0"/>
+          <a:chExt cx="0" cy="0"/>
+        </a:xfrm>
+      </p:grpSpPr>
+      <p:sp>
+        <p:nvSpPr>
+          <p:cNvPr id="2" name="Title 1">
+            <a:extLst>
+              <a:ext uri="{FF2B5EF4-FFF2-40B4-BE49-F238E27FC236}">
+                <a16:creationId xmlns:a16="http://schemas.microsoft.com/office/drawing/2014/main" id="{078945BF-047F-4163-9CCE-0202B64CFA0C}"/>
+              </a:ext>
+            </a:extLst>
+          </p:cNvPr>
+          <p:cNvSpPr>
+            <a:spLocks noGrp="1"/>
+          </p:cNvSpPr>
+          <p:nvPr>
+            <p:ph type="title"/>
+          </p:nvPr>
+        </p:nvSpPr>
+        <p:spPr/>
+        <p:txBody>
+          <a:bodyPr/>
+          <a:lstStyle/>
+          <a:p>
+            <a:r>
+              <a:rPr lang="en-IN" b="1" dirty="0"/>
+              <a:t>Literature Survey </a:t>
+            </a:r>
+          </a:p>
+        </p:txBody>
+      </p:sp>
+      <p:graphicFrame>
+        <p:nvGraphicFramePr>
+          <p:cNvPr id="5" name="Table 5">
+            <a:extLst>
+              <a:ext uri="{FF2B5EF4-FFF2-40B4-BE49-F238E27FC236}">
+                <a16:creationId xmlns:a16="http://schemas.microsoft.com/office/drawing/2014/main" id="{4332C05A-0CA1-4A94-93E1-2D9D79551050}"/>
+              </a:ext>
+            </a:extLst>
+          </p:cNvPr>
+          <p:cNvGraphicFramePr>
+            <a:graphicFrameLocks noGrp="1"/>
+          </p:cNvGraphicFramePr>
+          <p:nvPr>
+            <p:ph idx="1"/>
+            <p:extLst>
+              <p:ext uri="{D42A27DB-BD31-4B8C-83A1-F6EECF244321}">
+                <p14:modId xmlns:p14="http://schemas.microsoft.com/office/powerpoint/2010/main" val="1787353588"/>
+              </p:ext>
+            </p:extLst>
+          </p:nvPr>
+        </p:nvGraphicFramePr>
+        <p:xfrm>
+          <a:off x="838200" y="1825624"/>
+          <a:ext cx="10433364" cy="4231146"/>
+        </p:xfrm>
+        <a:graphic>
+          <a:graphicData uri="http://schemas.openxmlformats.org/drawingml/2006/table">
+            <a:tbl>
+              <a:tblPr firstRow="1" bandRow="1">
+                <a:tableStyleId>{073A0DAA-6AF3-43AB-8588-CEC1D06C72B9}</a:tableStyleId>
+              </a:tblPr>
+              <a:tblGrid>
+                <a:gridCol w="3477788">
+                  <a:extLst>
+                    <a:ext uri="{9D8B030D-6E8A-4147-A177-3AD203B41FA5}">
+                      <a16:colId xmlns:a16="http://schemas.microsoft.com/office/drawing/2014/main" val="1805525709"/>
+                    </a:ext>
+                  </a:extLst>
+                </a:gridCol>
+                <a:gridCol w="3477788">
+                  <a:extLst>
+                    <a:ext uri="{9D8B030D-6E8A-4147-A177-3AD203B41FA5}">
+                      <a16:colId xmlns:a16="http://schemas.microsoft.com/office/drawing/2014/main" val="382590798"/>
+                    </a:ext>
+                  </a:extLst>
+                </a:gridCol>
+                <a:gridCol w="3477788">
+                  <a:extLst>
+                    <a:ext uri="{9D8B030D-6E8A-4147-A177-3AD203B41FA5}">
+                      <a16:colId xmlns:a16="http://schemas.microsoft.com/office/drawing/2014/main" val="3198254288"/>
+                    </a:ext>
+                  </a:extLst>
+                </a:gridCol>
+              </a:tblGrid>
+              <a:tr h="705191">
+                <a:tc>
+                  <a:txBody>
+                    <a:bodyPr/>
+                    <a:lstStyle/>
+                    <a:p>
+                      <a:pPr algn="l"/>
+                      <a:r>
+                        <a:rPr lang="en-IN" sz="2000" dirty="0"/>
+                        <a:t>Author</a:t>
+                      </a:r>
+                    </a:p>
+                  </a:txBody>
+                  <a:tcPr/>
+                </a:tc>
+                <a:tc>
+                  <a:txBody>
+                    <a:bodyPr/>
+                    <a:lstStyle/>
+                    <a:p>
+                      <a:pPr algn="l"/>
+                      <a:r>
+                        <a:rPr lang="en-IN" sz="2000" dirty="0"/>
+                        <a:t>Algorithm</a:t>
+                      </a:r>
+                    </a:p>
+                  </a:txBody>
+                  <a:tcPr/>
+                </a:tc>
+                <a:tc>
+                  <a:txBody>
+                    <a:bodyPr/>
+                    <a:lstStyle/>
+                    <a:p>
+                      <a:pPr algn="l"/>
+                      <a:r>
+                        <a:rPr lang="en-IN" sz="2000" dirty="0"/>
+                        <a:t>Accuracy</a:t>
+                      </a:r>
+                    </a:p>
+                  </a:txBody>
+                  <a:tcPr/>
+                </a:tc>
+                <a:extLst>
+                  <a:ext uri="{0D108BD9-81ED-4DB2-BD59-A6C34878D82A}">
+                    <a16:rowId xmlns:a16="http://schemas.microsoft.com/office/drawing/2014/main" val="2609134207"/>
+                  </a:ext>
+                </a:extLst>
+              </a:tr>
+              <a:tr h="705191">
+                <a:tc>
+                  <a:txBody>
+                    <a:bodyPr/>
+                    <a:lstStyle/>
+                    <a:p>
+                      <a:pPr algn="l"/>
+                      <a:r>
+                        <a:rPr lang="en-IN" sz="2000" kern="1200" dirty="0">
+                          <a:solidFill>
+                            <a:schemeClr val="dk1"/>
+                          </a:solidFill>
+                          <a:effectLst/>
+                          <a:latin typeface="+mn-lt"/>
+                          <a:ea typeface="+mn-ea"/>
+                          <a:cs typeface="+mn-cs"/>
+                        </a:rPr>
+                        <a:t>Zhou et al.[1]</a:t>
+                      </a:r>
+                      <a:endParaRPr lang="en-IN" sz="2000" dirty="0"/>
+                    </a:p>
+                  </a:txBody>
+                  <a:tcPr/>
+                </a:tc>
+                <a:tc>
+                  <a:txBody>
+                    <a:bodyPr/>
+                    <a:lstStyle/>
+                    <a:p>
+                      <a:pPr algn="l"/>
+                      <a:r>
+                        <a:rPr lang="en-IN" sz="2000" dirty="0"/>
+                        <a:t>Not Applicable</a:t>
+                      </a:r>
+                    </a:p>
+                  </a:txBody>
+                  <a:tcPr/>
+                </a:tc>
+                <a:tc>
+                  <a:txBody>
+                    <a:bodyPr/>
+                    <a:lstStyle/>
+                    <a:p>
+                      <a:pPr algn="l"/>
+                      <a:r>
+                        <a:rPr lang="en-IN" sz="2000" dirty="0"/>
+                        <a:t>Not Applicable</a:t>
+                      </a:r>
+                    </a:p>
+                  </a:txBody>
+                  <a:tcPr/>
+                </a:tc>
+                <a:extLst>
+                  <a:ext uri="{0D108BD9-81ED-4DB2-BD59-A6C34878D82A}">
+                    <a16:rowId xmlns:a16="http://schemas.microsoft.com/office/drawing/2014/main" val="1107115148"/>
+                  </a:ext>
+                </a:extLst>
+              </a:tr>
+              <a:tr h="705191">
+                <a:tc>
+                  <a:txBody>
+                    <a:bodyPr/>
+                    <a:lstStyle/>
+                    <a:p>
+                      <a:pPr algn="l"/>
+                      <a:r>
+                        <a:rPr lang="en-IN" sz="2000" kern="1200" dirty="0">
+                          <a:solidFill>
+                            <a:schemeClr val="dk1"/>
+                          </a:solidFill>
+                          <a:effectLst/>
+                          <a:latin typeface="+mn-lt"/>
+                          <a:ea typeface="+mn-ea"/>
+                          <a:cs typeface="+mn-cs"/>
+                        </a:rPr>
+                        <a:t>Abedalla et al.[2]</a:t>
+                      </a:r>
+                      <a:endParaRPr lang="en-IN" sz="2000" dirty="0"/>
+                    </a:p>
+                  </a:txBody>
+                  <a:tcPr/>
+                </a:tc>
+                <a:tc>
+                  <a:txBody>
+                    <a:bodyPr/>
+                    <a:lstStyle/>
+                    <a:p>
+                      <a:pPr algn="l"/>
+                      <a:r>
+                        <a:rPr lang="en-IN" sz="2000" dirty="0"/>
+                        <a:t>Attention Layer with CNN + LSTM</a:t>
+                      </a:r>
+                    </a:p>
+                  </a:txBody>
+                  <a:tcPr/>
+                </a:tc>
+                <a:tc>
+                  <a:txBody>
+                    <a:bodyPr/>
+                    <a:lstStyle/>
+                    <a:p>
+                      <a:pPr algn="l"/>
+                      <a:r>
+                        <a:rPr lang="en-IN" sz="2000" dirty="0"/>
+                        <a:t>Accuracy of 0.71</a:t>
+                      </a:r>
+                    </a:p>
+                  </a:txBody>
+                  <a:tcPr/>
+                </a:tc>
+                <a:extLst>
+                  <a:ext uri="{0D108BD9-81ED-4DB2-BD59-A6C34878D82A}">
+                    <a16:rowId xmlns:a16="http://schemas.microsoft.com/office/drawing/2014/main" val="1930230442"/>
+                  </a:ext>
+                </a:extLst>
+              </a:tr>
+              <a:tr h="705191">
+                <a:tc>
+                  <a:txBody>
+                    <a:bodyPr/>
+                    <a:lstStyle/>
+                    <a:p>
+                      <a:pPr algn="l"/>
+                      <a:r>
+                        <a:rPr lang="en-IN" sz="2000" kern="1200" dirty="0">
+                          <a:solidFill>
+                            <a:schemeClr val="dk1"/>
+                          </a:solidFill>
+                          <a:effectLst/>
+                          <a:latin typeface="+mn-lt"/>
+                          <a:ea typeface="+mn-ea"/>
+                          <a:cs typeface="+mn-cs"/>
+                        </a:rPr>
+                        <a:t>Fawaid et al.[3]</a:t>
+                      </a:r>
+                      <a:endParaRPr lang="en-IN" sz="2000" dirty="0"/>
+                    </a:p>
+                  </a:txBody>
+                  <a:tcPr/>
+                </a:tc>
+                <a:tc>
+                  <a:txBody>
+                    <a:bodyPr/>
+                    <a:lstStyle/>
+                    <a:p>
+                      <a:pPr algn="l"/>
+                      <a:r>
+                        <a:rPr lang="en-IN" sz="2000" dirty="0"/>
+                        <a:t>Fine Tuned BERT</a:t>
+                      </a:r>
+                    </a:p>
+                  </a:txBody>
+                  <a:tcPr/>
+                </a:tc>
+                <a:tc>
+                  <a:txBody>
+                    <a:bodyPr/>
+                    <a:lstStyle/>
+                    <a:p>
+                      <a:pPr algn="l"/>
+                      <a:r>
+                        <a:rPr lang="en-IN" sz="2000" dirty="0"/>
+                        <a:t>Accuracy of 0.90</a:t>
+                      </a:r>
+                    </a:p>
+                  </a:txBody>
+                  <a:tcPr/>
+                </a:tc>
+                <a:extLst>
+                  <a:ext uri="{0D108BD9-81ED-4DB2-BD59-A6C34878D82A}">
+                    <a16:rowId xmlns:a16="http://schemas.microsoft.com/office/drawing/2014/main" val="1745065272"/>
+                  </a:ext>
+                </a:extLst>
+              </a:tr>
+              <a:tr h="705191">
+                <a:tc>
+                  <a:txBody>
+                    <a:bodyPr/>
+                    <a:lstStyle/>
+                    <a:p>
+                      <a:pPr algn="l"/>
+                      <a:r>
+                        <a:rPr lang="en-IN" sz="2000" kern="1200" dirty="0">
+                          <a:solidFill>
+                            <a:schemeClr val="dk1"/>
+                          </a:solidFill>
+                          <a:effectLst/>
+                          <a:latin typeface="+mn-lt"/>
+                          <a:ea typeface="+mn-ea"/>
+                          <a:cs typeface="+mn-cs"/>
+                        </a:rPr>
+                        <a:t>Ajao et al.[4]</a:t>
+                      </a:r>
+                      <a:endParaRPr lang="en-IN" sz="2000" dirty="0"/>
+                    </a:p>
+                  </a:txBody>
+                  <a:tcPr/>
+                </a:tc>
+                <a:tc>
+                  <a:txBody>
+                    <a:bodyPr/>
+                    <a:lstStyle/>
+                    <a:p>
+                      <a:pPr algn="l"/>
+                      <a:r>
+                        <a:rPr lang="en-IN" sz="2000" dirty="0"/>
+                        <a:t>RNN</a:t>
+                      </a:r>
+                    </a:p>
+                  </a:txBody>
+                  <a:tcPr/>
+                </a:tc>
+                <a:tc>
+                  <a:txBody>
+                    <a:bodyPr/>
+                    <a:lstStyle/>
+                    <a:p>
+                      <a:pPr algn="l"/>
+                      <a:r>
+                        <a:rPr lang="en-IN" sz="2000" dirty="0"/>
+                        <a:t>Accuracy of 0.82</a:t>
+                      </a:r>
+                    </a:p>
+                  </a:txBody>
+                  <a:tcPr/>
+                </a:tc>
+                <a:extLst>
+                  <a:ext uri="{0D108BD9-81ED-4DB2-BD59-A6C34878D82A}">
+                    <a16:rowId xmlns:a16="http://schemas.microsoft.com/office/drawing/2014/main" val="435875173"/>
+                  </a:ext>
+                </a:extLst>
+              </a:tr>
+              <a:tr h="705191">
+                <a:tc>
+                  <a:txBody>
+                    <a:bodyPr/>
+                    <a:lstStyle/>
+                    <a:p>
+                      <a:pPr algn="l"/>
+                      <a:r>
+                        <a:rPr lang="en-IN" sz="2000" kern="1200" dirty="0">
+                          <a:solidFill>
+                            <a:schemeClr val="dk1"/>
+                          </a:solidFill>
+                          <a:effectLst/>
+                          <a:latin typeface="+mn-lt"/>
+                          <a:ea typeface="+mn-ea"/>
+                          <a:cs typeface="+mn-cs"/>
+                        </a:rPr>
+                        <a:t>Manzoor et al.[5]</a:t>
+                      </a:r>
+                      <a:endParaRPr lang="en-IN" sz="2000" dirty="0"/>
+                    </a:p>
+                  </a:txBody>
+                  <a:tcPr/>
+                </a:tc>
+                <a:tc>
+                  <a:txBody>
+                    <a:bodyPr/>
+                    <a:lstStyle/>
+                    <a:p>
+                      <a:pPr algn="l"/>
+                      <a:r>
+                        <a:rPr lang="en-IN" sz="2000" dirty="0"/>
+                        <a:t>Random Forest Classifier</a:t>
+                      </a:r>
+                    </a:p>
+                  </a:txBody>
+                  <a:tcPr/>
+                </a:tc>
+                <a:tc>
+                  <a:txBody>
+                    <a:bodyPr/>
+                    <a:lstStyle/>
+                    <a:p>
+                      <a:pPr algn="l"/>
+                      <a:r>
+                        <a:rPr lang="en-IN" sz="2000" dirty="0"/>
+                        <a:t>Accuracy of 0.65</a:t>
+                      </a:r>
+                    </a:p>
+                  </a:txBody>
+                  <a:tcPr/>
+                </a:tc>
+                <a:extLst>
+                  <a:ext uri="{0D108BD9-81ED-4DB2-BD59-A6C34878D82A}">
+                    <a16:rowId xmlns:a16="http://schemas.microsoft.com/office/drawing/2014/main" val="2378740280"/>
+                  </a:ext>
+                </a:extLst>
+              </a:tr>
+            </a:tbl>
+          </a:graphicData>
+        </a:graphic>
+      </p:graphicFrame>
+      <p:pic>
+        <p:nvPicPr>
+          <p:cNvPr id="4" name="Picture 7">
+            <a:extLst>
+              <a:ext uri="{FF2B5EF4-FFF2-40B4-BE49-F238E27FC236}">
+                <a16:creationId xmlns:a16="http://schemas.microsoft.com/office/drawing/2014/main" id="{A3B6A24E-442E-4C40-ACD9-23E82280DC80}"/>
+              </a:ext>
+            </a:extLst>
+          </p:cNvPr>
+          <p:cNvPicPr>
+            <a:picLocks noChangeAspect="1" noChangeArrowheads="1"/>
+          </p:cNvPicPr>
+          <p:nvPr/>
+        </p:nvPicPr>
+        <p:blipFill>
+          <a:blip r:embed="rId2">
+            <a:extLst>
+              <a:ext uri="{28A0092B-C50C-407E-A947-70E740481C1C}">
+                <a14:useLocalDpi xmlns:a14="http://schemas.microsoft.com/office/drawing/2010/main" val="0"/>
+              </a:ext>
+            </a:extLst>
+          </a:blip>
+          <a:srcRect/>
+          <a:stretch>
+            <a:fillRect/>
+          </a:stretch>
+        </p:blipFill>
+        <p:spPr bwMode="auto">
+          <a:xfrm>
+            <a:off x="9725025" y="375443"/>
+            <a:ext cx="1628775" cy="1304925"/>
+          </a:xfrm>
+          <a:prstGeom prst="rect">
+            <a:avLst/>
+          </a:prstGeom>
+          <a:noFill/>
+          <a:extLst>
+            <a:ext uri="{909E8E84-426E-40DD-AFC4-6F175D3DCCD1}">
+              <a14:hiddenFill xmlns:a14="http://schemas.microsoft.com/office/drawing/2010/main">
+                <a:solidFill>
+                  <a:srgbClr val="FFFFFF"/>
+                </a:solidFill>
+              </a14:hiddenFill>
+            </a:ext>
+          </a:extLst>
+        </p:spPr>
+      </p:pic>
+    </p:spTree>
+    <p:extLst>
+      <p:ext uri="{BB962C8B-B14F-4D97-AF65-F5344CB8AC3E}">
+        <p14:creationId xmlns:p14="http://schemas.microsoft.com/office/powerpoint/2010/main" val="3908683188"/>
+      </p:ext>
+    </p:extLst>
+  </p:cSld>
+  <p:clrMapOvr>
+    <a:masterClrMapping/>
+  </p:clrMapOvr>
+</p:sld>
+</file>
+
+<file path=ppt/slides/slide30.xml><?xml version="1.0" encoding="utf-8"?>
 <p:sld xmlns:a="http://schemas.openxmlformats.org/drawingml/2006/main" xmlns:r="http://schemas.openxmlformats.org/officeDocument/2006/relationships" xmlns:p="http://schemas.openxmlformats.org/presentationml/2006/main">
   <p:cSld>
     <p:spTree>
@@ -9844,7 +11290,7 @@
 </p:sld>
 </file>
 
-<file path=ppt/slides/slide28.xml><?xml version="1.0" encoding="utf-8"?>
+<file path=ppt/slides/slide31.xml><?xml version="1.0" encoding="utf-8"?>
 <p:sld xmlns:a="http://schemas.openxmlformats.org/drawingml/2006/main" xmlns:r="http://schemas.openxmlformats.org/officeDocument/2006/relationships" xmlns:p="http://schemas.openxmlformats.org/presentationml/2006/main">
   <p:cSld>
     <p:spTree>
@@ -10033,7 +11479,7 @@
 </p:sld>
 </file>
 
-<file path=ppt/slides/slide29.xml><?xml version="1.0" encoding="utf-8"?>
+<file path=ppt/slides/slide32.xml><?xml version="1.0" encoding="utf-8"?>
 <p:sld xmlns:a="http://schemas.openxmlformats.org/drawingml/2006/main" xmlns:r="http://schemas.openxmlformats.org/officeDocument/2006/relationships" xmlns:p="http://schemas.openxmlformats.org/presentationml/2006/main">
   <p:cSld>
     <p:spTree>
@@ -10229,509 +11675,7 @@
 </p:sld>
 </file>
 
-<file path=ppt/slides/slide3.xml><?xml version="1.0" encoding="utf-8"?>
-<p:sld xmlns:a="http://schemas.openxmlformats.org/drawingml/2006/main" xmlns:r="http://schemas.openxmlformats.org/officeDocument/2006/relationships" xmlns:p="http://schemas.openxmlformats.org/presentationml/2006/main">
-  <p:cSld>
-    <p:spTree>
-      <p:nvGrpSpPr>
-        <p:cNvPr id="1" name=""/>
-        <p:cNvGrpSpPr/>
-        <p:nvPr/>
-      </p:nvGrpSpPr>
-      <p:grpSpPr>
-        <a:xfrm>
-          <a:off x="0" y="0"/>
-          <a:ext cx="0" cy="0"/>
-          <a:chOff x="0" y="0"/>
-          <a:chExt cx="0" cy="0"/>
-        </a:xfrm>
-      </p:grpSpPr>
-      <p:sp>
-        <p:nvSpPr>
-          <p:cNvPr id="2" name="Title 1">
-            <a:extLst>
-              <a:ext uri="{FF2B5EF4-FFF2-40B4-BE49-F238E27FC236}">
-                <a16:creationId xmlns:a16="http://schemas.microsoft.com/office/drawing/2014/main" id="{078945BF-047F-4163-9CCE-0202B64CFA0C}"/>
-              </a:ext>
-            </a:extLst>
-          </p:cNvPr>
-          <p:cNvSpPr>
-            <a:spLocks noGrp="1"/>
-          </p:cNvSpPr>
-          <p:nvPr>
-            <p:ph type="title"/>
-          </p:nvPr>
-        </p:nvSpPr>
-        <p:spPr/>
-        <p:txBody>
-          <a:bodyPr/>
-          <a:lstStyle/>
-          <a:p>
-            <a:r>
-              <a:rPr lang="en-IN" b="1" dirty="0"/>
-              <a:t>Literature Survey </a:t>
-            </a:r>
-          </a:p>
-        </p:txBody>
-      </p:sp>
-      <p:graphicFrame>
-        <p:nvGraphicFramePr>
-          <p:cNvPr id="5" name="Table 5">
-            <a:extLst>
-              <a:ext uri="{FF2B5EF4-FFF2-40B4-BE49-F238E27FC236}">
-                <a16:creationId xmlns:a16="http://schemas.microsoft.com/office/drawing/2014/main" id="{4332C05A-0CA1-4A94-93E1-2D9D79551050}"/>
-              </a:ext>
-            </a:extLst>
-          </p:cNvPr>
-          <p:cNvGraphicFramePr>
-            <a:graphicFrameLocks noGrp="1"/>
-          </p:cNvGraphicFramePr>
-          <p:nvPr>
-            <p:ph idx="1"/>
-            <p:extLst>
-              <p:ext uri="{D42A27DB-BD31-4B8C-83A1-F6EECF244321}">
-                <p14:modId xmlns:p14="http://schemas.microsoft.com/office/powerpoint/2010/main" val="1787353588"/>
-              </p:ext>
-            </p:extLst>
-          </p:nvPr>
-        </p:nvGraphicFramePr>
-        <p:xfrm>
-          <a:off x="838200" y="1825624"/>
-          <a:ext cx="10433364" cy="4231146"/>
-        </p:xfrm>
-        <a:graphic>
-          <a:graphicData uri="http://schemas.openxmlformats.org/drawingml/2006/table">
-            <a:tbl>
-              <a:tblPr firstRow="1" bandRow="1">
-                <a:tableStyleId>{073A0DAA-6AF3-43AB-8588-CEC1D06C72B9}</a:tableStyleId>
-              </a:tblPr>
-              <a:tblGrid>
-                <a:gridCol w="3477788">
-                  <a:extLst>
-                    <a:ext uri="{9D8B030D-6E8A-4147-A177-3AD203B41FA5}">
-                      <a16:colId xmlns:a16="http://schemas.microsoft.com/office/drawing/2014/main" val="1805525709"/>
-                    </a:ext>
-                  </a:extLst>
-                </a:gridCol>
-                <a:gridCol w="3477788">
-                  <a:extLst>
-                    <a:ext uri="{9D8B030D-6E8A-4147-A177-3AD203B41FA5}">
-                      <a16:colId xmlns:a16="http://schemas.microsoft.com/office/drawing/2014/main" val="382590798"/>
-                    </a:ext>
-                  </a:extLst>
-                </a:gridCol>
-                <a:gridCol w="3477788">
-                  <a:extLst>
-                    <a:ext uri="{9D8B030D-6E8A-4147-A177-3AD203B41FA5}">
-                      <a16:colId xmlns:a16="http://schemas.microsoft.com/office/drawing/2014/main" val="3198254288"/>
-                    </a:ext>
-                  </a:extLst>
-                </a:gridCol>
-              </a:tblGrid>
-              <a:tr h="705191">
-                <a:tc>
-                  <a:txBody>
-                    <a:bodyPr/>
-                    <a:lstStyle/>
-                    <a:p>
-                      <a:pPr algn="l"/>
-                      <a:r>
-                        <a:rPr lang="en-IN" sz="2000" dirty="0"/>
-                        <a:t>Author</a:t>
-                      </a:r>
-                    </a:p>
-                  </a:txBody>
-                  <a:tcPr/>
-                </a:tc>
-                <a:tc>
-                  <a:txBody>
-                    <a:bodyPr/>
-                    <a:lstStyle/>
-                    <a:p>
-                      <a:pPr algn="l"/>
-                      <a:r>
-                        <a:rPr lang="en-IN" sz="2000" dirty="0"/>
-                        <a:t>Algorithm</a:t>
-                      </a:r>
-                    </a:p>
-                  </a:txBody>
-                  <a:tcPr/>
-                </a:tc>
-                <a:tc>
-                  <a:txBody>
-                    <a:bodyPr/>
-                    <a:lstStyle/>
-                    <a:p>
-                      <a:pPr algn="l"/>
-                      <a:r>
-                        <a:rPr lang="en-IN" sz="2000" dirty="0"/>
-                        <a:t>Accuracy</a:t>
-                      </a:r>
-                    </a:p>
-                  </a:txBody>
-                  <a:tcPr/>
-                </a:tc>
-                <a:extLst>
-                  <a:ext uri="{0D108BD9-81ED-4DB2-BD59-A6C34878D82A}">
-                    <a16:rowId xmlns:a16="http://schemas.microsoft.com/office/drawing/2014/main" val="2609134207"/>
-                  </a:ext>
-                </a:extLst>
-              </a:tr>
-              <a:tr h="705191">
-                <a:tc>
-                  <a:txBody>
-                    <a:bodyPr/>
-                    <a:lstStyle/>
-                    <a:p>
-                      <a:pPr algn="l"/>
-                      <a:r>
-                        <a:rPr lang="en-IN" sz="2000" kern="1200" dirty="0">
-                          <a:solidFill>
-                            <a:schemeClr val="dk1"/>
-                          </a:solidFill>
-                          <a:effectLst/>
-                          <a:latin typeface="+mn-lt"/>
-                          <a:ea typeface="+mn-ea"/>
-                          <a:cs typeface="+mn-cs"/>
-                        </a:rPr>
-                        <a:t>Zhou et al.[1]</a:t>
-                      </a:r>
-                      <a:endParaRPr lang="en-IN" sz="2000" dirty="0"/>
-                    </a:p>
-                  </a:txBody>
-                  <a:tcPr/>
-                </a:tc>
-                <a:tc>
-                  <a:txBody>
-                    <a:bodyPr/>
-                    <a:lstStyle/>
-                    <a:p>
-                      <a:pPr algn="l"/>
-                      <a:r>
-                        <a:rPr lang="en-IN" sz="2000" dirty="0"/>
-                        <a:t>Not Applicable</a:t>
-                      </a:r>
-                    </a:p>
-                  </a:txBody>
-                  <a:tcPr/>
-                </a:tc>
-                <a:tc>
-                  <a:txBody>
-                    <a:bodyPr/>
-                    <a:lstStyle/>
-                    <a:p>
-                      <a:pPr algn="l"/>
-                      <a:r>
-                        <a:rPr lang="en-IN" sz="2000" dirty="0"/>
-                        <a:t>Not Applicable</a:t>
-                      </a:r>
-                    </a:p>
-                  </a:txBody>
-                  <a:tcPr/>
-                </a:tc>
-                <a:extLst>
-                  <a:ext uri="{0D108BD9-81ED-4DB2-BD59-A6C34878D82A}">
-                    <a16:rowId xmlns:a16="http://schemas.microsoft.com/office/drawing/2014/main" val="1107115148"/>
-                  </a:ext>
-                </a:extLst>
-              </a:tr>
-              <a:tr h="705191">
-                <a:tc>
-                  <a:txBody>
-                    <a:bodyPr/>
-                    <a:lstStyle/>
-                    <a:p>
-                      <a:pPr algn="l"/>
-                      <a:r>
-                        <a:rPr lang="en-IN" sz="2000" kern="1200" dirty="0">
-                          <a:solidFill>
-                            <a:schemeClr val="dk1"/>
-                          </a:solidFill>
-                          <a:effectLst/>
-                          <a:latin typeface="+mn-lt"/>
-                          <a:ea typeface="+mn-ea"/>
-                          <a:cs typeface="+mn-cs"/>
-                        </a:rPr>
-                        <a:t>Abedalla et al.[2]</a:t>
-                      </a:r>
-                      <a:endParaRPr lang="en-IN" sz="2000" dirty="0"/>
-                    </a:p>
-                  </a:txBody>
-                  <a:tcPr/>
-                </a:tc>
-                <a:tc>
-                  <a:txBody>
-                    <a:bodyPr/>
-                    <a:lstStyle/>
-                    <a:p>
-                      <a:pPr algn="l"/>
-                      <a:r>
-                        <a:rPr lang="en-IN" sz="2000" dirty="0"/>
-                        <a:t>Attention Layer with CNN + LSTM</a:t>
-                      </a:r>
-                    </a:p>
-                  </a:txBody>
-                  <a:tcPr/>
-                </a:tc>
-                <a:tc>
-                  <a:txBody>
-                    <a:bodyPr/>
-                    <a:lstStyle/>
-                    <a:p>
-                      <a:pPr algn="l"/>
-                      <a:r>
-                        <a:rPr lang="en-IN" sz="2000" dirty="0"/>
-                        <a:t>Accuracy of 0.71</a:t>
-                      </a:r>
-                    </a:p>
-                  </a:txBody>
-                  <a:tcPr/>
-                </a:tc>
-                <a:extLst>
-                  <a:ext uri="{0D108BD9-81ED-4DB2-BD59-A6C34878D82A}">
-                    <a16:rowId xmlns:a16="http://schemas.microsoft.com/office/drawing/2014/main" val="1930230442"/>
-                  </a:ext>
-                </a:extLst>
-              </a:tr>
-              <a:tr h="705191">
-                <a:tc>
-                  <a:txBody>
-                    <a:bodyPr/>
-                    <a:lstStyle/>
-                    <a:p>
-                      <a:pPr algn="l"/>
-                      <a:r>
-                        <a:rPr lang="en-IN" sz="2000" kern="1200" dirty="0">
-                          <a:solidFill>
-                            <a:schemeClr val="dk1"/>
-                          </a:solidFill>
-                          <a:effectLst/>
-                          <a:latin typeface="+mn-lt"/>
-                          <a:ea typeface="+mn-ea"/>
-                          <a:cs typeface="+mn-cs"/>
-                        </a:rPr>
-                        <a:t>Fawaid et al.[3]</a:t>
-                      </a:r>
-                      <a:endParaRPr lang="en-IN" sz="2000" dirty="0"/>
-                    </a:p>
-                  </a:txBody>
-                  <a:tcPr/>
-                </a:tc>
-                <a:tc>
-                  <a:txBody>
-                    <a:bodyPr/>
-                    <a:lstStyle/>
-                    <a:p>
-                      <a:pPr algn="l"/>
-                      <a:r>
-                        <a:rPr lang="en-IN" sz="2000" dirty="0"/>
-                        <a:t>Fine Tuned BERT</a:t>
-                      </a:r>
-                    </a:p>
-                  </a:txBody>
-                  <a:tcPr/>
-                </a:tc>
-                <a:tc>
-                  <a:txBody>
-                    <a:bodyPr/>
-                    <a:lstStyle/>
-                    <a:p>
-                      <a:pPr algn="l"/>
-                      <a:r>
-                        <a:rPr lang="en-IN" sz="2000" dirty="0"/>
-                        <a:t>Accuracy of 0.90</a:t>
-                      </a:r>
-                    </a:p>
-                  </a:txBody>
-                  <a:tcPr/>
-                </a:tc>
-                <a:extLst>
-                  <a:ext uri="{0D108BD9-81ED-4DB2-BD59-A6C34878D82A}">
-                    <a16:rowId xmlns:a16="http://schemas.microsoft.com/office/drawing/2014/main" val="1745065272"/>
-                  </a:ext>
-                </a:extLst>
-              </a:tr>
-              <a:tr h="705191">
-                <a:tc>
-                  <a:txBody>
-                    <a:bodyPr/>
-                    <a:lstStyle/>
-                    <a:p>
-                      <a:pPr algn="l"/>
-                      <a:r>
-                        <a:rPr lang="en-IN" sz="2000" kern="1200" dirty="0">
-                          <a:solidFill>
-                            <a:schemeClr val="dk1"/>
-                          </a:solidFill>
-                          <a:effectLst/>
-                          <a:latin typeface="+mn-lt"/>
-                          <a:ea typeface="+mn-ea"/>
-                          <a:cs typeface="+mn-cs"/>
-                        </a:rPr>
-                        <a:t>Ajao et al.[4]</a:t>
-                      </a:r>
-                      <a:endParaRPr lang="en-IN" sz="2000" dirty="0"/>
-                    </a:p>
-                  </a:txBody>
-                  <a:tcPr/>
-                </a:tc>
-                <a:tc>
-                  <a:txBody>
-                    <a:bodyPr/>
-                    <a:lstStyle/>
-                    <a:p>
-                      <a:pPr algn="l"/>
-                      <a:r>
-                        <a:rPr lang="en-IN" sz="2000" dirty="0"/>
-                        <a:t>RNN</a:t>
-                      </a:r>
-                    </a:p>
-                  </a:txBody>
-                  <a:tcPr/>
-                </a:tc>
-                <a:tc>
-                  <a:txBody>
-                    <a:bodyPr/>
-                    <a:lstStyle/>
-                    <a:p>
-                      <a:pPr algn="l"/>
-                      <a:r>
-                        <a:rPr lang="en-IN" sz="2000" dirty="0"/>
-                        <a:t>Accuracy of 0.82</a:t>
-                      </a:r>
-                    </a:p>
-                  </a:txBody>
-                  <a:tcPr/>
-                </a:tc>
-                <a:extLst>
-                  <a:ext uri="{0D108BD9-81ED-4DB2-BD59-A6C34878D82A}">
-                    <a16:rowId xmlns:a16="http://schemas.microsoft.com/office/drawing/2014/main" val="435875173"/>
-                  </a:ext>
-                </a:extLst>
-              </a:tr>
-              <a:tr h="705191">
-                <a:tc>
-                  <a:txBody>
-                    <a:bodyPr/>
-                    <a:lstStyle/>
-                    <a:p>
-                      <a:pPr algn="l"/>
-                      <a:r>
-                        <a:rPr lang="en-IN" sz="2000" kern="1200" dirty="0">
-                          <a:solidFill>
-                            <a:schemeClr val="dk1"/>
-                          </a:solidFill>
-                          <a:effectLst/>
-                          <a:latin typeface="+mn-lt"/>
-                          <a:ea typeface="+mn-ea"/>
-                          <a:cs typeface="+mn-cs"/>
-                        </a:rPr>
-                        <a:t>Manzoor et al.[5]</a:t>
-                      </a:r>
-                      <a:endParaRPr lang="en-IN" sz="2000" dirty="0"/>
-                    </a:p>
-                  </a:txBody>
-                  <a:tcPr/>
-                </a:tc>
-                <a:tc>
-                  <a:txBody>
-                    <a:bodyPr/>
-                    <a:lstStyle/>
-                    <a:p>
-                      <a:pPr algn="l"/>
-                      <a:r>
-                        <a:rPr lang="en-IN" sz="2000" dirty="0"/>
-                        <a:t>Random Forest Classifier</a:t>
-                      </a:r>
-                    </a:p>
-                  </a:txBody>
-                  <a:tcPr/>
-                </a:tc>
-                <a:tc>
-                  <a:txBody>
-                    <a:bodyPr/>
-                    <a:lstStyle/>
-                    <a:p>
-                      <a:pPr algn="l"/>
-                      <a:r>
-                        <a:rPr lang="en-IN" sz="2000" dirty="0"/>
-                        <a:t>Accuracy of 0.65</a:t>
-                      </a:r>
-                    </a:p>
-                  </a:txBody>
-                  <a:tcPr/>
-                </a:tc>
-                <a:extLst>
-                  <a:ext uri="{0D108BD9-81ED-4DB2-BD59-A6C34878D82A}">
-                    <a16:rowId xmlns:a16="http://schemas.microsoft.com/office/drawing/2014/main" val="2378740280"/>
-                  </a:ext>
-                </a:extLst>
-              </a:tr>
-            </a:tbl>
-          </a:graphicData>
-        </a:graphic>
-      </p:graphicFrame>
-      <p:pic>
-        <p:nvPicPr>
-          <p:cNvPr id="4" name="Picture 7">
-            <a:extLst>
-              <a:ext uri="{FF2B5EF4-FFF2-40B4-BE49-F238E27FC236}">
-                <a16:creationId xmlns:a16="http://schemas.microsoft.com/office/drawing/2014/main" id="{A3B6A24E-442E-4C40-ACD9-23E82280DC80}"/>
-              </a:ext>
-            </a:extLst>
-          </p:cNvPr>
-          <p:cNvPicPr>
-            <a:picLocks noChangeAspect="1" noChangeArrowheads="1"/>
-          </p:cNvPicPr>
-          <p:nvPr/>
-        </p:nvPicPr>
-        <p:blipFill>
-          <a:blip r:embed="rId2">
-            <a:extLst>
-              <a:ext uri="{28A0092B-C50C-407E-A947-70E740481C1C}">
-                <a14:useLocalDpi xmlns:a14="http://schemas.microsoft.com/office/drawing/2010/main" val="0"/>
-              </a:ext>
-            </a:extLst>
-          </a:blip>
-          <a:srcRect/>
-          <a:stretch>
-            <a:fillRect/>
-          </a:stretch>
-        </p:blipFill>
-        <p:spPr bwMode="auto">
-          <a:xfrm>
-            <a:off x="9725025" y="375443"/>
-            <a:ext cx="1628775" cy="1304925"/>
-          </a:xfrm>
-          <a:prstGeom prst="rect">
-            <a:avLst/>
-          </a:prstGeom>
-          <a:noFill/>
-          <a:extLst>
-            <a:ext uri="{909E8E84-426E-40DD-AFC4-6F175D3DCCD1}">
-              <a14:hiddenFill xmlns:a14="http://schemas.microsoft.com/office/drawing/2010/main">
-                <a:solidFill>
-                  <a:srgbClr val="FFFFFF"/>
-                </a:solidFill>
-              </a14:hiddenFill>
-            </a:ext>
-          </a:extLst>
-        </p:spPr>
-      </p:pic>
-    </p:spTree>
-    <p:extLst>
-      <p:ext uri="{BB962C8B-B14F-4D97-AF65-F5344CB8AC3E}">
-        <p14:creationId xmlns:p14="http://schemas.microsoft.com/office/powerpoint/2010/main" val="3908683188"/>
-      </p:ext>
-    </p:extLst>
-  </p:cSld>
-  <p:clrMapOvr>
-    <a:masterClrMapping/>
-  </p:clrMapOvr>
-</p:sld>
-</file>
-
-<file path=ppt/slides/slide30.xml><?xml version="1.0" encoding="utf-8"?>
+<file path=ppt/slides/slide33.xml><?xml version="1.0" encoding="utf-8"?>
 <p:sld xmlns:a="http://schemas.openxmlformats.org/drawingml/2006/main" xmlns:r="http://schemas.openxmlformats.org/officeDocument/2006/relationships" xmlns:p="http://schemas.openxmlformats.org/presentationml/2006/main">
   <p:cSld>
     <p:spTree>
@@ -10952,7 +11896,7 @@
 </p:sld>
 </file>
 
-<file path=ppt/slides/slide31.xml><?xml version="1.0" encoding="utf-8"?>
+<file path=ppt/slides/slide34.xml><?xml version="1.0" encoding="utf-8"?>
 <p:sld xmlns:a="http://schemas.openxmlformats.org/drawingml/2006/main" xmlns:r="http://schemas.openxmlformats.org/officeDocument/2006/relationships" xmlns:p="http://schemas.openxmlformats.org/presentationml/2006/main">
   <p:cSld>
     <p:spTree>
@@ -11533,7 +12477,7 @@
 </p:sld>
 </file>
 
-<file path=ppt/slides/slide32.xml><?xml version="1.0" encoding="utf-8"?>
+<file path=ppt/slides/slide35.xml><?xml version="1.0" encoding="utf-8"?>
 <p:sld xmlns:a="http://schemas.openxmlformats.org/drawingml/2006/main" xmlns:r="http://schemas.openxmlformats.org/officeDocument/2006/relationships" xmlns:p="http://schemas.openxmlformats.org/presentationml/2006/main">
   <p:cSld>
     <p:spTree>
@@ -12819,6 +13763,42 @@
           </a:p>
         </p:txBody>
       </p:sp>
+      <p:pic>
+        <p:nvPicPr>
+          <p:cNvPr id="5" name="Picture 4">
+            <a:extLst>
+              <a:ext uri="{FF2B5EF4-FFF2-40B4-BE49-F238E27FC236}">
+                <a16:creationId xmlns:a16="http://schemas.microsoft.com/office/drawing/2014/main" id="{9C06ACCD-62B0-4123-8288-3E71EEB1634E}"/>
+              </a:ext>
+            </a:extLst>
+          </p:cNvPr>
+          <p:cNvPicPr>
+            <a:picLocks noChangeAspect="1"/>
+          </p:cNvPicPr>
+          <p:nvPr/>
+        </p:nvPicPr>
+        <p:blipFill>
+          <a:blip r:embed="rId3">
+            <a:extLst>
+              <a:ext uri="{28A0092B-C50C-407E-A947-70E740481C1C}">
+                <a14:useLocalDpi xmlns:a14="http://schemas.microsoft.com/office/drawing/2010/main" val="0"/>
+              </a:ext>
+            </a:extLst>
+          </a:blip>
+          <a:stretch>
+            <a:fillRect/>
+          </a:stretch>
+        </p:blipFill>
+        <p:spPr>
+          <a:xfrm>
+            <a:off x="1208259" y="5398848"/>
+            <a:ext cx="10145541" cy="1267002"/>
+          </a:xfrm>
+          <a:prstGeom prst="rect">
+            <a:avLst/>
+          </a:prstGeom>
+        </p:spPr>
+      </p:pic>
     </p:spTree>
     <p:extLst>
       <p:ext uri="{BB962C8B-B14F-4D97-AF65-F5344CB8AC3E}">
@@ -12872,7 +13852,7 @@
           <a:p>
             <a:r>
               <a:rPr lang="en-IN" b="1" dirty="0"/>
-              <a:t>Methodology</a:t>
+              <a:t>Methodology </a:t>
             </a:r>
           </a:p>
         </p:txBody>
@@ -12945,6 +13925,30 @@
           <a:bodyPr/>
           <a:lstStyle/>
           <a:p>
+            <a:r>
+              <a:rPr lang="en-IN" dirty="0"/>
+              <a:t>A common LSTM unit is composed of a cell, an input gate, an output gate and a forget  gate.</a:t>
+            </a:r>
+          </a:p>
+          <a:p>
+            <a:r>
+              <a:rPr lang="en-IN" dirty="0"/>
+              <a:t>CNNs are regularized versions of multilayer perceptron. Multilayer perceptron usually mean fully connected networks.</a:t>
+            </a:r>
+          </a:p>
+          <a:p>
+            <a:r>
+              <a:rPr lang="en-IN" dirty="0"/>
+              <a:t>CNNs  take advantage of the hierarchical pattern in data.</a:t>
+            </a:r>
+          </a:p>
+          <a:p>
+            <a:r>
+              <a:rPr lang="en-IN" dirty="0"/>
+              <a:t>It assemble patterns of increasing complexity using smaller and simpler patterns embossed in their filters.</a:t>
+            </a:r>
+          </a:p>
+          <a:p>
             <a:endParaRPr lang="en-IN" dirty="0"/>
           </a:p>
         </p:txBody>
@@ -12952,7 +13956,7 @@
     </p:spTree>
     <p:extLst>
       <p:ext uri="{BB962C8B-B14F-4D97-AF65-F5344CB8AC3E}">
-        <p14:creationId xmlns:p14="http://schemas.microsoft.com/office/powerpoint/2010/main" val="2604798448"/>
+        <p14:creationId xmlns:p14="http://schemas.microsoft.com/office/powerpoint/2010/main" val="684042375"/>
       </p:ext>
     </p:extLst>
   </p:cSld>
@@ -13072,36 +14076,32 @@
         </p:nvSpPr>
         <p:spPr/>
         <p:txBody>
-          <a:bodyPr/>
+          <a:bodyPr>
+            <a:normAutofit/>
+          </a:bodyPr>
           <a:lstStyle/>
-          <a:p>
-            <a:r>
-              <a:rPr lang="en-IN" dirty="0"/>
-              <a:t>A common LSTM unit is composed of a cell, an input gate, an output gate and a forget  gate.</a:t>
-            </a:r>
-          </a:p>
-          <a:p>
-            <a:r>
-              <a:rPr lang="en-IN" dirty="0"/>
-              <a:t>CNNs are regularized versions of multilayer perceptron. Multilayer perceptron usually mean fully connected networks.</a:t>
-            </a:r>
-          </a:p>
-          <a:p>
-            <a:r>
-              <a:rPr lang="en-IN" dirty="0"/>
-              <a:t>CNNs  take advantage of the hierarchical pattern in data.</a:t>
-            </a:r>
-          </a:p>
-          <a:p>
-            <a:r>
-              <a:rPr lang="en-IN" dirty="0"/>
-              <a:t>It assemble patterns of increasing complexity using smaller and simpler patterns embossed in their filters.</a:t>
-            </a:r>
-          </a:p>
           <a:p>
             <a:r>
               <a:rPr lang="en-IN" dirty="0"/>
               <a:t>CNN layers used for feature extraction on input data combined with LSTMs to support sequence prediction.</a:t>
+            </a:r>
+          </a:p>
+          <a:p>
+            <a:r>
+              <a:rPr lang="en-IN" dirty="0"/>
+              <a:t>Attention is a mechanism combined in the RNN allowing it to focus on certain parts of the input sequence when predicting a certain part of the output sequence, enabling easier learning and of higher quality. </a:t>
+            </a:r>
+          </a:p>
+          <a:p>
+            <a:r>
+              <a:rPr lang="en-IN" dirty="0"/>
+              <a:t>Combination of attention mechanisms enabled improved performance in many tasks making it an integral part of modern RNN networks.</a:t>
+            </a:r>
+          </a:p>
+          <a:p>
+            <a:r>
+              <a:rPr lang="en-IN" dirty="0"/>
+              <a:t>Attention mechanisms let a model draw from the state at any preceding point along the sequence.</a:t>
             </a:r>
           </a:p>
           <a:p>
@@ -13112,7 +14112,7 @@
     </p:spTree>
     <p:extLst>
       <p:ext uri="{BB962C8B-B14F-4D97-AF65-F5344CB8AC3E}">
-        <p14:creationId xmlns:p14="http://schemas.microsoft.com/office/powerpoint/2010/main" val="684042375"/>
+        <p14:creationId xmlns:p14="http://schemas.microsoft.com/office/powerpoint/2010/main" val="3354237748"/>
       </p:ext>
     </p:extLst>
   </p:cSld>
@@ -13236,31 +14236,49 @@
           <a:lstStyle/>
           <a:p>
             <a:r>
-              <a:rPr lang="en-IN" dirty="0"/>
-              <a:t>Attention is a mechanism combined in the RNN allowing it to focus on certain parts of the input sequence when predicting a certain part of the output sequence, enabling easier learning and of higher quality. </a:t>
-            </a:r>
-          </a:p>
-          <a:p>
-            <a:r>
-              <a:rPr lang="en-IN" dirty="0"/>
-              <a:t>Combination of attention mechanisms enabled improved performance in many tasks making it an integral part of modern RNN networks.</a:t>
-            </a:r>
-          </a:p>
-          <a:p>
-            <a:r>
-              <a:rPr lang="en-IN" dirty="0"/>
-              <a:t>Attention mechanisms let a model draw from the state at any preceding point along the sequence.</a:t>
-            </a:r>
-          </a:p>
-          <a:p>
-            <a:endParaRPr lang="en-IN" dirty="0"/>
+              <a:rPr lang="en-IN" sz="2800" dirty="0">
+                <a:solidFill>
+                  <a:srgbClr val="231F20"/>
+                </a:solidFill>
+                <a:effectLst/>
+                <a:latin typeface="Cambria" panose="02040503050406030204" pitchFamily="18" charset="0"/>
+                <a:ea typeface="Times New Roman" panose="02020603050405020304" pitchFamily="18" charset="0"/>
+                <a:cs typeface="Mangal" panose="02040503050203030202" pitchFamily="18" charset="0"/>
+              </a:rPr>
+              <a:t>The attention layer can access all previous states and weights them according to a learned measure of relevancy, providing relevant information about far-away tokens.</a:t>
+            </a:r>
+            <a:endParaRPr lang="en-IN" dirty="0">
+              <a:latin typeface="Cambria" panose="02040503050406030204" pitchFamily="18" charset="0"/>
+              <a:ea typeface="Times New Roman" panose="02020603050405020304" pitchFamily="18" charset="0"/>
+              <a:cs typeface="Mangal" panose="02040503050203030202" pitchFamily="18" charset="0"/>
+            </a:endParaRPr>
+          </a:p>
+          <a:p>
+            <a:r>
+              <a:rPr lang="en-IN" dirty="0">
+                <a:solidFill>
+                  <a:srgbClr val="231F20"/>
+                </a:solidFill>
+                <a:latin typeface="Cambria" panose="02040503050406030204" pitchFamily="18" charset="0"/>
+                <a:cs typeface="Mangal" panose="02040503050203030202" pitchFamily="18" charset="0"/>
+              </a:rPr>
+              <a:t>Transformers use an attention mechanism without an RNN, processing all tokens at the same time and calculating attention weights between them in successive layers.</a:t>
+            </a:r>
+          </a:p>
+          <a:p>
+            <a:endParaRPr lang="en-IN" sz="1800" dirty="0">
+              <a:effectLst/>
+              <a:latin typeface="Cambria" panose="02040503050406030204" pitchFamily="18" charset="0"/>
+              <a:ea typeface="Times New Roman" panose="02020603050405020304" pitchFamily="18" charset="0"/>
+              <a:cs typeface="Mangal" panose="02040503050203030202" pitchFamily="18" charset="0"/>
+            </a:endParaRPr>
           </a:p>
         </p:txBody>
       </p:sp>
     </p:spTree>
     <p:extLst>
       <p:ext uri="{BB962C8B-B14F-4D97-AF65-F5344CB8AC3E}">
-        <p14:creationId xmlns:p14="http://schemas.microsoft.com/office/powerpoint/2010/main" val="3354237748"/>
+        <p14:creationId xmlns:p14="http://schemas.microsoft.com/office/powerpoint/2010/main" val="3562716280"/>
       </p:ext>
     </p:extLst>
   </p:cSld>

--- a/Fake_News_New.pptx
+++ b/Fake_News_New.pptx
@@ -4705,9 +4705,10 @@
           <a:lstStyle/>
           <a:p>
             <a:r>
-              <a:rPr lang="en-IN" b="1" dirty="0"/>
-              <a:t>Implementation </a:t>
-            </a:r>
+              <a:rPr lang="en-IN" b="1"/>
+              <a:t>Implementation</a:t>
+            </a:r>
+            <a:endParaRPr lang="en-IN" b="1" dirty="0"/>
           </a:p>
         </p:txBody>
       </p:sp>
